--- a/models.pptx
+++ b/models.pptx
@@ -6,12 +6,12 @@
   </p:sldMasterIdLst>
   <p:sldIdLst>
     <p:sldId id="256" r:id="rId2"/>
-    <p:sldId id="262" r:id="rId3"/>
-    <p:sldId id="257" r:id="rId4"/>
-    <p:sldId id="265" r:id="rId5"/>
-    <p:sldId id="260" r:id="rId6"/>
-    <p:sldId id="264" r:id="rId7"/>
-    <p:sldId id="263" r:id="rId8"/>
+    <p:sldId id="257" r:id="rId3"/>
+    <p:sldId id="265" r:id="rId4"/>
+    <p:sldId id="260" r:id="rId5"/>
+    <p:sldId id="264" r:id="rId6"/>
+    <p:sldId id="263" r:id="rId7"/>
+    <p:sldId id="268" r:id="rId8"/>
     <p:sldId id="266" r:id="rId9"/>
     <p:sldId id="258" r:id="rId10"/>
   </p:sldIdLst>
@@ -269,7 +269,7 @@
           <a:p>
             <a:fld id="{647F295C-4191-4601-AA84-790DCD19825B}" type="datetimeFigureOut">
               <a:rPr lang="fa-IR" smtClean="0"/>
-              <a:t>04/02/1447</a:t>
+              <a:t>18/02/1447</a:t>
             </a:fld>
             <a:endParaRPr lang="fa-IR"/>
           </a:p>
@@ -469,7 +469,7 @@
           <a:p>
             <a:fld id="{647F295C-4191-4601-AA84-790DCD19825B}" type="datetimeFigureOut">
               <a:rPr lang="fa-IR" smtClean="0"/>
-              <a:t>04/02/1447</a:t>
+              <a:t>18/02/1447</a:t>
             </a:fld>
             <a:endParaRPr lang="fa-IR"/>
           </a:p>
@@ -679,7 +679,7 @@
           <a:p>
             <a:fld id="{647F295C-4191-4601-AA84-790DCD19825B}" type="datetimeFigureOut">
               <a:rPr lang="fa-IR" smtClean="0"/>
-              <a:t>04/02/1447</a:t>
+              <a:t>18/02/1447</a:t>
             </a:fld>
             <a:endParaRPr lang="fa-IR"/>
           </a:p>
@@ -879,7 +879,7 @@
           <a:p>
             <a:fld id="{647F295C-4191-4601-AA84-790DCD19825B}" type="datetimeFigureOut">
               <a:rPr lang="fa-IR" smtClean="0"/>
-              <a:t>04/02/1447</a:t>
+              <a:t>18/02/1447</a:t>
             </a:fld>
             <a:endParaRPr lang="fa-IR"/>
           </a:p>
@@ -1155,7 +1155,7 @@
           <a:p>
             <a:fld id="{647F295C-4191-4601-AA84-790DCD19825B}" type="datetimeFigureOut">
               <a:rPr lang="fa-IR" smtClean="0"/>
-              <a:t>04/02/1447</a:t>
+              <a:t>18/02/1447</a:t>
             </a:fld>
             <a:endParaRPr lang="fa-IR"/>
           </a:p>
@@ -1423,7 +1423,7 @@
           <a:p>
             <a:fld id="{647F295C-4191-4601-AA84-790DCD19825B}" type="datetimeFigureOut">
               <a:rPr lang="fa-IR" smtClean="0"/>
-              <a:t>04/02/1447</a:t>
+              <a:t>18/02/1447</a:t>
             </a:fld>
             <a:endParaRPr lang="fa-IR"/>
           </a:p>
@@ -1838,7 +1838,7 @@
           <a:p>
             <a:fld id="{647F295C-4191-4601-AA84-790DCD19825B}" type="datetimeFigureOut">
               <a:rPr lang="fa-IR" smtClean="0"/>
-              <a:t>04/02/1447</a:t>
+              <a:t>18/02/1447</a:t>
             </a:fld>
             <a:endParaRPr lang="fa-IR"/>
           </a:p>
@@ -1980,7 +1980,7 @@
           <a:p>
             <a:fld id="{647F295C-4191-4601-AA84-790DCD19825B}" type="datetimeFigureOut">
               <a:rPr lang="fa-IR" smtClean="0"/>
-              <a:t>04/02/1447</a:t>
+              <a:t>18/02/1447</a:t>
             </a:fld>
             <a:endParaRPr lang="fa-IR"/>
           </a:p>
@@ -2093,7 +2093,7 @@
           <a:p>
             <a:fld id="{647F295C-4191-4601-AA84-790DCD19825B}" type="datetimeFigureOut">
               <a:rPr lang="fa-IR" smtClean="0"/>
-              <a:t>04/02/1447</a:t>
+              <a:t>18/02/1447</a:t>
             </a:fld>
             <a:endParaRPr lang="fa-IR"/>
           </a:p>
@@ -2406,7 +2406,7 @@
           <a:p>
             <a:fld id="{647F295C-4191-4601-AA84-790DCD19825B}" type="datetimeFigureOut">
               <a:rPr lang="fa-IR" smtClean="0"/>
-              <a:t>04/02/1447</a:t>
+              <a:t>18/02/1447</a:t>
             </a:fld>
             <a:endParaRPr lang="fa-IR"/>
           </a:p>
@@ -2695,7 +2695,7 @@
           <a:p>
             <a:fld id="{647F295C-4191-4601-AA84-790DCD19825B}" type="datetimeFigureOut">
               <a:rPr lang="fa-IR" smtClean="0"/>
-              <a:t>04/02/1447</a:t>
+              <a:t>18/02/1447</a:t>
             </a:fld>
             <a:endParaRPr lang="fa-IR"/>
           </a:p>
@@ -2938,7 +2938,7 @@
           <a:p>
             <a:fld id="{647F295C-4191-4601-AA84-790DCD19825B}" type="datetimeFigureOut">
               <a:rPr lang="fa-IR" smtClean="0"/>
-              <a:t>04/02/1447</a:t>
+              <a:t>18/02/1447</a:t>
             </a:fld>
             <a:endParaRPr lang="fa-IR"/>
           </a:p>
@@ -4073,66 +4073,6 @@
 </file>
 
 <file path=ppt/slides/slide2.xml><?xml version="1.0" encoding="utf-8"?>
-<p:sld xmlns:a="http://schemas.openxmlformats.org/drawingml/2006/main" xmlns:r="http://schemas.openxmlformats.org/officeDocument/2006/relationships" xmlns:p="http://schemas.openxmlformats.org/presentationml/2006/main">
-  <p:cSld>
-    <p:spTree>
-      <p:nvGrpSpPr>
-        <p:cNvPr id="1" name=""/>
-        <p:cNvGrpSpPr/>
-        <p:nvPr/>
-      </p:nvGrpSpPr>
-      <p:grpSpPr>
-        <a:xfrm>
-          <a:off x="0" y="0"/>
-          <a:ext cx="0" cy="0"/>
-          <a:chOff x="0" y="0"/>
-          <a:chExt cx="0" cy="0"/>
-        </a:xfrm>
-      </p:grpSpPr>
-      <p:pic>
-        <p:nvPicPr>
-          <p:cNvPr id="3" name="Picture 2">
-            <a:extLst>
-              <a:ext uri="{FF2B5EF4-FFF2-40B4-BE49-F238E27FC236}">
-                <a16:creationId xmlns:a16="http://schemas.microsoft.com/office/drawing/2014/main" id="{6C780A09-1839-A9F9-1EE5-CE20DDDCDA37}"/>
-              </a:ext>
-            </a:extLst>
-          </p:cNvPr>
-          <p:cNvPicPr>
-            <a:picLocks noChangeAspect="1"/>
-          </p:cNvPicPr>
-          <p:nvPr/>
-        </p:nvPicPr>
-        <p:blipFill>
-          <a:blip r:embed="rId2"/>
-          <a:stretch>
-            <a:fillRect/>
-          </a:stretch>
-        </p:blipFill>
-        <p:spPr>
-          <a:xfrm>
-            <a:off x="0" y="1085295"/>
-            <a:ext cx="12192000" cy="4687410"/>
-          </a:xfrm>
-          <a:prstGeom prst="rect">
-            <a:avLst/>
-          </a:prstGeom>
-        </p:spPr>
-      </p:pic>
-    </p:spTree>
-    <p:extLst>
-      <p:ext uri="{BB962C8B-B14F-4D97-AF65-F5344CB8AC3E}">
-        <p14:creationId xmlns:p14="http://schemas.microsoft.com/office/powerpoint/2010/main" val="2722531795"/>
-      </p:ext>
-    </p:extLst>
-  </p:cSld>
-  <p:clrMapOvr>
-    <a:masterClrMapping/>
-  </p:clrMapOvr>
-</p:sld>
-</file>
-
-<file path=ppt/slides/slide3.xml><?xml version="1.0" encoding="utf-8"?>
 <p:sld xmlns:a="http://schemas.openxmlformats.org/drawingml/2006/main" xmlns:r="http://schemas.openxmlformats.org/officeDocument/2006/relationships" xmlns:p="http://schemas.openxmlformats.org/presentationml/2006/main">
   <p:cSld>
     <p:spTree>
@@ -9980,8 +9920,8 @@
           </a:p>
         </p:txBody>
       </p:sp>
-      <mc:AlternateContent xmlns:mc="http://schemas.openxmlformats.org/markup-compatibility/2006">
-        <mc:Choice xmlns:a14="http://schemas.microsoft.com/office/drawing/2010/main" Requires="a14">
+      <mc:AlternateContent xmlns:mc="http://schemas.openxmlformats.org/markup-compatibility/2006" xmlns:a14="http://schemas.microsoft.com/office/drawing/2010/main">
+        <mc:Choice Requires="a14">
           <p:sp>
             <p:nvSpPr>
               <p:cNvPr id="112" name="TextBox 111">
@@ -10219,7 +10159,7 @@
             </p:txBody>
           </p:sp>
         </mc:Choice>
-        <mc:Fallback>
+        <mc:Fallback xmlns="">
           <p:sp>
             <p:nvSpPr>
               <p:cNvPr id="112" name="TextBox 111">
@@ -10277,7 +10217,7 @@
 </p:sld>
 </file>
 
-<file path=ppt/slides/slide4.xml><?xml version="1.0" encoding="utf-8"?>
+<file path=ppt/slides/slide3.xml><?xml version="1.0" encoding="utf-8"?>
 <p:sld xmlns:a="http://schemas.openxmlformats.org/drawingml/2006/main" xmlns:r="http://schemas.openxmlformats.org/officeDocument/2006/relationships" xmlns:p="http://schemas.openxmlformats.org/presentationml/2006/main">
   <p:cSld>
     <p:spTree>
@@ -10367,7 +10307,7 @@
 </p:sld>
 </file>
 
-<file path=ppt/slides/slide5.xml><?xml version="1.0" encoding="utf-8"?>
+<file path=ppt/slides/slide4.xml><?xml version="1.0" encoding="utf-8"?>
 <p:sld xmlns:a="http://schemas.openxmlformats.org/drawingml/2006/main" xmlns:r="http://schemas.openxmlformats.org/officeDocument/2006/relationships" xmlns:p="http://schemas.openxmlformats.org/presentationml/2006/main">
   <p:cSld>
     <p:spTree>
@@ -10814,10 +10754,10 @@
         </p:nvGrpSpPr>
         <p:grpSpPr>
           <a:xfrm>
-            <a:off x="7858918" y="2768279"/>
-            <a:ext cx="2170907" cy="1184596"/>
-            <a:chOff x="8029575" y="2786607"/>
-            <a:chExt cx="2216727" cy="1131438"/>
+            <a:off x="7844233" y="2768279"/>
+            <a:ext cx="2185592" cy="1184596"/>
+            <a:chOff x="8014580" y="2786607"/>
+            <a:chExt cx="2231722" cy="1131438"/>
           </a:xfrm>
           <a:solidFill>
             <a:srgbClr val="BAA7C9"/>
@@ -10884,16 +10824,16 @@
           </p:nvSpPr>
           <p:spPr>
             <a:xfrm>
-              <a:off x="8469388" y="2874524"/>
-              <a:ext cx="1337100" cy="881896"/>
+              <a:off x="8014580" y="3154540"/>
+              <a:ext cx="2216726" cy="352758"/>
             </a:xfrm>
             <a:prstGeom prst="rect">
               <a:avLst/>
             </a:prstGeom>
-            <a:grpFill/>
+            <a:noFill/>
           </p:spPr>
           <p:txBody>
-            <a:bodyPr wrap="none" rtlCol="1">
+            <a:bodyPr wrap="square" rtlCol="1">
               <a:spAutoFit/>
             </a:bodyPr>
             <a:lstStyle/>
@@ -10907,33 +10847,7 @@
                     </a:schemeClr>
                   </a:solidFill>
                 </a:rPr>
-                <a:t>Open-VCLIP</a:t>
-              </a:r>
-            </a:p>
-            <a:p>
-              <a:pPr algn="ctr"/>
-              <a:r>
-                <a:rPr lang="en-US" b="1" dirty="0">
-                  <a:solidFill>
-                    <a:schemeClr val="bg2">
-                      <a:lumMod val="25000"/>
-                    </a:schemeClr>
-                  </a:solidFill>
-                </a:rPr>
-                <a:t>text</a:t>
-              </a:r>
-            </a:p>
-            <a:p>
-              <a:pPr algn="ctr"/>
-              <a:r>
-                <a:rPr lang="en-US" b="1" dirty="0">
-                  <a:solidFill>
-                    <a:schemeClr val="bg2">
-                      <a:lumMod val="25000"/>
-                    </a:schemeClr>
-                  </a:solidFill>
-                </a:rPr>
-                <a:t>encoder</a:t>
+                <a:t>Text encoder</a:t>
               </a:r>
               <a:endParaRPr lang="fa-IR" b="1" dirty="0">
                 <a:solidFill>
@@ -13444,7 +13358,7 @@
 </p:sld>
 </file>
 
-<file path=ppt/slides/slide6.xml><?xml version="1.0" encoding="utf-8"?>
+<file path=ppt/slides/slide5.xml><?xml version="1.0" encoding="utf-8"?>
 <p:sld xmlns:a="http://schemas.openxmlformats.org/drawingml/2006/main" xmlns:r="http://schemas.openxmlformats.org/officeDocument/2006/relationships" xmlns:p="http://schemas.openxmlformats.org/presentationml/2006/main">
   <p:cSld>
     <p:spTree>
@@ -13504,7 +13418,7 @@
 </p:sld>
 </file>
 
-<file path=ppt/slides/slide7.xml><?xml version="1.0" encoding="utf-8"?>
+<file path=ppt/slides/slide6.xml><?xml version="1.0" encoding="utf-8"?>
 <p:sld xmlns:a="http://schemas.openxmlformats.org/drawingml/2006/main" xmlns:r="http://schemas.openxmlformats.org/officeDocument/2006/relationships" xmlns:p="http://schemas.openxmlformats.org/presentationml/2006/main">
   <p:cSld>
     <p:spTree>
@@ -13593,10 +13507,10 @@
         </p:nvGrpSpPr>
         <p:grpSpPr>
           <a:xfrm rot="16200000">
-            <a:off x="4119335" y="803479"/>
-            <a:ext cx="1867873" cy="1438926"/>
-            <a:chOff x="8029575" y="2771069"/>
-            <a:chExt cx="2216727" cy="1162511"/>
+            <a:off x="4119338" y="822710"/>
+            <a:ext cx="1867873" cy="1400465"/>
+            <a:chOff x="8029575" y="2786607"/>
+            <a:chExt cx="2216727" cy="1131438"/>
           </a:xfrm>
           <a:solidFill>
             <a:srgbClr val="BAA7C9"/>
@@ -13665,8 +13579,8 @@
           </p:nvSpPr>
           <p:spPr>
             <a:xfrm>
-              <a:off x="8619389" y="2771069"/>
-              <a:ext cx="1037100" cy="1162511"/>
+              <a:off x="8699454" y="2973885"/>
+              <a:ext cx="876621" cy="703067"/>
             </a:xfrm>
             <a:prstGeom prst="rect">
               <a:avLst/>
@@ -13674,7 +13588,7 @@
             <a:noFill/>
           </p:spPr>
           <p:txBody>
-            <a:bodyPr vert="vert" wrap="none" rtlCol="1">
+            <a:bodyPr vert="vert" wrap="square" rtlCol="1">
               <a:spAutoFit/>
             </a:bodyPr>
             <a:lstStyle/>
@@ -13688,20 +13602,7 @@
                     </a:schemeClr>
                   </a:solidFill>
                 </a:rPr>
-                <a:t>Open-VCLIP</a:t>
-              </a:r>
-            </a:p>
-            <a:p>
-              <a:pPr algn="ctr"/>
-              <a:r>
-                <a:rPr lang="en-US" b="1" dirty="0">
-                  <a:solidFill>
-                    <a:schemeClr val="bg2">
-                      <a:lumMod val="25000"/>
-                    </a:schemeClr>
-                  </a:solidFill>
-                </a:rPr>
-                <a:t>text</a:t>
+                <a:t>Text</a:t>
               </a:r>
             </a:p>
             <a:p>
@@ -15607,14 +15508,14 @@
           <p:cNvCxnSpPr>
             <a:cxnSpLocks/>
             <a:stCxn id="20" idx="3"/>
-            <a:endCxn id="25" idx="0"/>
+            <a:endCxn id="24" idx="2"/>
           </p:cNvCxnSpPr>
           <p:nvPr/>
         </p:nvCxnSpPr>
         <p:spPr>
           <a:xfrm flipV="1">
-            <a:off x="3896915" y="1522942"/>
-            <a:ext cx="436894" cy="3834"/>
+            <a:off x="3896915" y="1522943"/>
+            <a:ext cx="456127" cy="3833"/>
           </a:xfrm>
           <a:prstGeom prst="straightConnector1">
             <a:avLst/>
@@ -19587,18 +19488,18 @@
             </a:extLst>
           </p:cNvPr>
           <p:cNvCxnSpPr>
-            <a:stCxn id="25" idx="2"/>
+            <a:cxnSpLocks/>
           </p:cNvCxnSpPr>
           <p:nvPr/>
         </p:nvCxnSpPr>
         <p:spPr>
           <a:xfrm>
-            <a:off x="5772735" y="1522942"/>
-            <a:ext cx="5698829" cy="858353"/>
+            <a:off x="5753507" y="1507008"/>
+            <a:ext cx="5684752" cy="874435"/>
           </a:xfrm>
           <a:prstGeom prst="curvedConnector3">
             <a:avLst>
-              <a:gd name="adj1" fmla="val 100081"/>
+              <a:gd name="adj1" fmla="val 100004"/>
             </a:avLst>
           </a:prstGeom>
           <a:ln w="19050">
@@ -19633,18 +19534,19 @@
             </a:extLst>
           </p:cNvPr>
           <p:cNvCxnSpPr>
-            <a:stCxn id="25" idx="2"/>
+            <a:cxnSpLocks/>
+            <a:stCxn id="24" idx="0"/>
           </p:cNvCxnSpPr>
           <p:nvPr/>
         </p:nvCxnSpPr>
         <p:spPr>
           <a:xfrm>
-            <a:off x="5772735" y="1522942"/>
-            <a:ext cx="4599477" cy="858353"/>
+            <a:off x="5753507" y="1522943"/>
+            <a:ext cx="4585400" cy="858500"/>
           </a:xfrm>
           <a:prstGeom prst="curvedConnector3">
             <a:avLst>
-              <a:gd name="adj1" fmla="val 99601"/>
+              <a:gd name="adj1" fmla="val 99637"/>
             </a:avLst>
           </a:prstGeom>
           <a:ln w="19050">
@@ -19679,15 +19581,16 @@
             </a:extLst>
           </p:cNvPr>
           <p:cNvCxnSpPr>
-            <a:stCxn id="25" idx="2"/>
+            <a:cxnSpLocks/>
+            <a:stCxn id="24" idx="0"/>
             <a:endCxn id="38" idx="0"/>
           </p:cNvCxnSpPr>
           <p:nvPr/>
         </p:nvCxnSpPr>
         <p:spPr>
           <a:xfrm>
-            <a:off x="5772735" y="1522942"/>
-            <a:ext cx="3423748" cy="858353"/>
+            <a:off x="5753507" y="1522943"/>
+            <a:ext cx="3442976" cy="858352"/>
           </a:xfrm>
           <a:prstGeom prst="curvedConnector2">
             <a:avLst/>
@@ -19724,18 +19627,19 @@
             </a:extLst>
           </p:cNvPr>
           <p:cNvCxnSpPr>
-            <a:stCxn id="25" idx="2"/>
+            <a:cxnSpLocks/>
+            <a:stCxn id="24" idx="0"/>
           </p:cNvCxnSpPr>
           <p:nvPr/>
         </p:nvCxnSpPr>
         <p:spPr>
           <a:xfrm>
-            <a:off x="5772735" y="1522942"/>
-            <a:ext cx="2299738" cy="864720"/>
+            <a:off x="5753507" y="1522943"/>
+            <a:ext cx="2285661" cy="864867"/>
           </a:xfrm>
           <a:prstGeom prst="curvedConnector3">
             <a:avLst>
-              <a:gd name="adj1" fmla="val 100203"/>
+              <a:gd name="adj1" fmla="val 99138"/>
             </a:avLst>
           </a:prstGeom>
           <a:ln w="19050">
@@ -19771,18 +19675,18 @@
           </p:cNvPr>
           <p:cNvCxnSpPr>
             <a:cxnSpLocks/>
-            <a:stCxn id="25" idx="2"/>
+            <a:stCxn id="24" idx="0"/>
           </p:cNvCxnSpPr>
           <p:nvPr/>
         </p:nvCxnSpPr>
         <p:spPr>
           <a:xfrm>
-            <a:off x="5772735" y="1522942"/>
-            <a:ext cx="1271370" cy="857816"/>
+            <a:off x="5753507" y="1522943"/>
+            <a:ext cx="1290598" cy="857815"/>
           </a:xfrm>
           <a:prstGeom prst="curvedConnector3">
             <a:avLst>
-              <a:gd name="adj1" fmla="val 100128"/>
+              <a:gd name="adj1" fmla="val 100058"/>
             </a:avLst>
           </a:prstGeom>
           <a:ln w="19050">
@@ -20077,6 +19981,6482 @@
     <p:extLst>
       <p:ext uri="{BB962C8B-B14F-4D97-AF65-F5344CB8AC3E}">
         <p14:creationId xmlns:p14="http://schemas.microsoft.com/office/powerpoint/2010/main" val="3701967681"/>
+      </p:ext>
+    </p:extLst>
+  </p:cSld>
+  <p:clrMapOvr>
+    <a:masterClrMapping/>
+  </p:clrMapOvr>
+</p:sld>
+</file>
+
+<file path=ppt/slides/slide7.xml><?xml version="1.0" encoding="utf-8"?>
+<p:sld xmlns:a="http://schemas.openxmlformats.org/drawingml/2006/main" xmlns:r="http://schemas.openxmlformats.org/officeDocument/2006/relationships" xmlns:p="http://schemas.openxmlformats.org/presentationml/2006/main">
+  <p:cSld>
+    <p:spTree>
+      <p:nvGrpSpPr>
+        <p:cNvPr id="1" name="">
+          <a:extLst>
+            <a:ext uri="{FF2B5EF4-FFF2-40B4-BE49-F238E27FC236}">
+              <a16:creationId xmlns:a16="http://schemas.microsoft.com/office/drawing/2014/main" id="{1D2796F4-8701-24C7-3E9D-D3EDCABA48D8}"/>
+            </a:ext>
+          </a:extLst>
+        </p:cNvPr>
+        <p:cNvGrpSpPr/>
+        <p:nvPr/>
+      </p:nvGrpSpPr>
+      <p:grpSpPr>
+        <a:xfrm>
+          <a:off x="0" y="0"/>
+          <a:ext cx="0" cy="0"/>
+          <a:chOff x="0" y="0"/>
+          <a:chExt cx="0" cy="0"/>
+        </a:xfrm>
+      </p:grpSpPr>
+      <p:sp>
+        <p:nvSpPr>
+          <p:cNvPr id="4" name="Arrow: Down 3">
+            <a:extLst>
+              <a:ext uri="{FF2B5EF4-FFF2-40B4-BE49-F238E27FC236}">
+                <a16:creationId xmlns:a16="http://schemas.microsoft.com/office/drawing/2014/main" id="{5FFCD0BA-4F6C-7CC1-02F6-EBB329E3FE77}"/>
+              </a:ext>
+            </a:extLst>
+          </p:cNvPr>
+          <p:cNvSpPr/>
+          <p:nvPr/>
+        </p:nvSpPr>
+        <p:spPr>
+          <a:xfrm rot="16200000">
+            <a:off x="1366801" y="4648757"/>
+            <a:ext cx="368278" cy="655292"/>
+          </a:xfrm>
+          <a:prstGeom prst="downArrow">
+            <a:avLst/>
+          </a:prstGeom>
+          <a:solidFill>
+            <a:srgbClr val="FF483F"/>
+          </a:solidFill>
+          <a:ln>
+            <a:noFill/>
+          </a:ln>
+        </p:spPr>
+        <p:style>
+          <a:lnRef idx="2">
+            <a:schemeClr val="accent1">
+              <a:shade val="15000"/>
+            </a:schemeClr>
+          </a:lnRef>
+          <a:fillRef idx="1">
+            <a:schemeClr val="accent1"/>
+          </a:fillRef>
+          <a:effectRef idx="0">
+            <a:schemeClr val="accent1"/>
+          </a:effectRef>
+          <a:fontRef idx="minor">
+            <a:schemeClr val="lt1"/>
+          </a:fontRef>
+        </p:style>
+        <p:txBody>
+          <a:bodyPr rtlCol="1" anchor="ctr"/>
+          <a:lstStyle/>
+          <a:p>
+            <a:pPr algn="ctr"/>
+            <a:endParaRPr lang="fa-IR"/>
+          </a:p>
+        </p:txBody>
+      </p:sp>
+      <p:grpSp>
+        <p:nvGrpSpPr>
+          <p:cNvPr id="26" name="Group 25">
+            <a:extLst>
+              <a:ext uri="{FF2B5EF4-FFF2-40B4-BE49-F238E27FC236}">
+                <a16:creationId xmlns:a16="http://schemas.microsoft.com/office/drawing/2014/main" id="{1215AB80-BE13-C070-2755-EFA352B4F724}"/>
+              </a:ext>
+            </a:extLst>
+          </p:cNvPr>
+          <p:cNvGrpSpPr/>
+          <p:nvPr/>
+        </p:nvGrpSpPr>
+        <p:grpSpPr>
+          <a:xfrm rot="16200000">
+            <a:off x="4119338" y="822710"/>
+            <a:ext cx="1867873" cy="1400465"/>
+            <a:chOff x="8029575" y="2786607"/>
+            <a:chExt cx="2216727" cy="1131438"/>
+          </a:xfrm>
+          <a:solidFill>
+            <a:srgbClr val="BAA7C9"/>
+          </a:solidFill>
+        </p:grpSpPr>
+        <p:sp>
+          <p:nvSpPr>
+            <p:cNvPr id="24" name="Trapezoid 23">
+              <a:extLst>
+                <a:ext uri="{FF2B5EF4-FFF2-40B4-BE49-F238E27FC236}">
+                  <a16:creationId xmlns:a16="http://schemas.microsoft.com/office/drawing/2014/main" id="{C4F64A1F-BBF1-AE89-A75D-1899B16F8907}"/>
+                </a:ext>
+              </a:extLst>
+            </p:cNvPr>
+            <p:cNvSpPr/>
+            <p:nvPr/>
+          </p:nvSpPr>
+          <p:spPr>
+            <a:xfrm rot="10800000">
+              <a:off x="8029575" y="2786607"/>
+              <a:ext cx="2216727" cy="1131438"/>
+            </a:xfrm>
+            <a:prstGeom prst="trapezoid">
+              <a:avLst/>
+            </a:prstGeom>
+            <a:solidFill>
+              <a:srgbClr val="CDBED8"/>
+            </a:solidFill>
+          </p:spPr>
+          <p:style>
+            <a:lnRef idx="2">
+              <a:schemeClr val="dk1">
+                <a:shade val="15000"/>
+              </a:schemeClr>
+            </a:lnRef>
+            <a:fillRef idx="1">
+              <a:schemeClr val="dk1"/>
+            </a:fillRef>
+            <a:effectRef idx="0">
+              <a:schemeClr val="dk1"/>
+            </a:effectRef>
+            <a:fontRef idx="minor">
+              <a:schemeClr val="lt1"/>
+            </a:fontRef>
+          </p:style>
+          <p:txBody>
+            <a:bodyPr rtlCol="1" anchor="ctr"/>
+            <a:lstStyle/>
+            <a:p>
+              <a:pPr algn="ctr"/>
+              <a:endParaRPr lang="fa-IR" dirty="0"/>
+            </a:p>
+          </p:txBody>
+        </p:sp>
+        <p:sp>
+          <p:nvSpPr>
+            <p:cNvPr id="25" name="TextBox 24">
+              <a:extLst>
+                <a:ext uri="{FF2B5EF4-FFF2-40B4-BE49-F238E27FC236}">
+                  <a16:creationId xmlns:a16="http://schemas.microsoft.com/office/drawing/2014/main" id="{0F1FB035-8484-48F6-8A1A-A5BB7AF59CBF}"/>
+                </a:ext>
+              </a:extLst>
+            </p:cNvPr>
+            <p:cNvSpPr txBox="1"/>
+            <p:nvPr/>
+          </p:nvSpPr>
+          <p:spPr>
+            <a:xfrm>
+              <a:off x="8535088" y="2973885"/>
+              <a:ext cx="1205354" cy="703067"/>
+            </a:xfrm>
+            <a:prstGeom prst="rect">
+              <a:avLst/>
+            </a:prstGeom>
+            <a:noFill/>
+          </p:spPr>
+          <p:txBody>
+            <a:bodyPr vert="vert" wrap="square" rtlCol="1">
+              <a:spAutoFit/>
+            </a:bodyPr>
+            <a:lstStyle/>
+            <a:p>
+              <a:pPr algn="ctr"/>
+              <a:r>
+                <a:rPr lang="en-US" b="1" dirty="0">
+                  <a:solidFill>
+                    <a:schemeClr val="bg2">
+                      <a:lumMod val="25000"/>
+                    </a:schemeClr>
+                  </a:solidFill>
+                </a:rPr>
+                <a:t>CLIP Text</a:t>
+              </a:r>
+            </a:p>
+            <a:p>
+              <a:pPr algn="ctr"/>
+              <a:r>
+                <a:rPr lang="en-US" b="1" dirty="0">
+                  <a:solidFill>
+                    <a:schemeClr val="bg2">
+                      <a:lumMod val="25000"/>
+                    </a:schemeClr>
+                  </a:solidFill>
+                </a:rPr>
+                <a:t>encoder</a:t>
+              </a:r>
+              <a:endParaRPr lang="fa-IR" b="1" dirty="0">
+                <a:solidFill>
+                  <a:schemeClr val="bg2">
+                    <a:lumMod val="25000"/>
+                  </a:schemeClr>
+                </a:solidFill>
+              </a:endParaRPr>
+            </a:p>
+          </p:txBody>
+        </p:sp>
+      </p:grpSp>
+      <mc:AlternateContent xmlns:mc="http://schemas.openxmlformats.org/markup-compatibility/2006">
+        <mc:Choice xmlns:a14="http://schemas.microsoft.com/office/drawing/2010/main" Requires="a14">
+          <p:graphicFrame>
+            <p:nvGraphicFramePr>
+              <p:cNvPr id="38" name="Table 37">
+                <a:extLst>
+                  <a:ext uri="{FF2B5EF4-FFF2-40B4-BE49-F238E27FC236}">
+                    <a16:creationId xmlns:a16="http://schemas.microsoft.com/office/drawing/2014/main" id="{88CBCEA8-2EDE-71AD-47B9-A246ADB47906}"/>
+                  </a:ext>
+                </a:extLst>
+              </p:cNvPr>
+              <p:cNvGraphicFramePr>
+                <a:graphicFrameLocks noGrp="1"/>
+              </p:cNvGraphicFramePr>
+              <p:nvPr/>
+            </p:nvGraphicFramePr>
+            <p:xfrm>
+              <a:off x="6473921" y="2381295"/>
+              <a:ext cx="5445125" cy="699559"/>
+            </p:xfrm>
+            <a:graphic>
+              <a:graphicData uri="http://schemas.openxmlformats.org/drawingml/2006/table">
+                <a:tbl>
+                  <a:tblPr rtl="1" firstRow="1" bandRow="1">
+                    <a:tableStyleId>{5940675A-B579-460E-94D1-54222C63F5DA}</a:tableStyleId>
+                  </a:tblPr>
+                  <a:tblGrid>
+                    <a:gridCol w="990600">
+                      <a:extLst>
+                        <a:ext uri="{9D8B030D-6E8A-4147-A177-3AD203B41FA5}">
+                          <a16:colId xmlns:a16="http://schemas.microsoft.com/office/drawing/2014/main" val="2238849501"/>
+                        </a:ext>
+                      </a:extLst>
+                    </a:gridCol>
+                    <a:gridCol w="1187450">
+                      <a:extLst>
+                        <a:ext uri="{9D8B030D-6E8A-4147-A177-3AD203B41FA5}">
+                          <a16:colId xmlns:a16="http://schemas.microsoft.com/office/drawing/2014/main" val="3535756688"/>
+                        </a:ext>
+                      </a:extLst>
+                    </a:gridCol>
+                    <a:gridCol w="1089025">
+                      <a:extLst>
+                        <a:ext uri="{9D8B030D-6E8A-4147-A177-3AD203B41FA5}">
+                          <a16:colId xmlns:a16="http://schemas.microsoft.com/office/drawing/2014/main" val="1173842512"/>
+                        </a:ext>
+                      </a:extLst>
+                    </a:gridCol>
+                    <a:gridCol w="1089025">
+                      <a:extLst>
+                        <a:ext uri="{9D8B030D-6E8A-4147-A177-3AD203B41FA5}">
+                          <a16:colId xmlns:a16="http://schemas.microsoft.com/office/drawing/2014/main" val="3532938545"/>
+                        </a:ext>
+                      </a:extLst>
+                    </a:gridCol>
+                    <a:gridCol w="1089025">
+                      <a:extLst>
+                        <a:ext uri="{9D8B030D-6E8A-4147-A177-3AD203B41FA5}">
+                          <a16:colId xmlns:a16="http://schemas.microsoft.com/office/drawing/2014/main" val="2134653468"/>
+                        </a:ext>
+                      </a:extLst>
+                    </a:gridCol>
+                  </a:tblGrid>
+                  <a:tr h="699559">
+                    <a:tc>
+                      <a:txBody>
+                        <a:bodyPr/>
+                        <a:lstStyle/>
+                        <a:p>
+                          <a:pPr algn="l" rtl="1"/>
+                          <a14:m>
+                            <m:oMathPara xmlns:m="http://schemas.openxmlformats.org/officeDocument/2006/math">
+                              <m:oMathParaPr>
+                                <m:jc m:val="centerGroup"/>
+                              </m:oMathParaPr>
+                              <m:oMath xmlns:m="http://schemas.openxmlformats.org/officeDocument/2006/math">
+                                <m:sSub>
+                                  <m:sSubPr>
+                                    <m:ctrlPr>
+                                      <a:rPr lang="en-US" b="0" i="1" smtClean="0">
+                                        <a:latin typeface="Cambria Math" panose="02040503050406030204" pitchFamily="18" charset="0"/>
+                                      </a:rPr>
+                                    </m:ctrlPr>
+                                  </m:sSubPr>
+                                  <m:e>
+                                    <m:r>
+                                      <a:rPr lang="en-US" b="0" i="1" smtClean="0">
+                                        <a:latin typeface="Cambria Math" panose="02040503050406030204" pitchFamily="18" charset="0"/>
+                                      </a:rPr>
+                                      <m:t>𝑇</m:t>
+                                    </m:r>
+                                  </m:e>
+                                  <m:sub>
+                                    <m:r>
+                                      <a:rPr lang="en-US" b="0" i="1" smtClean="0">
+                                        <a:latin typeface="Cambria Math" panose="02040503050406030204" pitchFamily="18" charset="0"/>
+                                      </a:rPr>
+                                      <m:t>𝑁</m:t>
+                                    </m:r>
+                                  </m:sub>
+                                </m:sSub>
+                              </m:oMath>
+                            </m:oMathPara>
+                          </a14:m>
+                          <a:endParaRPr lang="fa-IR" dirty="0"/>
+                        </a:p>
+                      </a:txBody>
+                      <a:tcPr anchor="ctr">
+                        <a:solidFill>
+                          <a:srgbClr val="DFD6E6"/>
+                        </a:solidFill>
+                      </a:tcPr>
+                    </a:tc>
+                    <a:tc>
+                      <a:txBody>
+                        <a:bodyPr/>
+                        <a:lstStyle/>
+                        <a:p>
+                          <a:pPr marL="0" marR="0" lvl="0" indent="0" algn="l" defTabSz="914400" rtl="1" eaLnBrk="1" fontAlgn="auto" latinLnBrk="0" hangingPunct="1">
+                            <a:lnSpc>
+                              <a:spcPct val="100000"/>
+                            </a:lnSpc>
+                            <a:spcBef>
+                              <a:spcPts val="0"/>
+                            </a:spcBef>
+                            <a:spcAft>
+                              <a:spcPts val="0"/>
+                            </a:spcAft>
+                            <a:buClrTx/>
+                            <a:buSzTx/>
+                            <a:buFontTx/>
+                            <a:buNone/>
+                            <a:tabLst/>
+                            <a:defRPr/>
+                          </a:pPr>
+                          <a14:m>
+                            <m:oMathPara xmlns:m="http://schemas.openxmlformats.org/officeDocument/2006/math">
+                              <m:oMathParaPr>
+                                <m:jc m:val="centerGroup"/>
+                              </m:oMathParaPr>
+                              <m:oMath xmlns:m="http://schemas.openxmlformats.org/officeDocument/2006/math">
+                                <m:sSub>
+                                  <m:sSubPr>
+                                    <m:ctrlPr>
+                                      <a:rPr lang="en-US" b="0" i="1" smtClean="0">
+                                        <a:latin typeface="Cambria Math" panose="02040503050406030204" pitchFamily="18" charset="0"/>
+                                      </a:rPr>
+                                    </m:ctrlPr>
+                                  </m:sSubPr>
+                                  <m:e>
+                                    <m:r>
+                                      <a:rPr lang="en-US" b="0" i="1" smtClean="0">
+                                        <a:latin typeface="Cambria Math" panose="02040503050406030204" pitchFamily="18" charset="0"/>
+                                      </a:rPr>
+                                      <m:t>𝑇</m:t>
+                                    </m:r>
+                                  </m:e>
+                                  <m:sub>
+                                    <m:r>
+                                      <a:rPr lang="en-US" b="0" i="1" smtClean="0">
+                                        <a:latin typeface="Cambria Math" panose="02040503050406030204" pitchFamily="18" charset="0"/>
+                                      </a:rPr>
+                                      <m:t>𝑁</m:t>
+                                    </m:r>
+                                    <m:r>
+                                      <a:rPr lang="en-US" b="0" i="1" smtClean="0">
+                                        <a:latin typeface="Cambria Math" panose="02040503050406030204" pitchFamily="18" charset="0"/>
+                                      </a:rPr>
+                                      <m:t>−</m:t>
+                                    </m:r>
+                                    <m:r>
+                                      <a:rPr lang="en-US" b="0" i="1" smtClean="0">
+                                        <a:latin typeface="Cambria Math" panose="02040503050406030204" pitchFamily="18" charset="0"/>
+                                      </a:rPr>
+                                      <m:t>1</m:t>
+                                    </m:r>
+                                  </m:sub>
+                                </m:sSub>
+                              </m:oMath>
+                            </m:oMathPara>
+                          </a14:m>
+                          <a:endParaRPr lang="fa-IR" dirty="0"/>
+                        </a:p>
+                      </a:txBody>
+                      <a:tcPr anchor="ctr">
+                        <a:solidFill>
+                          <a:srgbClr val="DFD6E6"/>
+                        </a:solidFill>
+                      </a:tcPr>
+                    </a:tc>
+                    <a:tc>
+                      <a:txBody>
+                        <a:bodyPr/>
+                        <a:lstStyle/>
+                        <a:p>
+                          <a:pPr algn="l" rtl="1"/>
+                          <a14:m>
+                            <m:oMathPara xmlns:m="http://schemas.openxmlformats.org/officeDocument/2006/math">
+                              <m:oMathParaPr>
+                                <m:jc m:val="centerGroup"/>
+                              </m:oMathParaPr>
+                              <m:oMath xmlns:m="http://schemas.openxmlformats.org/officeDocument/2006/math">
+                                <m:r>
+                                  <a:rPr lang="en-US" b="0" i="1" smtClean="0">
+                                    <a:latin typeface="Cambria Math" panose="02040503050406030204" pitchFamily="18" charset="0"/>
+                                  </a:rPr>
+                                  <m:t>…</m:t>
+                                </m:r>
+                              </m:oMath>
+                            </m:oMathPara>
+                          </a14:m>
+                          <a:endParaRPr lang="fa-IR" dirty="0"/>
+                        </a:p>
+                      </a:txBody>
+                      <a:tcPr anchor="ctr">
+                        <a:solidFill>
+                          <a:srgbClr val="DFD6E6"/>
+                        </a:solidFill>
+                      </a:tcPr>
+                    </a:tc>
+                    <a:tc>
+                      <a:txBody>
+                        <a:bodyPr/>
+                        <a:lstStyle/>
+                        <a:p>
+                          <a:pPr algn="l" rtl="1"/>
+                          <a14:m>
+                            <m:oMathPara xmlns:m="http://schemas.openxmlformats.org/officeDocument/2006/math">
+                              <m:oMathParaPr>
+                                <m:jc m:val="centerGroup"/>
+                              </m:oMathParaPr>
+                              <m:oMath xmlns:m="http://schemas.openxmlformats.org/officeDocument/2006/math">
+                                <m:sSub>
+                                  <m:sSubPr>
+                                    <m:ctrlPr>
+                                      <a:rPr lang="en-US" b="0" i="1" smtClean="0">
+                                        <a:latin typeface="Cambria Math" panose="02040503050406030204" pitchFamily="18" charset="0"/>
+                                      </a:rPr>
+                                    </m:ctrlPr>
+                                  </m:sSubPr>
+                                  <m:e>
+                                    <m:r>
+                                      <a:rPr lang="en-US" b="0" i="1" smtClean="0">
+                                        <a:latin typeface="Cambria Math" panose="02040503050406030204" pitchFamily="18" charset="0"/>
+                                      </a:rPr>
+                                      <m:t>𝑇</m:t>
+                                    </m:r>
+                                  </m:e>
+                                  <m:sub>
+                                    <m:r>
+                                      <a:rPr lang="en-US" b="0" i="1" smtClean="0">
+                                        <a:latin typeface="Cambria Math" panose="02040503050406030204" pitchFamily="18" charset="0"/>
+                                      </a:rPr>
+                                      <m:t>2</m:t>
+                                    </m:r>
+                                  </m:sub>
+                                </m:sSub>
+                              </m:oMath>
+                            </m:oMathPara>
+                          </a14:m>
+                          <a:endParaRPr lang="fa-IR" dirty="0"/>
+                        </a:p>
+                      </a:txBody>
+                      <a:tcPr anchor="ctr">
+                        <a:solidFill>
+                          <a:srgbClr val="DFD6E6"/>
+                        </a:solidFill>
+                      </a:tcPr>
+                    </a:tc>
+                    <a:tc>
+                      <a:txBody>
+                        <a:bodyPr/>
+                        <a:lstStyle/>
+                        <a:p>
+                          <a:pPr algn="l" rtl="1"/>
+                          <a14:m>
+                            <m:oMathPara xmlns:m="http://schemas.openxmlformats.org/officeDocument/2006/math">
+                              <m:oMathParaPr>
+                                <m:jc m:val="centerGroup"/>
+                              </m:oMathParaPr>
+                              <m:oMath xmlns:m="http://schemas.openxmlformats.org/officeDocument/2006/math">
+                                <m:sSub>
+                                  <m:sSubPr>
+                                    <m:ctrlPr>
+                                      <a:rPr lang="en-US" b="0" i="1" smtClean="0">
+                                        <a:latin typeface="Cambria Math" panose="02040503050406030204" pitchFamily="18" charset="0"/>
+                                      </a:rPr>
+                                    </m:ctrlPr>
+                                  </m:sSubPr>
+                                  <m:e>
+                                    <m:r>
+                                      <a:rPr lang="en-US" b="0" i="1" smtClean="0">
+                                        <a:latin typeface="Cambria Math" panose="02040503050406030204" pitchFamily="18" charset="0"/>
+                                      </a:rPr>
+                                      <m:t>𝑇</m:t>
+                                    </m:r>
+                                  </m:e>
+                                  <m:sub>
+                                    <m:r>
+                                      <a:rPr lang="en-US" b="0" i="1" smtClean="0">
+                                        <a:latin typeface="Cambria Math" panose="02040503050406030204" pitchFamily="18" charset="0"/>
+                                      </a:rPr>
+                                      <m:t>1</m:t>
+                                    </m:r>
+                                  </m:sub>
+                                </m:sSub>
+                              </m:oMath>
+                            </m:oMathPara>
+                          </a14:m>
+                          <a:endParaRPr lang="fa-IR" dirty="0"/>
+                        </a:p>
+                      </a:txBody>
+                      <a:tcPr anchor="ctr">
+                        <a:solidFill>
+                          <a:srgbClr val="DFD6E6"/>
+                        </a:solidFill>
+                      </a:tcPr>
+                    </a:tc>
+                    <a:extLst>
+                      <a:ext uri="{0D108BD9-81ED-4DB2-BD59-A6C34878D82A}">
+                        <a16:rowId xmlns:a16="http://schemas.microsoft.com/office/drawing/2014/main" val="2574226242"/>
+                      </a:ext>
+                    </a:extLst>
+                  </a:tr>
+                </a:tbl>
+              </a:graphicData>
+            </a:graphic>
+          </p:graphicFrame>
+        </mc:Choice>
+        <mc:Fallback>
+          <p:graphicFrame>
+            <p:nvGraphicFramePr>
+              <p:cNvPr id="38" name="Table 37">
+                <a:extLst>
+                  <a:ext uri="{FF2B5EF4-FFF2-40B4-BE49-F238E27FC236}">
+                    <a16:creationId xmlns:a16="http://schemas.microsoft.com/office/drawing/2014/main" id="{88CBCEA8-2EDE-71AD-47B9-A246ADB47906}"/>
+                  </a:ext>
+                </a:extLst>
+              </p:cNvPr>
+              <p:cNvGraphicFramePr>
+                <a:graphicFrameLocks noGrp="1"/>
+              </p:cNvGraphicFramePr>
+              <p:nvPr/>
+            </p:nvGraphicFramePr>
+            <p:xfrm>
+              <a:off x="6473921" y="2381295"/>
+              <a:ext cx="5445125" cy="699559"/>
+            </p:xfrm>
+            <a:graphic>
+              <a:graphicData uri="http://schemas.openxmlformats.org/drawingml/2006/table">
+                <a:tbl>
+                  <a:tblPr rtl="1" firstRow="1" bandRow="1">
+                    <a:tableStyleId>{5940675A-B579-460E-94D1-54222C63F5DA}</a:tableStyleId>
+                  </a:tblPr>
+                  <a:tblGrid>
+                    <a:gridCol w="990600">
+                      <a:extLst>
+                        <a:ext uri="{9D8B030D-6E8A-4147-A177-3AD203B41FA5}">
+                          <a16:colId xmlns:a16="http://schemas.microsoft.com/office/drawing/2014/main" val="2238849501"/>
+                        </a:ext>
+                      </a:extLst>
+                    </a:gridCol>
+                    <a:gridCol w="1187450">
+                      <a:extLst>
+                        <a:ext uri="{9D8B030D-6E8A-4147-A177-3AD203B41FA5}">
+                          <a16:colId xmlns:a16="http://schemas.microsoft.com/office/drawing/2014/main" val="3535756688"/>
+                        </a:ext>
+                      </a:extLst>
+                    </a:gridCol>
+                    <a:gridCol w="1089025">
+                      <a:extLst>
+                        <a:ext uri="{9D8B030D-6E8A-4147-A177-3AD203B41FA5}">
+                          <a16:colId xmlns:a16="http://schemas.microsoft.com/office/drawing/2014/main" val="1173842512"/>
+                        </a:ext>
+                      </a:extLst>
+                    </a:gridCol>
+                    <a:gridCol w="1089025">
+                      <a:extLst>
+                        <a:ext uri="{9D8B030D-6E8A-4147-A177-3AD203B41FA5}">
+                          <a16:colId xmlns:a16="http://schemas.microsoft.com/office/drawing/2014/main" val="3532938545"/>
+                        </a:ext>
+                      </a:extLst>
+                    </a:gridCol>
+                    <a:gridCol w="1089025">
+                      <a:extLst>
+                        <a:ext uri="{9D8B030D-6E8A-4147-A177-3AD203B41FA5}">
+                          <a16:colId xmlns:a16="http://schemas.microsoft.com/office/drawing/2014/main" val="2134653468"/>
+                        </a:ext>
+                      </a:extLst>
+                    </a:gridCol>
+                  </a:tblGrid>
+                  <a:tr h="699559">
+                    <a:tc>
+                      <a:txBody>
+                        <a:bodyPr/>
+                        <a:lstStyle/>
+                        <a:p>
+                          <a:endParaRPr lang="fa-IR"/>
+                        </a:p>
+                      </a:txBody>
+                      <a:tcPr anchor="ctr">
+                        <a:blipFill>
+                          <a:blip r:embed="rId2"/>
+                          <a:stretch>
+                            <a:fillRect l="-613" t="-862" r="-450307" b="-1724"/>
+                          </a:stretch>
+                        </a:blipFill>
+                      </a:tcPr>
+                    </a:tc>
+                    <a:tc>
+                      <a:txBody>
+                        <a:bodyPr/>
+                        <a:lstStyle/>
+                        <a:p>
+                          <a:endParaRPr lang="fa-IR"/>
+                        </a:p>
+                      </a:txBody>
+                      <a:tcPr anchor="ctr">
+                        <a:blipFill>
+                          <a:blip r:embed="rId2"/>
+                          <a:stretch>
+                            <a:fillRect l="-84103" t="-862" r="-276410" b="-1724"/>
+                          </a:stretch>
+                        </a:blipFill>
+                      </a:tcPr>
+                    </a:tc>
+                    <a:tc>
+                      <a:txBody>
+                        <a:bodyPr/>
+                        <a:lstStyle/>
+                        <a:p>
+                          <a:endParaRPr lang="fa-IR"/>
+                        </a:p>
+                      </a:txBody>
+                      <a:tcPr anchor="ctr">
+                        <a:blipFill>
+                          <a:blip r:embed="rId2"/>
+                          <a:stretch>
+                            <a:fillRect l="-200559" t="-862" r="-201117" b="-1724"/>
+                          </a:stretch>
+                        </a:blipFill>
+                      </a:tcPr>
+                    </a:tc>
+                    <a:tc>
+                      <a:txBody>
+                        <a:bodyPr/>
+                        <a:lstStyle/>
+                        <a:p>
+                          <a:endParaRPr lang="fa-IR"/>
+                        </a:p>
+                      </a:txBody>
+                      <a:tcPr anchor="ctr">
+                        <a:blipFill>
+                          <a:blip r:embed="rId2"/>
+                          <a:stretch>
+                            <a:fillRect l="-300559" t="-862" r="-101117" b="-1724"/>
+                          </a:stretch>
+                        </a:blipFill>
+                      </a:tcPr>
+                    </a:tc>
+                    <a:tc>
+                      <a:txBody>
+                        <a:bodyPr/>
+                        <a:lstStyle/>
+                        <a:p>
+                          <a:endParaRPr lang="fa-IR"/>
+                        </a:p>
+                      </a:txBody>
+                      <a:tcPr anchor="ctr">
+                        <a:blipFill>
+                          <a:blip r:embed="rId2"/>
+                          <a:stretch>
+                            <a:fillRect l="-400559" t="-862" r="-1117" b="-1724"/>
+                          </a:stretch>
+                        </a:blipFill>
+                      </a:tcPr>
+                    </a:tc>
+                    <a:extLst>
+                      <a:ext uri="{0D108BD9-81ED-4DB2-BD59-A6C34878D82A}">
+                        <a16:rowId xmlns:a16="http://schemas.microsoft.com/office/drawing/2014/main" val="2574226242"/>
+                      </a:ext>
+                    </a:extLst>
+                  </a:tr>
+                </a:tbl>
+              </a:graphicData>
+            </a:graphic>
+          </p:graphicFrame>
+        </mc:Fallback>
+      </mc:AlternateContent>
+      <mc:AlternateContent xmlns:mc="http://schemas.openxmlformats.org/markup-compatibility/2006">
+        <mc:Choice xmlns:a14="http://schemas.microsoft.com/office/drawing/2010/main" Requires="a14">
+          <p:graphicFrame>
+            <p:nvGraphicFramePr>
+              <p:cNvPr id="40" name="Table 39">
+                <a:extLst>
+                  <a:ext uri="{FF2B5EF4-FFF2-40B4-BE49-F238E27FC236}">
+                    <a16:creationId xmlns:a16="http://schemas.microsoft.com/office/drawing/2014/main" id="{2C883F2A-CC46-4025-84A6-0A0F6A45B342}"/>
+                  </a:ext>
+                </a:extLst>
+              </p:cNvPr>
+              <p:cNvGraphicFramePr>
+                <a:graphicFrameLocks noGrp="1"/>
+              </p:cNvGraphicFramePr>
+              <p:nvPr/>
+            </p:nvGraphicFramePr>
+            <p:xfrm>
+              <a:off x="6473921" y="3176797"/>
+              <a:ext cx="5445125" cy="699559"/>
+            </p:xfrm>
+            <a:graphic>
+              <a:graphicData uri="http://schemas.openxmlformats.org/drawingml/2006/table">
+                <a:tbl>
+                  <a:tblPr rtl="1" firstRow="1" bandRow="1">
+                    <a:tableStyleId>{5940675A-B579-460E-94D1-54222C63F5DA}</a:tableStyleId>
+                  </a:tblPr>
+                  <a:tblGrid>
+                    <a:gridCol w="990600">
+                      <a:extLst>
+                        <a:ext uri="{9D8B030D-6E8A-4147-A177-3AD203B41FA5}">
+                          <a16:colId xmlns:a16="http://schemas.microsoft.com/office/drawing/2014/main" val="2238849501"/>
+                        </a:ext>
+                      </a:extLst>
+                    </a:gridCol>
+                    <a:gridCol w="1187450">
+                      <a:extLst>
+                        <a:ext uri="{9D8B030D-6E8A-4147-A177-3AD203B41FA5}">
+                          <a16:colId xmlns:a16="http://schemas.microsoft.com/office/drawing/2014/main" val="3535756688"/>
+                        </a:ext>
+                      </a:extLst>
+                    </a:gridCol>
+                    <a:gridCol w="1089025">
+                      <a:extLst>
+                        <a:ext uri="{9D8B030D-6E8A-4147-A177-3AD203B41FA5}">
+                          <a16:colId xmlns:a16="http://schemas.microsoft.com/office/drawing/2014/main" val="1173842512"/>
+                        </a:ext>
+                      </a:extLst>
+                    </a:gridCol>
+                    <a:gridCol w="1089025">
+                      <a:extLst>
+                        <a:ext uri="{9D8B030D-6E8A-4147-A177-3AD203B41FA5}">
+                          <a16:colId xmlns:a16="http://schemas.microsoft.com/office/drawing/2014/main" val="3532938545"/>
+                        </a:ext>
+                      </a:extLst>
+                    </a:gridCol>
+                    <a:gridCol w="1089025">
+                      <a:extLst>
+                        <a:ext uri="{9D8B030D-6E8A-4147-A177-3AD203B41FA5}">
+                          <a16:colId xmlns:a16="http://schemas.microsoft.com/office/drawing/2014/main" val="2134653468"/>
+                        </a:ext>
+                      </a:extLst>
+                    </a:gridCol>
+                  </a:tblGrid>
+                  <a:tr h="699559">
+                    <a:tc>
+                      <a:txBody>
+                        <a:bodyPr/>
+                        <a:lstStyle/>
+                        <a:p>
+                          <a:pPr algn="l" rtl="1"/>
+                          <a14:m>
+                            <m:oMathPara xmlns:m="http://schemas.openxmlformats.org/officeDocument/2006/math">
+                              <m:oMathParaPr>
+                                <m:jc m:val="centerGroup"/>
+                              </m:oMathParaPr>
+                              <m:oMath xmlns:m="http://schemas.openxmlformats.org/officeDocument/2006/math">
+                                <m:sSub>
+                                  <m:sSubPr>
+                                    <m:ctrlPr>
+                                      <a:rPr lang="en-US" b="0" i="1" smtClean="0">
+                                        <a:latin typeface="Cambria Math" panose="02040503050406030204" pitchFamily="18" charset="0"/>
+                                      </a:rPr>
+                                    </m:ctrlPr>
+                                  </m:sSubPr>
+                                  <m:e>
+                                    <m:sSub>
+                                      <m:sSubPr>
+                                        <m:ctrlPr>
+                                          <a:rPr lang="en-US" b="0" i="1" smtClean="0">
+                                            <a:latin typeface="Cambria Math" panose="02040503050406030204" pitchFamily="18" charset="0"/>
+                                          </a:rPr>
+                                        </m:ctrlPr>
+                                      </m:sSubPr>
+                                      <m:e>
+                                        <m:r>
+                                          <a:rPr lang="en-US" b="0" i="1" smtClean="0">
+                                            <a:latin typeface="Cambria Math" panose="02040503050406030204" pitchFamily="18" charset="0"/>
+                                          </a:rPr>
+                                          <m:t>𝑉</m:t>
+                                        </m:r>
+                                      </m:e>
+                                      <m:sub>
+                                        <m:r>
+                                          <a:rPr lang="en-US" b="0" i="1" smtClean="0">
+                                            <a:latin typeface="Cambria Math" panose="02040503050406030204" pitchFamily="18" charset="0"/>
+                                          </a:rPr>
+                                          <m:t>1</m:t>
+                                        </m:r>
+                                      </m:sub>
+                                    </m:sSub>
+                                    <m:r>
+                                      <a:rPr lang="en-US" b="0" i="1" smtClean="0">
+                                        <a:latin typeface="Cambria Math" panose="02040503050406030204" pitchFamily="18" charset="0"/>
+                                      </a:rPr>
+                                      <m:t>.</m:t>
+                                    </m:r>
+                                    <m:r>
+                                      <a:rPr lang="en-US" b="0" i="1" smtClean="0">
+                                        <a:latin typeface="Cambria Math" panose="02040503050406030204" pitchFamily="18" charset="0"/>
+                                      </a:rPr>
+                                      <m:t>𝑇</m:t>
+                                    </m:r>
+                                  </m:e>
+                                  <m:sub>
+                                    <m:r>
+                                      <a:rPr lang="en-US" b="0" i="1" smtClean="0">
+                                        <a:latin typeface="Cambria Math" panose="02040503050406030204" pitchFamily="18" charset="0"/>
+                                      </a:rPr>
+                                      <m:t>𝑁</m:t>
+                                    </m:r>
+                                  </m:sub>
+                                </m:sSub>
+                              </m:oMath>
+                            </m:oMathPara>
+                          </a14:m>
+                          <a:endParaRPr lang="fa-IR" dirty="0"/>
+                        </a:p>
+                      </a:txBody>
+                      <a:tcPr anchor="ctr"/>
+                    </a:tc>
+                    <a:tc>
+                      <a:txBody>
+                        <a:bodyPr/>
+                        <a:lstStyle/>
+                        <a:p>
+                          <a:pPr marL="0" marR="0" lvl="0" indent="0" algn="l" defTabSz="914400" rtl="1" eaLnBrk="1" fontAlgn="auto" latinLnBrk="0" hangingPunct="1">
+                            <a:lnSpc>
+                              <a:spcPct val="100000"/>
+                            </a:lnSpc>
+                            <a:spcBef>
+                              <a:spcPts val="0"/>
+                            </a:spcBef>
+                            <a:spcAft>
+                              <a:spcPts val="0"/>
+                            </a:spcAft>
+                            <a:buClrTx/>
+                            <a:buSzTx/>
+                            <a:buFontTx/>
+                            <a:buNone/>
+                            <a:tabLst/>
+                            <a:defRPr/>
+                          </a:pPr>
+                          <a14:m>
+                            <m:oMathPara xmlns:m="http://schemas.openxmlformats.org/officeDocument/2006/math">
+                              <m:oMathParaPr>
+                                <m:jc m:val="centerGroup"/>
+                              </m:oMathParaPr>
+                              <m:oMath xmlns:m="http://schemas.openxmlformats.org/officeDocument/2006/math">
+                                <m:sSub>
+                                  <m:sSubPr>
+                                    <m:ctrlPr>
+                                      <a:rPr lang="en-US" b="0" i="1" smtClean="0">
+                                        <a:latin typeface="Cambria Math" panose="02040503050406030204" pitchFamily="18" charset="0"/>
+                                      </a:rPr>
+                                    </m:ctrlPr>
+                                  </m:sSubPr>
+                                  <m:e>
+                                    <m:sSub>
+                                      <m:sSubPr>
+                                        <m:ctrlPr>
+                                          <a:rPr lang="en-US" b="0" i="1" smtClean="0">
+                                            <a:latin typeface="Cambria Math" panose="02040503050406030204" pitchFamily="18" charset="0"/>
+                                          </a:rPr>
+                                        </m:ctrlPr>
+                                      </m:sSubPr>
+                                      <m:e>
+                                        <m:r>
+                                          <a:rPr lang="en-US" b="0" i="1" smtClean="0">
+                                            <a:latin typeface="Cambria Math" panose="02040503050406030204" pitchFamily="18" charset="0"/>
+                                          </a:rPr>
+                                          <m:t>𝑉</m:t>
+                                        </m:r>
+                                      </m:e>
+                                      <m:sub>
+                                        <m:r>
+                                          <a:rPr lang="en-US" b="0" i="1" smtClean="0">
+                                            <a:latin typeface="Cambria Math" panose="02040503050406030204" pitchFamily="18" charset="0"/>
+                                          </a:rPr>
+                                          <m:t>1</m:t>
+                                        </m:r>
+                                      </m:sub>
+                                    </m:sSub>
+                                    <m:r>
+                                      <a:rPr lang="en-US" b="0" i="1" smtClean="0">
+                                        <a:latin typeface="Cambria Math" panose="02040503050406030204" pitchFamily="18" charset="0"/>
+                                      </a:rPr>
+                                      <m:t>.</m:t>
+                                    </m:r>
+                                    <m:r>
+                                      <a:rPr lang="en-US" b="0" i="1" smtClean="0">
+                                        <a:latin typeface="Cambria Math" panose="02040503050406030204" pitchFamily="18" charset="0"/>
+                                      </a:rPr>
+                                      <m:t>𝑇</m:t>
+                                    </m:r>
+                                  </m:e>
+                                  <m:sub>
+                                    <m:r>
+                                      <a:rPr lang="en-US" b="0" i="1" smtClean="0">
+                                        <a:latin typeface="Cambria Math" panose="02040503050406030204" pitchFamily="18" charset="0"/>
+                                      </a:rPr>
+                                      <m:t>𝑁</m:t>
+                                    </m:r>
+                                    <m:r>
+                                      <a:rPr lang="en-US" b="0" i="1" smtClean="0">
+                                        <a:latin typeface="Cambria Math" panose="02040503050406030204" pitchFamily="18" charset="0"/>
+                                      </a:rPr>
+                                      <m:t>−</m:t>
+                                    </m:r>
+                                    <m:r>
+                                      <a:rPr lang="en-US" b="0" i="1" smtClean="0">
+                                        <a:latin typeface="Cambria Math" panose="02040503050406030204" pitchFamily="18" charset="0"/>
+                                      </a:rPr>
+                                      <m:t>1</m:t>
+                                    </m:r>
+                                  </m:sub>
+                                </m:sSub>
+                              </m:oMath>
+                            </m:oMathPara>
+                          </a14:m>
+                          <a:endParaRPr lang="fa-IR" dirty="0"/>
+                        </a:p>
+                      </a:txBody>
+                      <a:tcPr anchor="ctr"/>
+                    </a:tc>
+                    <a:tc>
+                      <a:txBody>
+                        <a:bodyPr/>
+                        <a:lstStyle/>
+                        <a:p>
+                          <a:pPr algn="l" rtl="1"/>
+                          <a14:m>
+                            <m:oMathPara xmlns:m="http://schemas.openxmlformats.org/officeDocument/2006/math">
+                              <m:oMathParaPr>
+                                <m:jc m:val="centerGroup"/>
+                              </m:oMathParaPr>
+                              <m:oMath xmlns:m="http://schemas.openxmlformats.org/officeDocument/2006/math">
+                                <m:r>
+                                  <a:rPr lang="en-US" b="0" i="1" smtClean="0">
+                                    <a:latin typeface="Cambria Math" panose="02040503050406030204" pitchFamily="18" charset="0"/>
+                                  </a:rPr>
+                                  <m:t>…</m:t>
+                                </m:r>
+                              </m:oMath>
+                            </m:oMathPara>
+                          </a14:m>
+                          <a:endParaRPr lang="fa-IR" dirty="0"/>
+                        </a:p>
+                      </a:txBody>
+                      <a:tcPr anchor="ctr"/>
+                    </a:tc>
+                    <a:tc>
+                      <a:txBody>
+                        <a:bodyPr/>
+                        <a:lstStyle/>
+                        <a:p>
+                          <a:pPr algn="l" rtl="1"/>
+                          <a14:m>
+                            <m:oMathPara xmlns:m="http://schemas.openxmlformats.org/officeDocument/2006/math">
+                              <m:oMathParaPr>
+                                <m:jc m:val="centerGroup"/>
+                              </m:oMathParaPr>
+                              <m:oMath xmlns:m="http://schemas.openxmlformats.org/officeDocument/2006/math">
+                                <m:sSub>
+                                  <m:sSubPr>
+                                    <m:ctrlPr>
+                                      <a:rPr lang="en-US" b="0" i="1" smtClean="0">
+                                        <a:latin typeface="Cambria Math" panose="02040503050406030204" pitchFamily="18" charset="0"/>
+                                      </a:rPr>
+                                    </m:ctrlPr>
+                                  </m:sSubPr>
+                                  <m:e>
+                                    <m:sSub>
+                                      <m:sSubPr>
+                                        <m:ctrlPr>
+                                          <a:rPr lang="en-US" b="0" i="1" smtClean="0">
+                                            <a:latin typeface="Cambria Math" panose="02040503050406030204" pitchFamily="18" charset="0"/>
+                                          </a:rPr>
+                                        </m:ctrlPr>
+                                      </m:sSubPr>
+                                      <m:e>
+                                        <m:r>
+                                          <a:rPr lang="en-US" b="0" i="1" smtClean="0">
+                                            <a:latin typeface="Cambria Math" panose="02040503050406030204" pitchFamily="18" charset="0"/>
+                                          </a:rPr>
+                                          <m:t>𝑉</m:t>
+                                        </m:r>
+                                      </m:e>
+                                      <m:sub>
+                                        <m:r>
+                                          <a:rPr lang="en-US" b="0" i="1" smtClean="0">
+                                            <a:latin typeface="Cambria Math" panose="02040503050406030204" pitchFamily="18" charset="0"/>
+                                          </a:rPr>
+                                          <m:t>1</m:t>
+                                        </m:r>
+                                      </m:sub>
+                                    </m:sSub>
+                                    <m:r>
+                                      <a:rPr lang="en-US" b="0" i="1" smtClean="0">
+                                        <a:latin typeface="Cambria Math" panose="02040503050406030204" pitchFamily="18" charset="0"/>
+                                      </a:rPr>
+                                      <m:t>.</m:t>
+                                    </m:r>
+                                    <m:r>
+                                      <a:rPr lang="en-US" b="0" i="1" smtClean="0">
+                                        <a:latin typeface="Cambria Math" panose="02040503050406030204" pitchFamily="18" charset="0"/>
+                                      </a:rPr>
+                                      <m:t>𝑇</m:t>
+                                    </m:r>
+                                  </m:e>
+                                  <m:sub>
+                                    <m:r>
+                                      <a:rPr lang="en-US" b="0" i="1" smtClean="0">
+                                        <a:latin typeface="Cambria Math" panose="02040503050406030204" pitchFamily="18" charset="0"/>
+                                      </a:rPr>
+                                      <m:t>2</m:t>
+                                    </m:r>
+                                  </m:sub>
+                                </m:sSub>
+                              </m:oMath>
+                            </m:oMathPara>
+                          </a14:m>
+                          <a:endParaRPr lang="fa-IR" dirty="0"/>
+                        </a:p>
+                      </a:txBody>
+                      <a:tcPr anchor="ctr">
+                        <a:solidFill>
+                          <a:schemeClr val="bg1"/>
+                        </a:solidFill>
+                      </a:tcPr>
+                    </a:tc>
+                    <a:tc>
+                      <a:txBody>
+                        <a:bodyPr/>
+                        <a:lstStyle/>
+                        <a:p>
+                          <a:pPr algn="l" rtl="1"/>
+                          <a14:m>
+                            <m:oMathPara xmlns:m="http://schemas.openxmlformats.org/officeDocument/2006/math">
+                              <m:oMathParaPr>
+                                <m:jc m:val="centerGroup"/>
+                              </m:oMathParaPr>
+                              <m:oMath xmlns:m="http://schemas.openxmlformats.org/officeDocument/2006/math">
+                                <m:sSub>
+                                  <m:sSubPr>
+                                    <m:ctrlPr>
+                                      <a:rPr lang="en-US" sz="1800" b="0" i="1" kern="1200" smtClean="0">
+                                        <a:solidFill>
+                                          <a:schemeClr val="tx1"/>
+                                        </a:solidFill>
+                                        <a:latin typeface="Cambria Math" panose="02040503050406030204" pitchFamily="18" charset="0"/>
+                                        <a:ea typeface="+mn-ea"/>
+                                        <a:cs typeface="+mn-cs"/>
+                                      </a:rPr>
+                                    </m:ctrlPr>
+                                  </m:sSubPr>
+                                  <m:e>
+                                    <m:r>
+                                      <a:rPr lang="en-US" sz="1800" b="0" i="1" kern="1200" smtClean="0">
+                                        <a:solidFill>
+                                          <a:schemeClr val="tx1"/>
+                                        </a:solidFill>
+                                        <a:latin typeface="Cambria Math" panose="02040503050406030204" pitchFamily="18" charset="0"/>
+                                        <a:ea typeface="+mn-ea"/>
+                                        <a:cs typeface="+mn-cs"/>
+                                      </a:rPr>
+                                      <m:t>𝑉</m:t>
+                                    </m:r>
+                                  </m:e>
+                                  <m:sub>
+                                    <m:r>
+                                      <a:rPr lang="en-US" sz="1800" b="0" i="1" kern="1200" smtClean="0">
+                                        <a:solidFill>
+                                          <a:schemeClr val="tx1"/>
+                                        </a:solidFill>
+                                        <a:latin typeface="Cambria Math" panose="02040503050406030204" pitchFamily="18" charset="0"/>
+                                        <a:ea typeface="+mn-ea"/>
+                                        <a:cs typeface="+mn-cs"/>
+                                      </a:rPr>
+                                      <m:t>1</m:t>
+                                    </m:r>
+                                  </m:sub>
+                                </m:sSub>
+                                <m:r>
+                                  <a:rPr lang="en-US" sz="1800" b="0" i="1" kern="1200" smtClean="0">
+                                    <a:solidFill>
+                                      <a:schemeClr val="tx1"/>
+                                    </a:solidFill>
+                                    <a:latin typeface="Cambria Math" panose="02040503050406030204" pitchFamily="18" charset="0"/>
+                                    <a:ea typeface="+mn-ea"/>
+                                    <a:cs typeface="+mn-cs"/>
+                                  </a:rPr>
+                                  <m:t>.</m:t>
+                                </m:r>
+                                <m:sSub>
+                                  <m:sSubPr>
+                                    <m:ctrlPr>
+                                      <a:rPr lang="en-US" sz="1800" b="0" i="1" kern="1200" smtClean="0">
+                                        <a:solidFill>
+                                          <a:schemeClr val="tx1"/>
+                                        </a:solidFill>
+                                        <a:latin typeface="Cambria Math" panose="02040503050406030204" pitchFamily="18" charset="0"/>
+                                        <a:ea typeface="+mn-ea"/>
+                                        <a:cs typeface="+mn-cs"/>
+                                      </a:rPr>
+                                    </m:ctrlPr>
+                                  </m:sSubPr>
+                                  <m:e>
+                                    <m:r>
+                                      <a:rPr lang="en-US" sz="1800" b="0" i="1" kern="1200" smtClean="0">
+                                        <a:solidFill>
+                                          <a:schemeClr val="tx1"/>
+                                        </a:solidFill>
+                                        <a:latin typeface="Cambria Math" panose="02040503050406030204" pitchFamily="18" charset="0"/>
+                                        <a:ea typeface="+mn-ea"/>
+                                        <a:cs typeface="+mn-cs"/>
+                                      </a:rPr>
+                                      <m:t>𝑇</m:t>
+                                    </m:r>
+                                  </m:e>
+                                  <m:sub>
+                                    <m:r>
+                                      <a:rPr lang="en-US" sz="1800" b="0" i="1" kern="1200" smtClean="0">
+                                        <a:solidFill>
+                                          <a:schemeClr val="tx1"/>
+                                        </a:solidFill>
+                                        <a:latin typeface="Cambria Math" panose="02040503050406030204" pitchFamily="18" charset="0"/>
+                                        <a:ea typeface="+mn-ea"/>
+                                        <a:cs typeface="+mn-cs"/>
+                                      </a:rPr>
+                                      <m:t>1</m:t>
+                                    </m:r>
+                                  </m:sub>
+                                </m:sSub>
+                              </m:oMath>
+                            </m:oMathPara>
+                          </a14:m>
+                          <a:endParaRPr lang="fa-IR" sz="1800" b="0" i="1" kern="1200" dirty="0">
+                            <a:solidFill>
+                              <a:schemeClr val="tx1"/>
+                            </a:solidFill>
+                            <a:latin typeface="Cambria Math" panose="02040503050406030204" pitchFamily="18" charset="0"/>
+                            <a:ea typeface="+mn-ea"/>
+                            <a:cs typeface="+mn-cs"/>
+                          </a:endParaRPr>
+                        </a:p>
+                      </a:txBody>
+                      <a:tcPr anchor="ctr">
+                        <a:solidFill>
+                          <a:srgbClr val="DCE8FA"/>
+                        </a:solidFill>
+                      </a:tcPr>
+                    </a:tc>
+                    <a:extLst>
+                      <a:ext uri="{0D108BD9-81ED-4DB2-BD59-A6C34878D82A}">
+                        <a16:rowId xmlns:a16="http://schemas.microsoft.com/office/drawing/2014/main" val="2574226242"/>
+                      </a:ext>
+                    </a:extLst>
+                  </a:tr>
+                </a:tbl>
+              </a:graphicData>
+            </a:graphic>
+          </p:graphicFrame>
+        </mc:Choice>
+        <mc:Fallback>
+          <p:graphicFrame>
+            <p:nvGraphicFramePr>
+              <p:cNvPr id="40" name="Table 39">
+                <a:extLst>
+                  <a:ext uri="{FF2B5EF4-FFF2-40B4-BE49-F238E27FC236}">
+                    <a16:creationId xmlns:a16="http://schemas.microsoft.com/office/drawing/2014/main" id="{2C883F2A-CC46-4025-84A6-0A0F6A45B342}"/>
+                  </a:ext>
+                </a:extLst>
+              </p:cNvPr>
+              <p:cNvGraphicFramePr>
+                <a:graphicFrameLocks noGrp="1"/>
+              </p:cNvGraphicFramePr>
+              <p:nvPr/>
+            </p:nvGraphicFramePr>
+            <p:xfrm>
+              <a:off x="6473921" y="3176797"/>
+              <a:ext cx="5445125" cy="699559"/>
+            </p:xfrm>
+            <a:graphic>
+              <a:graphicData uri="http://schemas.openxmlformats.org/drawingml/2006/table">
+                <a:tbl>
+                  <a:tblPr rtl="1" firstRow="1" bandRow="1">
+                    <a:tableStyleId>{5940675A-B579-460E-94D1-54222C63F5DA}</a:tableStyleId>
+                  </a:tblPr>
+                  <a:tblGrid>
+                    <a:gridCol w="990600">
+                      <a:extLst>
+                        <a:ext uri="{9D8B030D-6E8A-4147-A177-3AD203B41FA5}">
+                          <a16:colId xmlns:a16="http://schemas.microsoft.com/office/drawing/2014/main" val="2238849501"/>
+                        </a:ext>
+                      </a:extLst>
+                    </a:gridCol>
+                    <a:gridCol w="1187450">
+                      <a:extLst>
+                        <a:ext uri="{9D8B030D-6E8A-4147-A177-3AD203B41FA5}">
+                          <a16:colId xmlns:a16="http://schemas.microsoft.com/office/drawing/2014/main" val="3535756688"/>
+                        </a:ext>
+                      </a:extLst>
+                    </a:gridCol>
+                    <a:gridCol w="1089025">
+                      <a:extLst>
+                        <a:ext uri="{9D8B030D-6E8A-4147-A177-3AD203B41FA5}">
+                          <a16:colId xmlns:a16="http://schemas.microsoft.com/office/drawing/2014/main" val="1173842512"/>
+                        </a:ext>
+                      </a:extLst>
+                    </a:gridCol>
+                    <a:gridCol w="1089025">
+                      <a:extLst>
+                        <a:ext uri="{9D8B030D-6E8A-4147-A177-3AD203B41FA5}">
+                          <a16:colId xmlns:a16="http://schemas.microsoft.com/office/drawing/2014/main" val="3532938545"/>
+                        </a:ext>
+                      </a:extLst>
+                    </a:gridCol>
+                    <a:gridCol w="1089025">
+                      <a:extLst>
+                        <a:ext uri="{9D8B030D-6E8A-4147-A177-3AD203B41FA5}">
+                          <a16:colId xmlns:a16="http://schemas.microsoft.com/office/drawing/2014/main" val="2134653468"/>
+                        </a:ext>
+                      </a:extLst>
+                    </a:gridCol>
+                  </a:tblGrid>
+                  <a:tr h="699559">
+                    <a:tc>
+                      <a:txBody>
+                        <a:bodyPr/>
+                        <a:lstStyle/>
+                        <a:p>
+                          <a:endParaRPr lang="fa-IR"/>
+                        </a:p>
+                      </a:txBody>
+                      <a:tcPr anchor="ctr">
+                        <a:blipFill>
+                          <a:blip r:embed="rId3"/>
+                          <a:stretch>
+                            <a:fillRect l="-613" t="-870" r="-450307" b="-1739"/>
+                          </a:stretch>
+                        </a:blipFill>
+                      </a:tcPr>
+                    </a:tc>
+                    <a:tc>
+                      <a:txBody>
+                        <a:bodyPr/>
+                        <a:lstStyle/>
+                        <a:p>
+                          <a:endParaRPr lang="fa-IR"/>
+                        </a:p>
+                      </a:txBody>
+                      <a:tcPr anchor="ctr">
+                        <a:blipFill>
+                          <a:blip r:embed="rId3"/>
+                          <a:stretch>
+                            <a:fillRect l="-84103" t="-870" r="-276410" b="-1739"/>
+                          </a:stretch>
+                        </a:blipFill>
+                      </a:tcPr>
+                    </a:tc>
+                    <a:tc>
+                      <a:txBody>
+                        <a:bodyPr/>
+                        <a:lstStyle/>
+                        <a:p>
+                          <a:endParaRPr lang="fa-IR"/>
+                        </a:p>
+                      </a:txBody>
+                      <a:tcPr anchor="ctr">
+                        <a:blipFill>
+                          <a:blip r:embed="rId3"/>
+                          <a:stretch>
+                            <a:fillRect l="-200559" t="-870" r="-201117" b="-1739"/>
+                          </a:stretch>
+                        </a:blipFill>
+                      </a:tcPr>
+                    </a:tc>
+                    <a:tc>
+                      <a:txBody>
+                        <a:bodyPr/>
+                        <a:lstStyle/>
+                        <a:p>
+                          <a:endParaRPr lang="fa-IR"/>
+                        </a:p>
+                      </a:txBody>
+                      <a:tcPr anchor="ctr">
+                        <a:blipFill>
+                          <a:blip r:embed="rId3"/>
+                          <a:stretch>
+                            <a:fillRect l="-300559" t="-870" r="-101117" b="-1739"/>
+                          </a:stretch>
+                        </a:blipFill>
+                      </a:tcPr>
+                    </a:tc>
+                    <a:tc>
+                      <a:txBody>
+                        <a:bodyPr/>
+                        <a:lstStyle/>
+                        <a:p>
+                          <a:endParaRPr lang="fa-IR"/>
+                        </a:p>
+                      </a:txBody>
+                      <a:tcPr anchor="ctr">
+                        <a:blipFill>
+                          <a:blip r:embed="rId3"/>
+                          <a:stretch>
+                            <a:fillRect l="-400559" t="-870" r="-1117" b="-1739"/>
+                          </a:stretch>
+                        </a:blipFill>
+                      </a:tcPr>
+                    </a:tc>
+                    <a:extLst>
+                      <a:ext uri="{0D108BD9-81ED-4DB2-BD59-A6C34878D82A}">
+                        <a16:rowId xmlns:a16="http://schemas.microsoft.com/office/drawing/2014/main" val="2574226242"/>
+                      </a:ext>
+                    </a:extLst>
+                  </a:tr>
+                </a:tbl>
+              </a:graphicData>
+            </a:graphic>
+          </p:graphicFrame>
+        </mc:Fallback>
+      </mc:AlternateContent>
+      <p:grpSp>
+        <p:nvGrpSpPr>
+          <p:cNvPr id="48" name="Group 47">
+            <a:extLst>
+              <a:ext uri="{FF2B5EF4-FFF2-40B4-BE49-F238E27FC236}">
+                <a16:creationId xmlns:a16="http://schemas.microsoft.com/office/drawing/2014/main" id="{287921DE-AF2E-0887-D4F7-74D573309F11}"/>
+              </a:ext>
+            </a:extLst>
+          </p:cNvPr>
+          <p:cNvGrpSpPr/>
+          <p:nvPr/>
+        </p:nvGrpSpPr>
+        <p:grpSpPr>
+          <a:xfrm>
+            <a:off x="272954" y="3455444"/>
+            <a:ext cx="661022" cy="3276852"/>
+            <a:chOff x="419841" y="2212244"/>
+            <a:chExt cx="661022" cy="4631110"/>
+          </a:xfrm>
+        </p:grpSpPr>
+        <p:pic>
+          <p:nvPicPr>
+            <p:cNvPr id="3" name="Picture 2">
+              <a:extLst>
+                <a:ext uri="{FF2B5EF4-FFF2-40B4-BE49-F238E27FC236}">
+                  <a16:creationId xmlns:a16="http://schemas.microsoft.com/office/drawing/2014/main" id="{6D2668DA-0F74-A900-C63D-5F30556CE49A}"/>
+                </a:ext>
+              </a:extLst>
+            </p:cNvPr>
+            <p:cNvPicPr>
+              <a:picLocks noChangeAspect="1"/>
+            </p:cNvPicPr>
+            <p:nvPr/>
+          </p:nvPicPr>
+          <p:blipFill>
+            <a:blip r:embed="rId4"/>
+            <a:srcRect l="1439" t="24956" r="84975" b="25886"/>
+            <a:stretch>
+              <a:fillRect/>
+            </a:stretch>
+          </p:blipFill>
+          <p:spPr>
+            <a:xfrm>
+              <a:off x="431679" y="5711916"/>
+              <a:ext cx="647700" cy="1131438"/>
+            </a:xfrm>
+            <a:prstGeom prst="rect">
+              <a:avLst/>
+            </a:prstGeom>
+          </p:spPr>
+        </p:pic>
+        <p:pic>
+          <p:nvPicPr>
+            <p:cNvPr id="41" name="Picture 40">
+              <a:extLst>
+                <a:ext uri="{FF2B5EF4-FFF2-40B4-BE49-F238E27FC236}">
+                  <a16:creationId xmlns:a16="http://schemas.microsoft.com/office/drawing/2014/main" id="{EBB390E9-99C0-00D0-C268-CCF7FF071B81}"/>
+                </a:ext>
+              </a:extLst>
+            </p:cNvPr>
+            <p:cNvPicPr>
+              <a:picLocks noChangeAspect="1"/>
+            </p:cNvPicPr>
+            <p:nvPr/>
+          </p:nvPicPr>
+          <p:blipFill>
+            <a:blip r:embed="rId4"/>
+            <a:srcRect l="18369" t="24956" r="67887" b="25886"/>
+            <a:stretch>
+              <a:fillRect/>
+            </a:stretch>
+          </p:blipFill>
+          <p:spPr>
+            <a:xfrm>
+              <a:off x="423602" y="4947355"/>
+              <a:ext cx="655294" cy="1131438"/>
+            </a:xfrm>
+            <a:prstGeom prst="rect">
+              <a:avLst/>
+            </a:prstGeom>
+          </p:spPr>
+        </p:pic>
+        <p:pic>
+          <p:nvPicPr>
+            <p:cNvPr id="42" name="Picture 41">
+              <a:extLst>
+                <a:ext uri="{FF2B5EF4-FFF2-40B4-BE49-F238E27FC236}">
+                  <a16:creationId xmlns:a16="http://schemas.microsoft.com/office/drawing/2014/main" id="{F2742EE5-72E2-CC6D-7CFD-D1055E219194}"/>
+                </a:ext>
+              </a:extLst>
+            </p:cNvPr>
+            <p:cNvPicPr>
+              <a:picLocks noChangeAspect="1"/>
+            </p:cNvPicPr>
+            <p:nvPr/>
+          </p:nvPicPr>
+          <p:blipFill>
+            <a:blip r:embed="rId4"/>
+            <a:srcRect l="34151" t="24956" r="51664" b="25886"/>
+            <a:stretch>
+              <a:fillRect/>
+            </a:stretch>
+          </p:blipFill>
+          <p:spPr>
+            <a:xfrm>
+              <a:off x="431679" y="4045616"/>
+              <a:ext cx="643458" cy="1131438"/>
+            </a:xfrm>
+            <a:prstGeom prst="rect">
+              <a:avLst/>
+            </a:prstGeom>
+          </p:spPr>
+        </p:pic>
+        <p:pic>
+          <p:nvPicPr>
+            <p:cNvPr id="43" name="Picture 42">
+              <a:extLst>
+                <a:ext uri="{FF2B5EF4-FFF2-40B4-BE49-F238E27FC236}">
+                  <a16:creationId xmlns:a16="http://schemas.microsoft.com/office/drawing/2014/main" id="{FD8F4861-0A9A-9186-483A-A48860E411E4}"/>
+                </a:ext>
+              </a:extLst>
+            </p:cNvPr>
+            <p:cNvPicPr>
+              <a:picLocks noChangeAspect="1"/>
+            </p:cNvPicPr>
+            <p:nvPr/>
+          </p:nvPicPr>
+          <p:blipFill>
+            <a:blip r:embed="rId4"/>
+            <a:srcRect l="50986" t="24956" r="34230" b="25886"/>
+            <a:stretch>
+              <a:fillRect/>
+            </a:stretch>
+          </p:blipFill>
+          <p:spPr>
+            <a:xfrm>
+              <a:off x="419841" y="3097617"/>
+              <a:ext cx="655295" cy="1131438"/>
+            </a:xfrm>
+            <a:prstGeom prst="rect">
+              <a:avLst/>
+            </a:prstGeom>
+          </p:spPr>
+        </p:pic>
+        <p:pic>
+          <p:nvPicPr>
+            <p:cNvPr id="44" name="Picture 43">
+              <a:extLst>
+                <a:ext uri="{FF2B5EF4-FFF2-40B4-BE49-F238E27FC236}">
+                  <a16:creationId xmlns:a16="http://schemas.microsoft.com/office/drawing/2014/main" id="{2554B09C-B41E-F725-3041-C0B3F722542F}"/>
+                </a:ext>
+              </a:extLst>
+            </p:cNvPr>
+            <p:cNvPicPr>
+              <a:picLocks noChangeAspect="1"/>
+            </p:cNvPicPr>
+            <p:nvPr/>
+          </p:nvPicPr>
+          <p:blipFill>
+            <a:blip r:embed="rId4"/>
+            <a:srcRect l="67768" t="24956" r="18247" b="25886"/>
+            <a:stretch>
+              <a:fillRect/>
+            </a:stretch>
+          </p:blipFill>
+          <p:spPr>
+            <a:xfrm>
+              <a:off x="419841" y="2212244"/>
+              <a:ext cx="661022" cy="1131438"/>
+            </a:xfrm>
+            <a:prstGeom prst="rect">
+              <a:avLst/>
+            </a:prstGeom>
+          </p:spPr>
+        </p:pic>
+      </p:grpSp>
+      <p:cxnSp>
+        <p:nvCxnSpPr>
+          <p:cNvPr id="10" name="Straight Arrow Connector 9">
+            <a:extLst>
+              <a:ext uri="{FF2B5EF4-FFF2-40B4-BE49-F238E27FC236}">
+                <a16:creationId xmlns:a16="http://schemas.microsoft.com/office/drawing/2014/main" id="{68502A56-8B1B-CB9F-E865-77FBB96E5AB2}"/>
+              </a:ext>
+            </a:extLst>
+          </p:cNvPr>
+          <p:cNvCxnSpPr>
+            <a:cxnSpLocks/>
+          </p:cNvCxnSpPr>
+          <p:nvPr/>
+        </p:nvCxnSpPr>
+        <p:spPr>
+          <a:xfrm flipV="1">
+            <a:off x="1819788" y="1557650"/>
+            <a:ext cx="436894" cy="5158"/>
+          </a:xfrm>
+          <a:prstGeom prst="straightConnector1">
+            <a:avLst/>
+          </a:prstGeom>
+          <a:ln w="12700">
+            <a:solidFill>
+              <a:schemeClr val="tx1">
+                <a:lumMod val="95000"/>
+                <a:lumOff val="5000"/>
+              </a:schemeClr>
+            </a:solidFill>
+            <a:tailEnd type="triangle"/>
+          </a:ln>
+        </p:spPr>
+        <p:style>
+          <a:lnRef idx="1">
+            <a:schemeClr val="accent1"/>
+          </a:lnRef>
+          <a:fillRef idx="0">
+            <a:schemeClr val="accent1"/>
+          </a:fillRef>
+          <a:effectRef idx="0">
+            <a:schemeClr val="accent1"/>
+          </a:effectRef>
+          <a:fontRef idx="minor">
+            <a:schemeClr val="tx1"/>
+          </a:fontRef>
+        </p:style>
+      </p:cxnSp>
+      <p:graphicFrame>
+        <p:nvGraphicFramePr>
+          <p:cNvPr id="12" name="Table 11">
+            <a:extLst>
+              <a:ext uri="{FF2B5EF4-FFF2-40B4-BE49-F238E27FC236}">
+                <a16:creationId xmlns:a16="http://schemas.microsoft.com/office/drawing/2014/main" id="{248BC1A8-B07B-3A1E-6276-8E453DF0E4AC}"/>
+              </a:ext>
+            </a:extLst>
+          </p:cNvPr>
+          <p:cNvGraphicFramePr>
+            <a:graphicFrameLocks noGrp="1"/>
+          </p:cNvGraphicFramePr>
+          <p:nvPr/>
+        </p:nvGraphicFramePr>
+        <p:xfrm>
+          <a:off x="88233" y="42637"/>
+          <a:ext cx="1358900" cy="3118765"/>
+        </p:xfrm>
+        <a:graphic>
+          <a:graphicData uri="http://schemas.openxmlformats.org/drawingml/2006/table">
+            <a:tbl>
+              <a:tblPr rtl="1" firstRow="1" bandRow="1">
+                <a:tableStyleId>{5940675A-B579-460E-94D1-54222C63F5DA}</a:tableStyleId>
+              </a:tblPr>
+              <a:tblGrid>
+                <a:gridCol w="1358900">
+                  <a:extLst>
+                    <a:ext uri="{9D8B030D-6E8A-4147-A177-3AD203B41FA5}">
+                      <a16:colId xmlns:a16="http://schemas.microsoft.com/office/drawing/2014/main" val="1572875036"/>
+                    </a:ext>
+                  </a:extLst>
+                </a:gridCol>
+              </a:tblGrid>
+              <a:tr h="552848">
+                <a:tc>
+                  <a:txBody>
+                    <a:bodyPr/>
+                    <a:lstStyle/>
+                    <a:p>
+                      <a:pPr algn="ctr" rtl="1"/>
+                      <a:r>
+                        <a:rPr lang="en-US" sz="1800" b="0" i="0" kern="1200" dirty="0">
+                          <a:solidFill>
+                            <a:schemeClr val="tx1"/>
+                          </a:solidFill>
+                          <a:effectLst/>
+                          <a:latin typeface="+mn-lt"/>
+                          <a:ea typeface="+mn-ea"/>
+                          <a:cs typeface="+mn-cs"/>
+                        </a:rPr>
+                        <a:t>Typing</a:t>
+                      </a:r>
+                      <a:endParaRPr lang="fa-IR" sz="1800" b="0" i="0" kern="1200" dirty="0">
+                        <a:solidFill>
+                          <a:schemeClr val="tx1"/>
+                        </a:solidFill>
+                        <a:effectLst/>
+                        <a:latin typeface="+mn-lt"/>
+                        <a:ea typeface="+mn-ea"/>
+                        <a:cs typeface="+mn-cs"/>
+                      </a:endParaRPr>
+                    </a:p>
+                  </a:txBody>
+                  <a:tcPr anchor="ctr"/>
+                </a:tc>
+                <a:extLst>
+                  <a:ext uri="{0D108BD9-81ED-4DB2-BD59-A6C34878D82A}">
+                    <a16:rowId xmlns:a16="http://schemas.microsoft.com/office/drawing/2014/main" val="4027208133"/>
+                  </a:ext>
+                </a:extLst>
+              </a:tr>
+              <a:tr h="617091">
+                <a:tc>
+                  <a:txBody>
+                    <a:bodyPr/>
+                    <a:lstStyle/>
+                    <a:p>
+                      <a:pPr algn="ctr" rtl="1"/>
+                      <a:r>
+                        <a:rPr lang="en-US" dirty="0"/>
+                        <a:t>Walking</a:t>
+                      </a:r>
+                      <a:endParaRPr lang="fa-IR" dirty="0"/>
+                    </a:p>
+                  </a:txBody>
+                  <a:tcPr anchor="ctr"/>
+                </a:tc>
+                <a:extLst>
+                  <a:ext uri="{0D108BD9-81ED-4DB2-BD59-A6C34878D82A}">
+                    <a16:rowId xmlns:a16="http://schemas.microsoft.com/office/drawing/2014/main" val="3294088150"/>
+                  </a:ext>
+                </a:extLst>
+              </a:tr>
+              <a:tr h="617091">
+                <a:tc>
+                  <a:txBody>
+                    <a:bodyPr/>
+                    <a:lstStyle/>
+                    <a:p>
+                      <a:pPr marL="0" marR="0" lvl="0" indent="0" algn="ctr" defTabSz="914400" rtl="1" eaLnBrk="1" fontAlgn="auto" latinLnBrk="0" hangingPunct="1">
+                        <a:lnSpc>
+                          <a:spcPct val="100000"/>
+                        </a:lnSpc>
+                        <a:spcBef>
+                          <a:spcPts val="0"/>
+                        </a:spcBef>
+                        <a:spcAft>
+                          <a:spcPts val="0"/>
+                        </a:spcAft>
+                        <a:buClrTx/>
+                        <a:buSzTx/>
+                        <a:buFontTx/>
+                        <a:buNone/>
+                        <a:tabLst/>
+                        <a:defRPr/>
+                      </a:pPr>
+                      <a:r>
+                        <a:rPr lang="en-US" dirty="0"/>
+                        <a:t>…</a:t>
+                      </a:r>
+                      <a:endParaRPr lang="fa-IR" dirty="0"/>
+                    </a:p>
+                  </a:txBody>
+                  <a:tcPr anchor="ctr"/>
+                </a:tc>
+                <a:extLst>
+                  <a:ext uri="{0D108BD9-81ED-4DB2-BD59-A6C34878D82A}">
+                    <a16:rowId xmlns:a16="http://schemas.microsoft.com/office/drawing/2014/main" val="1933314736"/>
+                  </a:ext>
+                </a:extLst>
+              </a:tr>
+              <a:tr h="617091">
+                <a:tc>
+                  <a:txBody>
+                    <a:bodyPr/>
+                    <a:lstStyle/>
+                    <a:p>
+                      <a:pPr algn="ctr" rtl="1"/>
+                      <a:r>
+                        <a:rPr lang="en-US" dirty="0"/>
+                        <a:t>Jumping</a:t>
+                      </a:r>
+                      <a:endParaRPr lang="fa-IR" dirty="0"/>
+                    </a:p>
+                  </a:txBody>
+                  <a:tcPr anchor="ctr"/>
+                </a:tc>
+                <a:extLst>
+                  <a:ext uri="{0D108BD9-81ED-4DB2-BD59-A6C34878D82A}">
+                    <a16:rowId xmlns:a16="http://schemas.microsoft.com/office/drawing/2014/main" val="3936956109"/>
+                  </a:ext>
+                </a:extLst>
+              </a:tr>
+              <a:tr h="714644">
+                <a:tc>
+                  <a:txBody>
+                    <a:bodyPr/>
+                    <a:lstStyle/>
+                    <a:p>
+                      <a:pPr marL="0" marR="0" lvl="0" indent="0" algn="ctr" defTabSz="914400" rtl="1" eaLnBrk="1" fontAlgn="auto" latinLnBrk="0" hangingPunct="1">
+                        <a:lnSpc>
+                          <a:spcPct val="100000"/>
+                        </a:lnSpc>
+                        <a:spcBef>
+                          <a:spcPts val="0"/>
+                        </a:spcBef>
+                        <a:spcAft>
+                          <a:spcPts val="0"/>
+                        </a:spcAft>
+                        <a:buClrTx/>
+                        <a:buSzTx/>
+                        <a:buFontTx/>
+                        <a:buNone/>
+                        <a:tabLst/>
+                        <a:defRPr/>
+                      </a:pPr>
+                      <a:r>
+                        <a:rPr lang="en-US" sz="1800" b="0" i="0" kern="1200" dirty="0">
+                          <a:solidFill>
+                            <a:schemeClr val="tx1"/>
+                          </a:solidFill>
+                          <a:effectLst/>
+                          <a:latin typeface="+mn-lt"/>
+                          <a:ea typeface="+mn-ea"/>
+                          <a:cs typeface="+mn-cs"/>
+                        </a:rPr>
+                        <a:t>Playing Guitar</a:t>
+                      </a:r>
+                      <a:endParaRPr lang="fa-IR" dirty="0"/>
+                    </a:p>
+                  </a:txBody>
+                  <a:tcPr anchor="ctr"/>
+                </a:tc>
+                <a:extLst>
+                  <a:ext uri="{0D108BD9-81ED-4DB2-BD59-A6C34878D82A}">
+                    <a16:rowId xmlns:a16="http://schemas.microsoft.com/office/drawing/2014/main" val="3298532201"/>
+                  </a:ext>
+                </a:extLst>
+              </a:tr>
+            </a:tbl>
+          </a:graphicData>
+        </a:graphic>
+      </p:graphicFrame>
+      <p:grpSp>
+        <p:nvGrpSpPr>
+          <p:cNvPr id="18" name="Group 17">
+            <a:extLst>
+              <a:ext uri="{FF2B5EF4-FFF2-40B4-BE49-F238E27FC236}">
+                <a16:creationId xmlns:a16="http://schemas.microsoft.com/office/drawing/2014/main" id="{56AE844B-2C35-E5C9-7BEA-4296B1475D53}"/>
+              </a:ext>
+            </a:extLst>
+          </p:cNvPr>
+          <p:cNvGrpSpPr/>
+          <p:nvPr/>
+        </p:nvGrpSpPr>
+        <p:grpSpPr>
+          <a:xfrm rot="16200000">
+            <a:off x="426476" y="1350704"/>
+            <a:ext cx="2481885" cy="434822"/>
+            <a:chOff x="6774655" y="1121586"/>
+            <a:chExt cx="4331495" cy="434822"/>
+          </a:xfrm>
+        </p:grpSpPr>
+        <p:sp>
+          <p:nvSpPr>
+            <p:cNvPr id="13" name="Rectangle 12">
+              <a:extLst>
+                <a:ext uri="{FF2B5EF4-FFF2-40B4-BE49-F238E27FC236}">
+                  <a16:creationId xmlns:a16="http://schemas.microsoft.com/office/drawing/2014/main" id="{1714EB21-4C7C-D183-F7E1-3F1EC77DCBAA}"/>
+                </a:ext>
+              </a:extLst>
+            </p:cNvPr>
+            <p:cNvSpPr/>
+            <p:nvPr/>
+          </p:nvSpPr>
+          <p:spPr>
+            <a:xfrm>
+              <a:off x="10029825" y="1121587"/>
+              <a:ext cx="1076325" cy="431879"/>
+            </a:xfrm>
+            <a:prstGeom prst="rect">
+              <a:avLst/>
+            </a:prstGeom>
+            <a:noFill/>
+            <a:ln w="19050"/>
+          </p:spPr>
+          <p:style>
+            <a:lnRef idx="2">
+              <a:schemeClr val="accent1">
+                <a:shade val="15000"/>
+              </a:schemeClr>
+            </a:lnRef>
+            <a:fillRef idx="1">
+              <a:schemeClr val="accent1"/>
+            </a:fillRef>
+            <a:effectRef idx="0">
+              <a:schemeClr val="accent1"/>
+            </a:effectRef>
+            <a:fontRef idx="minor">
+              <a:schemeClr val="lt1"/>
+            </a:fontRef>
+          </p:style>
+          <p:txBody>
+            <a:bodyPr rtlCol="1" anchor="ctr"/>
+            <a:lstStyle/>
+            <a:p>
+              <a:pPr algn="ctr"/>
+              <a:endParaRPr lang="fa-IR"/>
+            </a:p>
+          </p:txBody>
+        </p:sp>
+        <p:sp>
+          <p:nvSpPr>
+            <p:cNvPr id="14" name="Rectangle 13">
+              <a:extLst>
+                <a:ext uri="{FF2B5EF4-FFF2-40B4-BE49-F238E27FC236}">
+                  <a16:creationId xmlns:a16="http://schemas.microsoft.com/office/drawing/2014/main" id="{A8D9BADA-8474-DB68-DC44-00683F452A31}"/>
+                </a:ext>
+              </a:extLst>
+            </p:cNvPr>
+            <p:cNvSpPr/>
+            <p:nvPr/>
+          </p:nvSpPr>
+          <p:spPr>
+            <a:xfrm>
+              <a:off x="8945562" y="1121586"/>
+              <a:ext cx="1084263" cy="431879"/>
+            </a:xfrm>
+            <a:prstGeom prst="rect">
+              <a:avLst/>
+            </a:prstGeom>
+            <a:noFill/>
+            <a:ln w="19050"/>
+          </p:spPr>
+          <p:style>
+            <a:lnRef idx="2">
+              <a:schemeClr val="accent1">
+                <a:shade val="15000"/>
+              </a:schemeClr>
+            </a:lnRef>
+            <a:fillRef idx="1">
+              <a:schemeClr val="accent1"/>
+            </a:fillRef>
+            <a:effectRef idx="0">
+              <a:schemeClr val="accent1"/>
+            </a:effectRef>
+            <a:fontRef idx="minor">
+              <a:schemeClr val="lt1"/>
+            </a:fontRef>
+          </p:style>
+          <p:txBody>
+            <a:bodyPr rtlCol="1" anchor="ctr"/>
+            <a:lstStyle/>
+            <a:p>
+              <a:pPr algn="ctr"/>
+              <a:endParaRPr lang="fa-IR"/>
+            </a:p>
+          </p:txBody>
+        </p:sp>
+        <p:sp>
+          <p:nvSpPr>
+            <p:cNvPr id="15" name="Rectangle 14">
+              <a:extLst>
+                <a:ext uri="{FF2B5EF4-FFF2-40B4-BE49-F238E27FC236}">
+                  <a16:creationId xmlns:a16="http://schemas.microsoft.com/office/drawing/2014/main" id="{381BDDE9-804E-988F-082D-43AC384AA721}"/>
+                </a:ext>
+              </a:extLst>
+            </p:cNvPr>
+            <p:cNvSpPr/>
+            <p:nvPr/>
+          </p:nvSpPr>
+          <p:spPr>
+            <a:xfrm>
+              <a:off x="7859712" y="1124529"/>
+              <a:ext cx="1084263" cy="431879"/>
+            </a:xfrm>
+            <a:prstGeom prst="rect">
+              <a:avLst/>
+            </a:prstGeom>
+            <a:noFill/>
+            <a:ln w="19050"/>
+          </p:spPr>
+          <p:style>
+            <a:lnRef idx="2">
+              <a:schemeClr val="accent1">
+                <a:shade val="15000"/>
+              </a:schemeClr>
+            </a:lnRef>
+            <a:fillRef idx="1">
+              <a:schemeClr val="accent1"/>
+            </a:fillRef>
+            <a:effectRef idx="0">
+              <a:schemeClr val="accent1"/>
+            </a:effectRef>
+            <a:fontRef idx="minor">
+              <a:schemeClr val="lt1"/>
+            </a:fontRef>
+          </p:style>
+          <p:txBody>
+            <a:bodyPr rtlCol="1" anchor="ctr"/>
+            <a:lstStyle/>
+            <a:p>
+              <a:pPr algn="ctr"/>
+              <a:endParaRPr lang="fa-IR"/>
+            </a:p>
+          </p:txBody>
+        </p:sp>
+        <p:sp>
+          <p:nvSpPr>
+            <p:cNvPr id="16" name="Rectangle 15">
+              <a:extLst>
+                <a:ext uri="{FF2B5EF4-FFF2-40B4-BE49-F238E27FC236}">
+                  <a16:creationId xmlns:a16="http://schemas.microsoft.com/office/drawing/2014/main" id="{6218C822-29E3-BA39-05B1-B5739A172BF6}"/>
+                </a:ext>
+              </a:extLst>
+            </p:cNvPr>
+            <p:cNvSpPr/>
+            <p:nvPr/>
+          </p:nvSpPr>
+          <p:spPr>
+            <a:xfrm>
+              <a:off x="6774655" y="1121586"/>
+              <a:ext cx="1084263" cy="431879"/>
+            </a:xfrm>
+            <a:prstGeom prst="rect">
+              <a:avLst/>
+            </a:prstGeom>
+            <a:noFill/>
+            <a:ln w="19050"/>
+          </p:spPr>
+          <p:style>
+            <a:lnRef idx="2">
+              <a:schemeClr val="accent1">
+                <a:shade val="15000"/>
+              </a:schemeClr>
+            </a:lnRef>
+            <a:fillRef idx="1">
+              <a:schemeClr val="accent1"/>
+            </a:fillRef>
+            <a:effectRef idx="0">
+              <a:schemeClr val="accent1"/>
+            </a:effectRef>
+            <a:fontRef idx="minor">
+              <a:schemeClr val="lt1"/>
+            </a:fontRef>
+          </p:style>
+          <p:txBody>
+            <a:bodyPr rtlCol="1" anchor="ctr"/>
+            <a:lstStyle/>
+            <a:p>
+              <a:pPr algn="ctr"/>
+              <a:endParaRPr lang="fa-IR"/>
+            </a:p>
+          </p:txBody>
+        </p:sp>
+      </p:grpSp>
+      <p:sp>
+        <p:nvSpPr>
+          <p:cNvPr id="20" name="Rectangle 19">
+            <a:extLst>
+              <a:ext uri="{FF2B5EF4-FFF2-40B4-BE49-F238E27FC236}">
+                <a16:creationId xmlns:a16="http://schemas.microsoft.com/office/drawing/2014/main" id="{AC2C4303-D0DB-FDB3-F1BF-D76E7CD7480B}"/>
+              </a:ext>
+            </a:extLst>
+          </p:cNvPr>
+          <p:cNvSpPr/>
+          <p:nvPr/>
+        </p:nvSpPr>
+        <p:spPr>
+          <a:xfrm>
+            <a:off x="2256682" y="1241833"/>
+            <a:ext cx="1640233" cy="569885"/>
+          </a:xfrm>
+          <a:prstGeom prst="rect">
+            <a:avLst/>
+          </a:prstGeom>
+          <a:noFill/>
+        </p:spPr>
+        <p:style>
+          <a:lnRef idx="2">
+            <a:schemeClr val="accent1">
+              <a:shade val="15000"/>
+            </a:schemeClr>
+          </a:lnRef>
+          <a:fillRef idx="1">
+            <a:schemeClr val="accent1"/>
+          </a:fillRef>
+          <a:effectRef idx="0">
+            <a:schemeClr val="accent1"/>
+          </a:effectRef>
+          <a:fontRef idx="minor">
+            <a:schemeClr val="lt1"/>
+          </a:fontRef>
+        </p:style>
+        <p:txBody>
+          <a:bodyPr rtlCol="1" anchor="ctr"/>
+          <a:lstStyle/>
+          <a:p>
+            <a:pPr algn="ctr"/>
+            <a:r>
+              <a:rPr lang="en-US" dirty="0">
+                <a:solidFill>
+                  <a:schemeClr val="tx1"/>
+                </a:solidFill>
+              </a:rPr>
+              <a:t>A video of action </a:t>
+            </a:r>
+            <a:r>
+              <a:rPr lang="en-US" dirty="0">
+                <a:solidFill>
+                  <a:srgbClr val="7030A0"/>
+                </a:solidFill>
+              </a:rPr>
+              <a:t>{object}</a:t>
+            </a:r>
+            <a:endParaRPr lang="fa-IR" dirty="0">
+              <a:solidFill>
+                <a:schemeClr val="tx1"/>
+              </a:solidFill>
+            </a:endParaRPr>
+          </a:p>
+        </p:txBody>
+      </p:sp>
+      <p:cxnSp>
+        <p:nvCxnSpPr>
+          <p:cNvPr id="21" name="Straight Arrow Connector 20">
+            <a:extLst>
+              <a:ext uri="{FF2B5EF4-FFF2-40B4-BE49-F238E27FC236}">
+                <a16:creationId xmlns:a16="http://schemas.microsoft.com/office/drawing/2014/main" id="{888D4570-F80C-26A8-1B3D-7EDB0CC5AA42}"/>
+              </a:ext>
+            </a:extLst>
+          </p:cNvPr>
+          <p:cNvCxnSpPr>
+            <a:cxnSpLocks/>
+            <a:stCxn id="20" idx="3"/>
+            <a:endCxn id="24" idx="2"/>
+          </p:cNvCxnSpPr>
+          <p:nvPr/>
+        </p:nvCxnSpPr>
+        <p:spPr>
+          <a:xfrm flipV="1">
+            <a:off x="3896915" y="1522943"/>
+            <a:ext cx="456127" cy="3833"/>
+          </a:xfrm>
+          <a:prstGeom prst="straightConnector1">
+            <a:avLst/>
+          </a:prstGeom>
+          <a:ln w="12700">
+            <a:solidFill>
+              <a:schemeClr val="tx1">
+                <a:lumMod val="95000"/>
+                <a:lumOff val="5000"/>
+              </a:schemeClr>
+            </a:solidFill>
+            <a:tailEnd type="triangle"/>
+          </a:ln>
+        </p:spPr>
+        <p:style>
+          <a:lnRef idx="1">
+            <a:schemeClr val="accent1"/>
+          </a:lnRef>
+          <a:fillRef idx="0">
+            <a:schemeClr val="accent1"/>
+          </a:fillRef>
+          <a:effectRef idx="0">
+            <a:schemeClr val="accent1"/>
+          </a:effectRef>
+          <a:fontRef idx="minor">
+            <a:schemeClr val="tx1"/>
+          </a:fontRef>
+        </p:style>
+      </p:cxnSp>
+      <p:grpSp>
+        <p:nvGrpSpPr>
+          <p:cNvPr id="65" name="Group 64">
+            <a:extLst>
+              <a:ext uri="{FF2B5EF4-FFF2-40B4-BE49-F238E27FC236}">
+                <a16:creationId xmlns:a16="http://schemas.microsoft.com/office/drawing/2014/main" id="{8E4C135D-FEEB-2AB5-86C9-94288E5CE19A}"/>
+              </a:ext>
+            </a:extLst>
+          </p:cNvPr>
+          <p:cNvGrpSpPr/>
+          <p:nvPr/>
+        </p:nvGrpSpPr>
+        <p:grpSpPr>
+          <a:xfrm>
+            <a:off x="2066606" y="3839083"/>
+            <a:ext cx="1184596" cy="2170907"/>
+            <a:chOff x="2563347" y="4369852"/>
+            <a:chExt cx="1184596" cy="2170907"/>
+          </a:xfrm>
+        </p:grpSpPr>
+        <p:grpSp>
+          <p:nvGrpSpPr>
+            <p:cNvPr id="45" name="Group 44">
+              <a:extLst>
+                <a:ext uri="{FF2B5EF4-FFF2-40B4-BE49-F238E27FC236}">
+                  <a16:creationId xmlns:a16="http://schemas.microsoft.com/office/drawing/2014/main" id="{F0DB1985-B780-C710-5651-59FCD06DA881}"/>
+                </a:ext>
+              </a:extLst>
+            </p:cNvPr>
+            <p:cNvGrpSpPr/>
+            <p:nvPr/>
+          </p:nvGrpSpPr>
+          <p:grpSpPr>
+            <a:xfrm rot="16200000">
+              <a:off x="2070191" y="4863008"/>
+              <a:ext cx="2170907" cy="1184596"/>
+              <a:chOff x="8029575" y="2786607"/>
+              <a:chExt cx="2216727" cy="1131438"/>
+            </a:xfrm>
+            <a:solidFill>
+              <a:srgbClr val="A0C59B"/>
+            </a:solidFill>
+          </p:grpSpPr>
+          <p:sp>
+            <p:nvSpPr>
+              <p:cNvPr id="46" name="Trapezoid 45">
+                <a:extLst>
+                  <a:ext uri="{FF2B5EF4-FFF2-40B4-BE49-F238E27FC236}">
+                    <a16:creationId xmlns:a16="http://schemas.microsoft.com/office/drawing/2014/main" id="{286FB0EB-171F-5BC8-A934-DB533CB5D3D5}"/>
+                  </a:ext>
+                </a:extLst>
+              </p:cNvPr>
+              <p:cNvSpPr/>
+              <p:nvPr/>
+            </p:nvSpPr>
+            <p:spPr>
+              <a:xfrm rot="10800000">
+                <a:off x="8029575" y="2786607"/>
+                <a:ext cx="2216727" cy="1131438"/>
+              </a:xfrm>
+              <a:prstGeom prst="trapezoid">
+                <a:avLst/>
+              </a:prstGeom>
+              <a:grpFill/>
+            </p:spPr>
+            <p:style>
+              <a:lnRef idx="2">
+                <a:schemeClr val="dk1">
+                  <a:shade val="15000"/>
+                </a:schemeClr>
+              </a:lnRef>
+              <a:fillRef idx="1">
+                <a:schemeClr val="dk1"/>
+              </a:fillRef>
+              <a:effectRef idx="0">
+                <a:schemeClr val="dk1"/>
+              </a:effectRef>
+              <a:fontRef idx="minor">
+                <a:schemeClr val="lt1"/>
+              </a:fontRef>
+            </p:style>
+            <p:txBody>
+              <a:bodyPr rtlCol="1" anchor="ctr"/>
+              <a:lstStyle/>
+              <a:p>
+                <a:pPr algn="ctr"/>
+                <a:endParaRPr lang="fa-IR" dirty="0"/>
+              </a:p>
+            </p:txBody>
+          </p:sp>
+          <p:sp>
+            <p:nvSpPr>
+              <p:cNvPr id="47" name="TextBox 46">
+                <a:extLst>
+                  <a:ext uri="{FF2B5EF4-FFF2-40B4-BE49-F238E27FC236}">
+                    <a16:creationId xmlns:a16="http://schemas.microsoft.com/office/drawing/2014/main" id="{48740E12-65A8-0CE4-96A5-DE4AF8D83102}"/>
+                  </a:ext>
+                </a:extLst>
+              </p:cNvPr>
+              <p:cNvSpPr txBox="1"/>
+              <p:nvPr/>
+            </p:nvSpPr>
+            <p:spPr>
+              <a:xfrm rot="5400000">
+                <a:off x="8854425" y="2991628"/>
+                <a:ext cx="919376" cy="659973"/>
+              </a:xfrm>
+              <a:prstGeom prst="rect">
+                <a:avLst/>
+              </a:prstGeom>
+              <a:noFill/>
+            </p:spPr>
+            <p:txBody>
+              <a:bodyPr wrap="none" rtlCol="1">
+                <a:spAutoFit/>
+              </a:bodyPr>
+              <a:lstStyle>
+                <a:defPPr>
+                  <a:defRPr lang="fa-IR"/>
+                </a:defPPr>
+                <a:lvl1pPr algn="ctr">
+                  <a:defRPr b="1">
+                    <a:solidFill>
+                      <a:schemeClr val="bg2">
+                        <a:lumMod val="25000"/>
+                      </a:schemeClr>
+                    </a:solidFill>
+                  </a:defRPr>
+                </a:lvl1pPr>
+              </a:lstStyle>
+              <a:p>
+                <a:r>
+                  <a:rPr lang="en-US" dirty="0"/>
+                  <a:t>Video</a:t>
+                </a:r>
+              </a:p>
+              <a:p>
+                <a:r>
+                  <a:rPr lang="en-US" dirty="0"/>
+                  <a:t>encoder</a:t>
+                </a:r>
+                <a:endParaRPr lang="fa-IR" dirty="0"/>
+              </a:p>
+            </p:txBody>
+          </p:sp>
+        </p:grpSp>
+        <p:pic>
+          <p:nvPicPr>
+            <p:cNvPr id="57" name="Picture 56">
+              <a:extLst>
+                <a:ext uri="{FF2B5EF4-FFF2-40B4-BE49-F238E27FC236}">
+                  <a16:creationId xmlns:a16="http://schemas.microsoft.com/office/drawing/2014/main" id="{F4C4FE18-99F4-6A29-DF4A-27BB251DD249}"/>
+                </a:ext>
+              </a:extLst>
+            </p:cNvPr>
+            <p:cNvPicPr>
+              <a:picLocks noChangeAspect="1"/>
+            </p:cNvPicPr>
+            <p:nvPr/>
+          </p:nvPicPr>
+          <p:blipFill>
+            <a:blip r:embed="rId5"/>
+            <a:stretch>
+              <a:fillRect/>
+            </a:stretch>
+          </p:blipFill>
+          <p:spPr>
+            <a:xfrm>
+              <a:off x="2569687" y="6181604"/>
+              <a:ext cx="273589" cy="273589"/>
+            </a:xfrm>
+            <a:prstGeom prst="rect">
+              <a:avLst/>
+            </a:prstGeom>
+          </p:spPr>
+        </p:pic>
+      </p:grpSp>
+      <p:grpSp>
+        <p:nvGrpSpPr>
+          <p:cNvPr id="58" name="Group 57">
+            <a:extLst>
+              <a:ext uri="{FF2B5EF4-FFF2-40B4-BE49-F238E27FC236}">
+                <a16:creationId xmlns:a16="http://schemas.microsoft.com/office/drawing/2014/main" id="{7BA57BBF-AD91-10E5-2931-81EE6438E686}"/>
+              </a:ext>
+            </a:extLst>
+          </p:cNvPr>
+          <p:cNvGrpSpPr/>
+          <p:nvPr/>
+        </p:nvGrpSpPr>
+        <p:grpSpPr>
+          <a:xfrm>
+            <a:off x="10834255" y="0"/>
+            <a:ext cx="1470541" cy="878574"/>
+            <a:chOff x="0" y="14316"/>
+            <a:chExt cx="1470541" cy="878574"/>
+          </a:xfrm>
+        </p:grpSpPr>
+        <p:sp>
+          <p:nvSpPr>
+            <p:cNvPr id="59" name="TextBox 58">
+              <a:extLst>
+                <a:ext uri="{FF2B5EF4-FFF2-40B4-BE49-F238E27FC236}">
+                  <a16:creationId xmlns:a16="http://schemas.microsoft.com/office/drawing/2014/main" id="{A5A10EBA-29C3-E17C-2410-360CF8E7CF8C}"/>
+                </a:ext>
+              </a:extLst>
+            </p:cNvPr>
+            <p:cNvSpPr txBox="1"/>
+            <p:nvPr/>
+          </p:nvSpPr>
+          <p:spPr>
+            <a:xfrm>
+              <a:off x="305585" y="14316"/>
+              <a:ext cx="1164956" cy="878574"/>
+            </a:xfrm>
+            <a:prstGeom prst="rect">
+              <a:avLst/>
+            </a:prstGeom>
+            <a:noFill/>
+          </p:spPr>
+          <p:txBody>
+            <a:bodyPr wrap="square" rtlCol="1">
+              <a:spAutoFit/>
+            </a:bodyPr>
+            <a:lstStyle/>
+            <a:p>
+              <a:pPr>
+                <a:lnSpc>
+                  <a:spcPct val="150000"/>
+                </a:lnSpc>
+              </a:pPr>
+              <a:r>
+                <a:rPr lang="en-US" dirty="0"/>
+                <a:t>Frozen</a:t>
+              </a:r>
+            </a:p>
+            <a:p>
+              <a:pPr>
+                <a:lnSpc>
+                  <a:spcPct val="150000"/>
+                </a:lnSpc>
+              </a:pPr>
+              <a:r>
+                <a:rPr lang="en-US" dirty="0"/>
+                <a:t>Training </a:t>
+              </a:r>
+              <a:endParaRPr lang="fa-IR" dirty="0"/>
+            </a:p>
+          </p:txBody>
+        </p:sp>
+        <p:grpSp>
+          <p:nvGrpSpPr>
+            <p:cNvPr id="60" name="Group 59">
+              <a:extLst>
+                <a:ext uri="{FF2B5EF4-FFF2-40B4-BE49-F238E27FC236}">
+                  <a16:creationId xmlns:a16="http://schemas.microsoft.com/office/drawing/2014/main" id="{9D9825A1-7BB6-2927-2ACC-5CA84C5D96EB}"/>
+                </a:ext>
+              </a:extLst>
+            </p:cNvPr>
+            <p:cNvGrpSpPr/>
+            <p:nvPr/>
+          </p:nvGrpSpPr>
+          <p:grpSpPr>
+            <a:xfrm>
+              <a:off x="0" y="98624"/>
+              <a:ext cx="359607" cy="720600"/>
+              <a:chOff x="0" y="98624"/>
+              <a:chExt cx="359607" cy="720600"/>
+            </a:xfrm>
+          </p:grpSpPr>
+          <p:pic>
+            <p:nvPicPr>
+              <p:cNvPr id="61" name="Picture 60">
+                <a:extLst>
+                  <a:ext uri="{FF2B5EF4-FFF2-40B4-BE49-F238E27FC236}">
+                    <a16:creationId xmlns:a16="http://schemas.microsoft.com/office/drawing/2014/main" id="{9722C550-355F-862A-F52F-6278F558F85D}"/>
+                  </a:ext>
+                </a:extLst>
+              </p:cNvPr>
+              <p:cNvPicPr>
+                <a:picLocks noChangeAspect="1"/>
+              </p:cNvPicPr>
+              <p:nvPr/>
+            </p:nvPicPr>
+            <p:blipFill>
+              <a:blip r:embed="rId5"/>
+              <a:stretch>
+                <a:fillRect/>
+              </a:stretch>
+            </p:blipFill>
+            <p:spPr>
+              <a:xfrm>
+                <a:off x="43008" y="545635"/>
+                <a:ext cx="273589" cy="273589"/>
+              </a:xfrm>
+              <a:prstGeom prst="rect">
+                <a:avLst/>
+              </a:prstGeom>
+            </p:spPr>
+          </p:pic>
+          <p:pic>
+            <p:nvPicPr>
+              <p:cNvPr id="62" name="Picture 61">
+                <a:extLst>
+                  <a:ext uri="{FF2B5EF4-FFF2-40B4-BE49-F238E27FC236}">
+                    <a16:creationId xmlns:a16="http://schemas.microsoft.com/office/drawing/2014/main" id="{6FB88A23-9AB6-0975-5E93-286867153607}"/>
+                  </a:ext>
+                </a:extLst>
+              </p:cNvPr>
+              <p:cNvPicPr>
+                <a:picLocks noChangeAspect="1"/>
+              </p:cNvPicPr>
+              <p:nvPr/>
+            </p:nvPicPr>
+            <p:blipFill>
+              <a:blip r:embed="rId6"/>
+              <a:stretch>
+                <a:fillRect/>
+              </a:stretch>
+            </p:blipFill>
+            <p:spPr>
+              <a:xfrm>
+                <a:off x="0" y="98624"/>
+                <a:ext cx="359607" cy="359607"/>
+              </a:xfrm>
+              <a:prstGeom prst="rect">
+                <a:avLst/>
+              </a:prstGeom>
+            </p:spPr>
+          </p:pic>
+        </p:grpSp>
+      </p:grpSp>
+      <p:pic>
+        <p:nvPicPr>
+          <p:cNvPr id="63" name="Picture 62">
+            <a:extLst>
+              <a:ext uri="{FF2B5EF4-FFF2-40B4-BE49-F238E27FC236}">
+                <a16:creationId xmlns:a16="http://schemas.microsoft.com/office/drawing/2014/main" id="{CCEB5053-F546-3148-1FC8-06D5DA5EA705}"/>
+              </a:ext>
+            </a:extLst>
+          </p:cNvPr>
+          <p:cNvPicPr>
+            <a:picLocks noChangeAspect="1"/>
+          </p:cNvPicPr>
+          <p:nvPr/>
+        </p:nvPicPr>
+        <p:blipFill>
+          <a:blip r:embed="rId6"/>
+          <a:stretch>
+            <a:fillRect/>
+          </a:stretch>
+        </p:blipFill>
+        <p:spPr>
+          <a:xfrm>
+            <a:off x="4352659" y="657699"/>
+            <a:ext cx="359607" cy="359607"/>
+          </a:xfrm>
+          <a:prstGeom prst="rect">
+            <a:avLst/>
+          </a:prstGeom>
+        </p:spPr>
+      </p:pic>
+      <mc:AlternateContent xmlns:mc="http://schemas.openxmlformats.org/markup-compatibility/2006">
+        <mc:Choice xmlns:a14="http://schemas.microsoft.com/office/drawing/2010/main" Requires="a14">
+          <p:sp>
+            <p:nvSpPr>
+              <p:cNvPr id="64" name="TextBox 63">
+                <a:extLst>
+                  <a:ext uri="{FF2B5EF4-FFF2-40B4-BE49-F238E27FC236}">
+                    <a16:creationId xmlns:a16="http://schemas.microsoft.com/office/drawing/2014/main" id="{04EBF6BE-DF52-4684-C10E-A9AA0A3E2722}"/>
+                  </a:ext>
+                </a:extLst>
+              </p:cNvPr>
+              <p:cNvSpPr txBox="1"/>
+              <p:nvPr/>
+            </p:nvSpPr>
+            <p:spPr>
+              <a:xfrm>
+                <a:off x="632322" y="6218466"/>
+                <a:ext cx="3810039" cy="616451"/>
+              </a:xfrm>
+              <a:prstGeom prst="rect">
+                <a:avLst/>
+              </a:prstGeom>
+              <a:noFill/>
+            </p:spPr>
+            <p:txBody>
+              <a:bodyPr wrap="square" rtlCol="1">
+                <a:spAutoFit/>
+              </a:bodyPr>
+              <a:lstStyle/>
+              <a:p>
+                <a:pPr/>
+                <a14:m>
+                  <m:oMathPara xmlns:m="http://schemas.openxmlformats.org/officeDocument/2006/math">
+                    <m:oMathParaPr>
+                      <m:jc m:val="centerGroup"/>
+                    </m:oMathParaPr>
+                    <m:oMath xmlns:m="http://schemas.openxmlformats.org/officeDocument/2006/math">
+                      <m:r>
+                        <a:rPr lang="en-US" i="1" dirty="0" smtClean="0">
+                          <a:latin typeface="Cambria Math" panose="02040503050406030204" pitchFamily="18" charset="0"/>
+                        </a:rPr>
+                        <m:t>𝑋</m:t>
+                      </m:r>
+                      <m:r>
+                        <a:rPr lang="en-US" i="1" dirty="0" smtClean="0">
+                          <a:latin typeface="Cambria Math" panose="02040503050406030204" pitchFamily="18" charset="0"/>
+                        </a:rPr>
+                        <m:t>∈</m:t>
+                      </m:r>
+                      <m:sSup>
+                        <m:sSupPr>
+                          <m:ctrlPr>
+                            <a:rPr lang="en-US" b="0" i="1" dirty="0" smtClean="0">
+                              <a:latin typeface="Cambria Math" panose="02040503050406030204" pitchFamily="18" charset="0"/>
+                            </a:rPr>
+                          </m:ctrlPr>
+                        </m:sSupPr>
+                        <m:e>
+                          <m:r>
+                            <a:rPr lang="en-US" i="1" dirty="0" smtClean="0">
+                              <a:latin typeface="Cambria Math" panose="02040503050406030204" pitchFamily="18" charset="0"/>
+                            </a:rPr>
+                            <m:t>𝑅</m:t>
+                          </m:r>
+                        </m:e>
+                        <m:sup>
+                          <m:r>
+                            <a:rPr lang="en-US" b="0" i="1" dirty="0" smtClean="0">
+                              <a:latin typeface="Cambria Math" panose="02040503050406030204" pitchFamily="18" charset="0"/>
+                            </a:rPr>
+                            <m:t>𝐵</m:t>
+                          </m:r>
+                          <m:r>
+                            <a:rPr lang="en-US" i="1" dirty="0">
+                              <a:latin typeface="Cambria Math" panose="02040503050406030204" pitchFamily="18" charset="0"/>
+                            </a:rPr>
+                            <m:t>×</m:t>
+                          </m:r>
+                          <m:r>
+                            <a:rPr lang="en-US" i="1" dirty="0" smtClean="0">
+                              <a:latin typeface="Cambria Math" panose="02040503050406030204" pitchFamily="18" charset="0"/>
+                            </a:rPr>
+                            <m:t>𝑇</m:t>
+                          </m:r>
+                          <m:r>
+                            <a:rPr lang="en-US" i="1" dirty="0" smtClean="0">
+                              <a:latin typeface="Cambria Math" panose="02040503050406030204" pitchFamily="18" charset="0"/>
+                            </a:rPr>
+                            <m:t>×</m:t>
+                          </m:r>
+                          <m:r>
+                            <a:rPr lang="en-US" i="1" dirty="0" smtClean="0">
+                              <a:latin typeface="Cambria Math" panose="02040503050406030204" pitchFamily="18" charset="0"/>
+                            </a:rPr>
+                            <m:t>𝐻</m:t>
+                          </m:r>
+                          <m:r>
+                            <a:rPr lang="en-US" i="1" dirty="0" smtClean="0">
+                              <a:latin typeface="Cambria Math" panose="02040503050406030204" pitchFamily="18" charset="0"/>
+                            </a:rPr>
+                            <m:t>×</m:t>
+                          </m:r>
+                          <m:r>
+                            <a:rPr lang="en-US" i="1" dirty="0" smtClean="0">
+                              <a:latin typeface="Cambria Math" panose="02040503050406030204" pitchFamily="18" charset="0"/>
+                            </a:rPr>
+                            <m:t>𝑊</m:t>
+                          </m:r>
+                          <m:r>
+                            <a:rPr lang="en-US" i="1" dirty="0" smtClean="0">
+                              <a:latin typeface="Cambria Math" panose="02040503050406030204" pitchFamily="18" charset="0"/>
+                            </a:rPr>
+                            <m:t>×</m:t>
+                          </m:r>
+                          <m:r>
+                            <a:rPr lang="en-US" i="1" dirty="0" smtClean="0">
+                              <a:latin typeface="Cambria Math" panose="02040503050406030204" pitchFamily="18" charset="0"/>
+                            </a:rPr>
+                            <m:t>𝐶</m:t>
+                          </m:r>
+                          <m:r>
+                            <a:rPr lang="en-US" b="0" i="1" dirty="0" smtClean="0">
+                              <a:latin typeface="Cambria Math" panose="02040503050406030204" pitchFamily="18" charset="0"/>
+                            </a:rPr>
+                            <m:t> </m:t>
+                          </m:r>
+                        </m:sup>
+                      </m:sSup>
+                      <m:r>
+                        <a:rPr lang="en-US" b="0" i="1" dirty="0" smtClean="0">
+                          <a:latin typeface="Cambria Math" panose="02040503050406030204" pitchFamily="18" charset="0"/>
+                        </a:rPr>
+                        <m:t>,</m:t>
+                      </m:r>
+                    </m:oMath>
+                  </m:oMathPara>
+                </a14:m>
+                <a:endParaRPr lang="en-US" b="0" i="1" dirty="0">
+                  <a:latin typeface="Cambria Math" panose="02040503050406030204" pitchFamily="18" charset="0"/>
+                </a:endParaRPr>
+              </a:p>
+              <a:p>
+                <a:pPr/>
+                <a14:m>
+                  <m:oMathPara xmlns:m="http://schemas.openxmlformats.org/officeDocument/2006/math">
+                    <m:oMathParaPr>
+                      <m:jc m:val="centerGroup"/>
+                    </m:oMathParaPr>
+                    <m:oMath xmlns:m="http://schemas.openxmlformats.org/officeDocument/2006/math">
+                      <m:r>
+                        <a:rPr lang="en-US" sz="1600" b="0" i="1" dirty="0" smtClean="0">
+                          <a:latin typeface="Cambria Math" panose="02040503050406030204" pitchFamily="18" charset="0"/>
+                        </a:rPr>
+                        <m:t> </m:t>
+                      </m:r>
+                      <m:r>
+                        <a:rPr lang="en-US" sz="1600" b="0" i="1" dirty="0" smtClean="0">
+                          <a:latin typeface="Cambria Math" panose="02040503050406030204" pitchFamily="18" charset="0"/>
+                        </a:rPr>
+                        <m:t>𝑇</m:t>
+                      </m:r>
+                      <m:r>
+                        <a:rPr lang="en-US" sz="1600" b="0" i="1" dirty="0" smtClean="0">
+                          <a:latin typeface="Cambria Math" panose="02040503050406030204" pitchFamily="18" charset="0"/>
+                        </a:rPr>
+                        <m:t>=</m:t>
+                      </m:r>
+                      <m:r>
+                        <a:rPr lang="en-US" sz="1600" b="0" i="1" dirty="0" smtClean="0">
+                          <a:latin typeface="Cambria Math" panose="02040503050406030204" pitchFamily="18" charset="0"/>
+                        </a:rPr>
+                        <m:t>𝑓𝑟𝑎𝑚𝑒𝑠</m:t>
+                      </m:r>
+                      <m:r>
+                        <a:rPr lang="en-US" sz="1600" b="0" i="1" dirty="0" smtClean="0">
+                          <a:latin typeface="Cambria Math" panose="02040503050406030204" pitchFamily="18" charset="0"/>
+                        </a:rPr>
+                        <m:t>, </m:t>
+                      </m:r>
+                      <m:r>
+                        <a:rPr lang="en-US" sz="1600" b="0" i="1" dirty="0" smtClean="0">
+                          <a:latin typeface="Cambria Math" panose="02040503050406030204" pitchFamily="18" charset="0"/>
+                        </a:rPr>
+                        <m:t>𝐵</m:t>
+                      </m:r>
+                      <m:r>
+                        <a:rPr lang="en-US" sz="1600" b="0" i="1" dirty="0" smtClean="0">
+                          <a:latin typeface="Cambria Math" panose="02040503050406030204" pitchFamily="18" charset="0"/>
+                        </a:rPr>
+                        <m:t>=</m:t>
+                      </m:r>
+                      <m:r>
+                        <a:rPr lang="en-US" sz="1600" b="0" i="1" dirty="0" smtClean="0">
+                          <a:latin typeface="Cambria Math" panose="02040503050406030204" pitchFamily="18" charset="0"/>
+                        </a:rPr>
+                        <m:t>𝑏𝑎𝑡𝑐</m:t>
+                      </m:r>
+                      <m:r>
+                        <a:rPr lang="en-US" sz="1600" b="0" i="1" dirty="0" smtClean="0">
+                          <a:latin typeface="Cambria Math" panose="02040503050406030204" pitchFamily="18" charset="0"/>
+                        </a:rPr>
+                        <m:t>h</m:t>
+                      </m:r>
+                      <m:r>
+                        <a:rPr lang="en-US" sz="1600" b="0" i="1" dirty="0" smtClean="0">
+                          <a:latin typeface="Cambria Math" panose="02040503050406030204" pitchFamily="18" charset="0"/>
+                        </a:rPr>
+                        <m:t> </m:t>
+                      </m:r>
+                      <m:r>
+                        <a:rPr lang="en-US" sz="1600" b="0" i="1" dirty="0" smtClean="0">
+                          <a:latin typeface="Cambria Math" panose="02040503050406030204" pitchFamily="18" charset="0"/>
+                        </a:rPr>
+                        <m:t>𝑠𝑖𝑧𝑒</m:t>
+                      </m:r>
+                    </m:oMath>
+                  </m:oMathPara>
+                </a14:m>
+                <a:endParaRPr lang="en-US" dirty="0">
+                  <a:cs typeface="+mj-cs"/>
+                </a:endParaRPr>
+              </a:p>
+            </p:txBody>
+          </p:sp>
+        </mc:Choice>
+        <mc:Fallback>
+          <p:sp>
+            <p:nvSpPr>
+              <p:cNvPr id="64" name="TextBox 63">
+                <a:extLst>
+                  <a:ext uri="{FF2B5EF4-FFF2-40B4-BE49-F238E27FC236}">
+                    <a16:creationId xmlns:a16="http://schemas.microsoft.com/office/drawing/2014/main" id="{04EBF6BE-DF52-4684-C10E-A9AA0A3E2722}"/>
+                  </a:ext>
+                </a:extLst>
+              </p:cNvPr>
+              <p:cNvSpPr txBox="1">
+                <a:spLocks noRot="1" noChangeAspect="1" noMove="1" noResize="1" noEditPoints="1" noAdjustHandles="1" noChangeArrowheads="1" noChangeShapeType="1" noTextEdit="1"/>
+              </p:cNvSpPr>
+              <p:nvPr/>
+            </p:nvSpPr>
+            <p:spPr>
+              <a:xfrm>
+                <a:off x="632322" y="6218466"/>
+                <a:ext cx="3810039" cy="616451"/>
+              </a:xfrm>
+              <a:prstGeom prst="rect">
+                <a:avLst/>
+              </a:prstGeom>
+              <a:blipFill>
+                <a:blip r:embed="rId7"/>
+                <a:stretch>
+                  <a:fillRect b="-4950"/>
+                </a:stretch>
+              </a:blipFill>
+            </p:spPr>
+            <p:txBody>
+              <a:bodyPr/>
+              <a:lstStyle/>
+              <a:p>
+                <a:r>
+                  <a:rPr lang="fa-IR">
+                    <a:noFill/>
+                  </a:rPr>
+                  <a:t> </a:t>
+                </a:r>
+              </a:p>
+            </p:txBody>
+          </p:sp>
+        </mc:Fallback>
+      </mc:AlternateContent>
+      <mc:AlternateContent xmlns:mc="http://schemas.openxmlformats.org/markup-compatibility/2006">
+        <mc:Choice xmlns:a14="http://schemas.microsoft.com/office/drawing/2010/main" Requires="a14">
+          <p:graphicFrame>
+            <p:nvGraphicFramePr>
+              <p:cNvPr id="66" name="Table 65">
+                <a:extLst>
+                  <a:ext uri="{FF2B5EF4-FFF2-40B4-BE49-F238E27FC236}">
+                    <a16:creationId xmlns:a16="http://schemas.microsoft.com/office/drawing/2014/main" id="{ED083E5D-364F-4D51-EC76-23FD4D0D1D6A}"/>
+                  </a:ext>
+                </a:extLst>
+              </p:cNvPr>
+              <p:cNvGraphicFramePr>
+                <a:graphicFrameLocks noGrp="1"/>
+              </p:cNvGraphicFramePr>
+              <p:nvPr/>
+            </p:nvGraphicFramePr>
+            <p:xfrm>
+              <a:off x="6473921" y="3876893"/>
+              <a:ext cx="5445125" cy="699559"/>
+            </p:xfrm>
+            <a:graphic>
+              <a:graphicData uri="http://schemas.openxmlformats.org/drawingml/2006/table">
+                <a:tbl>
+                  <a:tblPr rtl="1" firstRow="1" bandRow="1">
+                    <a:tableStyleId>{5940675A-B579-460E-94D1-54222C63F5DA}</a:tableStyleId>
+                  </a:tblPr>
+                  <a:tblGrid>
+                    <a:gridCol w="990600">
+                      <a:extLst>
+                        <a:ext uri="{9D8B030D-6E8A-4147-A177-3AD203B41FA5}">
+                          <a16:colId xmlns:a16="http://schemas.microsoft.com/office/drawing/2014/main" val="2238849501"/>
+                        </a:ext>
+                      </a:extLst>
+                    </a:gridCol>
+                    <a:gridCol w="1187450">
+                      <a:extLst>
+                        <a:ext uri="{9D8B030D-6E8A-4147-A177-3AD203B41FA5}">
+                          <a16:colId xmlns:a16="http://schemas.microsoft.com/office/drawing/2014/main" val="3535756688"/>
+                        </a:ext>
+                      </a:extLst>
+                    </a:gridCol>
+                    <a:gridCol w="1089025">
+                      <a:extLst>
+                        <a:ext uri="{9D8B030D-6E8A-4147-A177-3AD203B41FA5}">
+                          <a16:colId xmlns:a16="http://schemas.microsoft.com/office/drawing/2014/main" val="1173842512"/>
+                        </a:ext>
+                      </a:extLst>
+                    </a:gridCol>
+                    <a:gridCol w="1089025">
+                      <a:extLst>
+                        <a:ext uri="{9D8B030D-6E8A-4147-A177-3AD203B41FA5}">
+                          <a16:colId xmlns:a16="http://schemas.microsoft.com/office/drawing/2014/main" val="3532938545"/>
+                        </a:ext>
+                      </a:extLst>
+                    </a:gridCol>
+                    <a:gridCol w="1089025">
+                      <a:extLst>
+                        <a:ext uri="{9D8B030D-6E8A-4147-A177-3AD203B41FA5}">
+                          <a16:colId xmlns:a16="http://schemas.microsoft.com/office/drawing/2014/main" val="2134653468"/>
+                        </a:ext>
+                      </a:extLst>
+                    </a:gridCol>
+                  </a:tblGrid>
+                  <a:tr h="699559">
+                    <a:tc>
+                      <a:txBody>
+                        <a:bodyPr/>
+                        <a:lstStyle/>
+                        <a:p>
+                          <a:pPr algn="l" rtl="1"/>
+                          <a14:m>
+                            <m:oMathPara xmlns:m="http://schemas.openxmlformats.org/officeDocument/2006/math">
+                              <m:oMathParaPr>
+                                <m:jc m:val="centerGroup"/>
+                              </m:oMathParaPr>
+                              <m:oMath xmlns:m="http://schemas.openxmlformats.org/officeDocument/2006/math">
+                                <m:sSub>
+                                  <m:sSubPr>
+                                    <m:ctrlPr>
+                                      <a:rPr lang="en-US" b="0" i="1" smtClean="0">
+                                        <a:latin typeface="Cambria Math" panose="02040503050406030204" pitchFamily="18" charset="0"/>
+                                      </a:rPr>
+                                    </m:ctrlPr>
+                                  </m:sSubPr>
+                                  <m:e>
+                                    <m:sSub>
+                                      <m:sSubPr>
+                                        <m:ctrlPr>
+                                          <a:rPr lang="en-US" b="0" i="1" smtClean="0">
+                                            <a:latin typeface="Cambria Math" panose="02040503050406030204" pitchFamily="18" charset="0"/>
+                                          </a:rPr>
+                                        </m:ctrlPr>
+                                      </m:sSubPr>
+                                      <m:e>
+                                        <m:r>
+                                          <a:rPr lang="en-US" b="0" i="1" smtClean="0">
+                                            <a:latin typeface="Cambria Math" panose="02040503050406030204" pitchFamily="18" charset="0"/>
+                                          </a:rPr>
+                                          <m:t>𝑉</m:t>
+                                        </m:r>
+                                      </m:e>
+                                      <m:sub>
+                                        <m:r>
+                                          <a:rPr lang="en-US" b="0" i="1" smtClean="0">
+                                            <a:latin typeface="Cambria Math" panose="02040503050406030204" pitchFamily="18" charset="0"/>
+                                          </a:rPr>
+                                          <m:t>1</m:t>
+                                        </m:r>
+                                      </m:sub>
+                                    </m:sSub>
+                                    <m:r>
+                                      <a:rPr lang="en-US" b="0" i="1" smtClean="0">
+                                        <a:latin typeface="Cambria Math" panose="02040503050406030204" pitchFamily="18" charset="0"/>
+                                      </a:rPr>
+                                      <m:t>.</m:t>
+                                    </m:r>
+                                    <m:r>
+                                      <a:rPr lang="en-US" b="0" i="1" smtClean="0">
+                                        <a:latin typeface="Cambria Math" panose="02040503050406030204" pitchFamily="18" charset="0"/>
+                                      </a:rPr>
+                                      <m:t>𝑇</m:t>
+                                    </m:r>
+                                  </m:e>
+                                  <m:sub>
+                                    <m:r>
+                                      <a:rPr lang="en-US" b="0" i="1" smtClean="0">
+                                        <a:latin typeface="Cambria Math" panose="02040503050406030204" pitchFamily="18" charset="0"/>
+                                      </a:rPr>
+                                      <m:t>𝑁</m:t>
+                                    </m:r>
+                                  </m:sub>
+                                </m:sSub>
+                              </m:oMath>
+                            </m:oMathPara>
+                          </a14:m>
+                          <a:endParaRPr lang="fa-IR" dirty="0"/>
+                        </a:p>
+                      </a:txBody>
+                      <a:tcPr anchor="ctr"/>
+                    </a:tc>
+                    <a:tc>
+                      <a:txBody>
+                        <a:bodyPr/>
+                        <a:lstStyle/>
+                        <a:p>
+                          <a:pPr marL="0" marR="0" lvl="0" indent="0" algn="l" defTabSz="914400" rtl="1" eaLnBrk="1" fontAlgn="auto" latinLnBrk="0" hangingPunct="1">
+                            <a:lnSpc>
+                              <a:spcPct val="100000"/>
+                            </a:lnSpc>
+                            <a:spcBef>
+                              <a:spcPts val="0"/>
+                            </a:spcBef>
+                            <a:spcAft>
+                              <a:spcPts val="0"/>
+                            </a:spcAft>
+                            <a:buClrTx/>
+                            <a:buSzTx/>
+                            <a:buFontTx/>
+                            <a:buNone/>
+                            <a:tabLst/>
+                            <a:defRPr/>
+                          </a:pPr>
+                          <a14:m>
+                            <m:oMathPara xmlns:m="http://schemas.openxmlformats.org/officeDocument/2006/math">
+                              <m:oMathParaPr>
+                                <m:jc m:val="centerGroup"/>
+                              </m:oMathParaPr>
+                              <m:oMath xmlns:m="http://schemas.openxmlformats.org/officeDocument/2006/math">
+                                <m:sSub>
+                                  <m:sSubPr>
+                                    <m:ctrlPr>
+                                      <a:rPr lang="en-US" b="0" i="1" smtClean="0">
+                                        <a:latin typeface="Cambria Math" panose="02040503050406030204" pitchFamily="18" charset="0"/>
+                                      </a:rPr>
+                                    </m:ctrlPr>
+                                  </m:sSubPr>
+                                  <m:e>
+                                    <m:sSub>
+                                      <m:sSubPr>
+                                        <m:ctrlPr>
+                                          <a:rPr lang="en-US" b="0" i="1" smtClean="0">
+                                            <a:latin typeface="Cambria Math" panose="02040503050406030204" pitchFamily="18" charset="0"/>
+                                          </a:rPr>
+                                        </m:ctrlPr>
+                                      </m:sSubPr>
+                                      <m:e>
+                                        <m:r>
+                                          <a:rPr lang="en-US" b="0" i="1" smtClean="0">
+                                            <a:latin typeface="Cambria Math" panose="02040503050406030204" pitchFamily="18" charset="0"/>
+                                          </a:rPr>
+                                          <m:t>𝑉</m:t>
+                                        </m:r>
+                                      </m:e>
+                                      <m:sub>
+                                        <m:r>
+                                          <a:rPr lang="fa-IR" b="0" i="1" smtClean="0">
+                                            <a:latin typeface="Cambria Math" panose="02040503050406030204" pitchFamily="18" charset="0"/>
+                                          </a:rPr>
+                                          <m:t>2</m:t>
+                                        </m:r>
+                                      </m:sub>
+                                    </m:sSub>
+                                    <m:r>
+                                      <a:rPr lang="en-US" b="0" i="1" smtClean="0">
+                                        <a:latin typeface="Cambria Math" panose="02040503050406030204" pitchFamily="18" charset="0"/>
+                                      </a:rPr>
+                                      <m:t>.</m:t>
+                                    </m:r>
+                                    <m:r>
+                                      <a:rPr lang="en-US" b="0" i="1" smtClean="0">
+                                        <a:latin typeface="Cambria Math" panose="02040503050406030204" pitchFamily="18" charset="0"/>
+                                      </a:rPr>
+                                      <m:t>𝑇</m:t>
+                                    </m:r>
+                                  </m:e>
+                                  <m:sub>
+                                    <m:r>
+                                      <a:rPr lang="en-US" b="0" i="1" smtClean="0">
+                                        <a:latin typeface="Cambria Math" panose="02040503050406030204" pitchFamily="18" charset="0"/>
+                                      </a:rPr>
+                                      <m:t>𝑁</m:t>
+                                    </m:r>
+                                    <m:r>
+                                      <a:rPr lang="en-US" b="0" i="1" smtClean="0">
+                                        <a:latin typeface="Cambria Math" panose="02040503050406030204" pitchFamily="18" charset="0"/>
+                                      </a:rPr>
+                                      <m:t>−</m:t>
+                                    </m:r>
+                                    <m:r>
+                                      <a:rPr lang="en-US" b="0" i="1" smtClean="0">
+                                        <a:latin typeface="Cambria Math" panose="02040503050406030204" pitchFamily="18" charset="0"/>
+                                      </a:rPr>
+                                      <m:t>1</m:t>
+                                    </m:r>
+                                  </m:sub>
+                                </m:sSub>
+                              </m:oMath>
+                            </m:oMathPara>
+                          </a14:m>
+                          <a:endParaRPr lang="fa-IR" dirty="0"/>
+                        </a:p>
+                      </a:txBody>
+                      <a:tcPr anchor="ctr"/>
+                    </a:tc>
+                    <a:tc>
+                      <a:txBody>
+                        <a:bodyPr/>
+                        <a:lstStyle/>
+                        <a:p>
+                          <a:pPr algn="l" rtl="1"/>
+                          <a14:m>
+                            <m:oMathPara xmlns:m="http://schemas.openxmlformats.org/officeDocument/2006/math">
+                              <m:oMathParaPr>
+                                <m:jc m:val="centerGroup"/>
+                              </m:oMathParaPr>
+                              <m:oMath xmlns:m="http://schemas.openxmlformats.org/officeDocument/2006/math">
+                                <m:r>
+                                  <a:rPr lang="en-US" b="0" i="1" smtClean="0">
+                                    <a:latin typeface="Cambria Math" panose="02040503050406030204" pitchFamily="18" charset="0"/>
+                                  </a:rPr>
+                                  <m:t>…</m:t>
+                                </m:r>
+                              </m:oMath>
+                            </m:oMathPara>
+                          </a14:m>
+                          <a:endParaRPr lang="fa-IR" dirty="0"/>
+                        </a:p>
+                      </a:txBody>
+                      <a:tcPr anchor="ctr"/>
+                    </a:tc>
+                    <a:tc>
+                      <a:txBody>
+                        <a:bodyPr/>
+                        <a:lstStyle/>
+                        <a:p>
+                          <a:pPr algn="l" rtl="1"/>
+                          <a14:m>
+                            <m:oMathPara xmlns:m="http://schemas.openxmlformats.org/officeDocument/2006/math">
+                              <m:oMathParaPr>
+                                <m:jc m:val="centerGroup"/>
+                              </m:oMathParaPr>
+                              <m:oMath xmlns:m="http://schemas.openxmlformats.org/officeDocument/2006/math">
+                                <m:sSub>
+                                  <m:sSubPr>
+                                    <m:ctrlPr>
+                                      <a:rPr lang="en-US" b="0" i="1" smtClean="0">
+                                        <a:latin typeface="Cambria Math" panose="02040503050406030204" pitchFamily="18" charset="0"/>
+                                      </a:rPr>
+                                    </m:ctrlPr>
+                                  </m:sSubPr>
+                                  <m:e>
+                                    <m:sSub>
+                                      <m:sSubPr>
+                                        <m:ctrlPr>
+                                          <a:rPr lang="en-US" b="0" i="1" smtClean="0">
+                                            <a:latin typeface="Cambria Math" panose="02040503050406030204" pitchFamily="18" charset="0"/>
+                                          </a:rPr>
+                                        </m:ctrlPr>
+                                      </m:sSubPr>
+                                      <m:e>
+                                        <m:r>
+                                          <a:rPr lang="en-US" b="0" i="1" smtClean="0">
+                                            <a:latin typeface="Cambria Math" panose="02040503050406030204" pitchFamily="18" charset="0"/>
+                                          </a:rPr>
+                                          <m:t>𝑉</m:t>
+                                        </m:r>
+                                      </m:e>
+                                      <m:sub>
+                                        <m:r>
+                                          <a:rPr lang="fa-IR" b="0" i="1" smtClean="0">
+                                            <a:latin typeface="Cambria Math" panose="02040503050406030204" pitchFamily="18" charset="0"/>
+                                          </a:rPr>
+                                          <m:t>2</m:t>
+                                        </m:r>
+                                      </m:sub>
+                                    </m:sSub>
+                                    <m:r>
+                                      <a:rPr lang="en-US" b="0" i="1" smtClean="0">
+                                        <a:latin typeface="Cambria Math" panose="02040503050406030204" pitchFamily="18" charset="0"/>
+                                      </a:rPr>
+                                      <m:t>.</m:t>
+                                    </m:r>
+                                    <m:r>
+                                      <a:rPr lang="en-US" b="0" i="1" smtClean="0">
+                                        <a:latin typeface="Cambria Math" panose="02040503050406030204" pitchFamily="18" charset="0"/>
+                                      </a:rPr>
+                                      <m:t>𝑇</m:t>
+                                    </m:r>
+                                  </m:e>
+                                  <m:sub>
+                                    <m:r>
+                                      <a:rPr lang="en-US" b="0" i="1" smtClean="0">
+                                        <a:latin typeface="Cambria Math" panose="02040503050406030204" pitchFamily="18" charset="0"/>
+                                      </a:rPr>
+                                      <m:t>2</m:t>
+                                    </m:r>
+                                  </m:sub>
+                                </m:sSub>
+                              </m:oMath>
+                            </m:oMathPara>
+                          </a14:m>
+                          <a:endParaRPr lang="fa-IR" dirty="0"/>
+                        </a:p>
+                      </a:txBody>
+                      <a:tcPr anchor="ctr">
+                        <a:solidFill>
+                          <a:srgbClr val="DCE8FA"/>
+                        </a:solidFill>
+                      </a:tcPr>
+                    </a:tc>
+                    <a:tc>
+                      <a:txBody>
+                        <a:bodyPr/>
+                        <a:lstStyle/>
+                        <a:p>
+                          <a:pPr algn="l" rtl="1"/>
+                          <a14:m>
+                            <m:oMathPara xmlns:m="http://schemas.openxmlformats.org/officeDocument/2006/math">
+                              <m:oMathParaPr>
+                                <m:jc m:val="centerGroup"/>
+                              </m:oMathParaPr>
+                              <m:oMath xmlns:m="http://schemas.openxmlformats.org/officeDocument/2006/math">
+                                <m:sSub>
+                                  <m:sSubPr>
+                                    <m:ctrlPr>
+                                      <a:rPr lang="en-US" sz="1800" b="0" i="1" kern="1200" smtClean="0">
+                                        <a:solidFill>
+                                          <a:schemeClr val="tx1"/>
+                                        </a:solidFill>
+                                        <a:latin typeface="Cambria Math" panose="02040503050406030204" pitchFamily="18" charset="0"/>
+                                        <a:ea typeface="+mn-ea"/>
+                                        <a:cs typeface="+mn-cs"/>
+                                      </a:rPr>
+                                    </m:ctrlPr>
+                                  </m:sSubPr>
+                                  <m:e>
+                                    <m:r>
+                                      <a:rPr lang="en-US" sz="1800" b="0" i="1" kern="1200" smtClean="0">
+                                        <a:solidFill>
+                                          <a:schemeClr val="tx1"/>
+                                        </a:solidFill>
+                                        <a:latin typeface="Cambria Math" panose="02040503050406030204" pitchFamily="18" charset="0"/>
+                                        <a:ea typeface="+mn-ea"/>
+                                        <a:cs typeface="+mn-cs"/>
+                                      </a:rPr>
+                                      <m:t>𝑉</m:t>
+                                    </m:r>
+                                  </m:e>
+                                  <m:sub>
+                                    <m:r>
+                                      <a:rPr lang="en-US" sz="1800" b="0" i="1" kern="1200" smtClean="0">
+                                        <a:solidFill>
+                                          <a:schemeClr val="tx1"/>
+                                        </a:solidFill>
+                                        <a:latin typeface="Cambria Math" panose="02040503050406030204" pitchFamily="18" charset="0"/>
+                                        <a:ea typeface="+mn-ea"/>
+                                        <a:cs typeface="+mn-cs"/>
+                                      </a:rPr>
+                                      <m:t>2</m:t>
+                                    </m:r>
+                                  </m:sub>
+                                </m:sSub>
+                                <m:r>
+                                  <a:rPr lang="en-US" sz="1800" b="0" i="1" kern="1200" smtClean="0">
+                                    <a:solidFill>
+                                      <a:schemeClr val="tx1"/>
+                                    </a:solidFill>
+                                    <a:latin typeface="Cambria Math" panose="02040503050406030204" pitchFamily="18" charset="0"/>
+                                    <a:ea typeface="+mn-ea"/>
+                                    <a:cs typeface="+mn-cs"/>
+                                  </a:rPr>
+                                  <m:t>.</m:t>
+                                </m:r>
+                                <m:sSub>
+                                  <m:sSubPr>
+                                    <m:ctrlPr>
+                                      <a:rPr lang="en-US" sz="1800" b="0" i="1" kern="1200" smtClean="0">
+                                        <a:solidFill>
+                                          <a:schemeClr val="tx1"/>
+                                        </a:solidFill>
+                                        <a:latin typeface="Cambria Math" panose="02040503050406030204" pitchFamily="18" charset="0"/>
+                                        <a:ea typeface="+mn-ea"/>
+                                        <a:cs typeface="+mn-cs"/>
+                                      </a:rPr>
+                                    </m:ctrlPr>
+                                  </m:sSubPr>
+                                  <m:e>
+                                    <m:r>
+                                      <a:rPr lang="en-US" sz="1800" b="0" i="1" kern="1200" smtClean="0">
+                                        <a:solidFill>
+                                          <a:schemeClr val="tx1"/>
+                                        </a:solidFill>
+                                        <a:latin typeface="Cambria Math" panose="02040503050406030204" pitchFamily="18" charset="0"/>
+                                        <a:ea typeface="+mn-ea"/>
+                                        <a:cs typeface="+mn-cs"/>
+                                      </a:rPr>
+                                      <m:t>𝑇</m:t>
+                                    </m:r>
+                                  </m:e>
+                                  <m:sub>
+                                    <m:r>
+                                      <a:rPr lang="en-US" sz="1800" b="0" i="1" kern="1200" smtClean="0">
+                                        <a:solidFill>
+                                          <a:schemeClr val="tx1"/>
+                                        </a:solidFill>
+                                        <a:latin typeface="Cambria Math" panose="02040503050406030204" pitchFamily="18" charset="0"/>
+                                        <a:ea typeface="+mn-ea"/>
+                                        <a:cs typeface="+mn-cs"/>
+                                      </a:rPr>
+                                      <m:t>1</m:t>
+                                    </m:r>
+                                  </m:sub>
+                                </m:sSub>
+                              </m:oMath>
+                            </m:oMathPara>
+                          </a14:m>
+                          <a:endParaRPr lang="fa-IR" sz="1800" b="0" i="1" kern="1200" dirty="0">
+                            <a:solidFill>
+                              <a:schemeClr val="tx1"/>
+                            </a:solidFill>
+                            <a:latin typeface="Cambria Math" panose="02040503050406030204" pitchFamily="18" charset="0"/>
+                            <a:ea typeface="+mn-ea"/>
+                            <a:cs typeface="+mn-cs"/>
+                          </a:endParaRPr>
+                        </a:p>
+                      </a:txBody>
+                      <a:tcPr anchor="ctr">
+                        <a:solidFill>
+                          <a:schemeClr val="bg1"/>
+                        </a:solidFill>
+                      </a:tcPr>
+                    </a:tc>
+                    <a:extLst>
+                      <a:ext uri="{0D108BD9-81ED-4DB2-BD59-A6C34878D82A}">
+                        <a16:rowId xmlns:a16="http://schemas.microsoft.com/office/drawing/2014/main" val="2574226242"/>
+                      </a:ext>
+                    </a:extLst>
+                  </a:tr>
+                </a:tbl>
+              </a:graphicData>
+            </a:graphic>
+          </p:graphicFrame>
+        </mc:Choice>
+        <mc:Fallback>
+          <p:graphicFrame>
+            <p:nvGraphicFramePr>
+              <p:cNvPr id="66" name="Table 65">
+                <a:extLst>
+                  <a:ext uri="{FF2B5EF4-FFF2-40B4-BE49-F238E27FC236}">
+                    <a16:creationId xmlns:a16="http://schemas.microsoft.com/office/drawing/2014/main" id="{ED083E5D-364F-4D51-EC76-23FD4D0D1D6A}"/>
+                  </a:ext>
+                </a:extLst>
+              </p:cNvPr>
+              <p:cNvGraphicFramePr>
+                <a:graphicFrameLocks noGrp="1"/>
+              </p:cNvGraphicFramePr>
+              <p:nvPr/>
+            </p:nvGraphicFramePr>
+            <p:xfrm>
+              <a:off x="6473921" y="3876893"/>
+              <a:ext cx="5445125" cy="699559"/>
+            </p:xfrm>
+            <a:graphic>
+              <a:graphicData uri="http://schemas.openxmlformats.org/drawingml/2006/table">
+                <a:tbl>
+                  <a:tblPr rtl="1" firstRow="1" bandRow="1">
+                    <a:tableStyleId>{5940675A-B579-460E-94D1-54222C63F5DA}</a:tableStyleId>
+                  </a:tblPr>
+                  <a:tblGrid>
+                    <a:gridCol w="990600">
+                      <a:extLst>
+                        <a:ext uri="{9D8B030D-6E8A-4147-A177-3AD203B41FA5}">
+                          <a16:colId xmlns:a16="http://schemas.microsoft.com/office/drawing/2014/main" val="2238849501"/>
+                        </a:ext>
+                      </a:extLst>
+                    </a:gridCol>
+                    <a:gridCol w="1187450">
+                      <a:extLst>
+                        <a:ext uri="{9D8B030D-6E8A-4147-A177-3AD203B41FA5}">
+                          <a16:colId xmlns:a16="http://schemas.microsoft.com/office/drawing/2014/main" val="3535756688"/>
+                        </a:ext>
+                      </a:extLst>
+                    </a:gridCol>
+                    <a:gridCol w="1089025">
+                      <a:extLst>
+                        <a:ext uri="{9D8B030D-6E8A-4147-A177-3AD203B41FA5}">
+                          <a16:colId xmlns:a16="http://schemas.microsoft.com/office/drawing/2014/main" val="1173842512"/>
+                        </a:ext>
+                      </a:extLst>
+                    </a:gridCol>
+                    <a:gridCol w="1089025">
+                      <a:extLst>
+                        <a:ext uri="{9D8B030D-6E8A-4147-A177-3AD203B41FA5}">
+                          <a16:colId xmlns:a16="http://schemas.microsoft.com/office/drawing/2014/main" val="3532938545"/>
+                        </a:ext>
+                      </a:extLst>
+                    </a:gridCol>
+                    <a:gridCol w="1089025">
+                      <a:extLst>
+                        <a:ext uri="{9D8B030D-6E8A-4147-A177-3AD203B41FA5}">
+                          <a16:colId xmlns:a16="http://schemas.microsoft.com/office/drawing/2014/main" val="2134653468"/>
+                        </a:ext>
+                      </a:extLst>
+                    </a:gridCol>
+                  </a:tblGrid>
+                  <a:tr h="699559">
+                    <a:tc>
+                      <a:txBody>
+                        <a:bodyPr/>
+                        <a:lstStyle/>
+                        <a:p>
+                          <a:endParaRPr lang="fa-IR"/>
+                        </a:p>
+                      </a:txBody>
+                      <a:tcPr anchor="ctr">
+                        <a:blipFill>
+                          <a:blip r:embed="rId8"/>
+                          <a:stretch>
+                            <a:fillRect l="-613" t="-862" r="-450307" b="-1724"/>
+                          </a:stretch>
+                        </a:blipFill>
+                      </a:tcPr>
+                    </a:tc>
+                    <a:tc>
+                      <a:txBody>
+                        <a:bodyPr/>
+                        <a:lstStyle/>
+                        <a:p>
+                          <a:endParaRPr lang="fa-IR"/>
+                        </a:p>
+                      </a:txBody>
+                      <a:tcPr anchor="ctr">
+                        <a:blipFill>
+                          <a:blip r:embed="rId8"/>
+                          <a:stretch>
+                            <a:fillRect l="-84103" t="-862" r="-276410" b="-1724"/>
+                          </a:stretch>
+                        </a:blipFill>
+                      </a:tcPr>
+                    </a:tc>
+                    <a:tc>
+                      <a:txBody>
+                        <a:bodyPr/>
+                        <a:lstStyle/>
+                        <a:p>
+                          <a:endParaRPr lang="fa-IR"/>
+                        </a:p>
+                      </a:txBody>
+                      <a:tcPr anchor="ctr">
+                        <a:blipFill>
+                          <a:blip r:embed="rId8"/>
+                          <a:stretch>
+                            <a:fillRect l="-200559" t="-862" r="-201117" b="-1724"/>
+                          </a:stretch>
+                        </a:blipFill>
+                      </a:tcPr>
+                    </a:tc>
+                    <a:tc>
+                      <a:txBody>
+                        <a:bodyPr/>
+                        <a:lstStyle/>
+                        <a:p>
+                          <a:endParaRPr lang="fa-IR"/>
+                        </a:p>
+                      </a:txBody>
+                      <a:tcPr anchor="ctr">
+                        <a:blipFill>
+                          <a:blip r:embed="rId8"/>
+                          <a:stretch>
+                            <a:fillRect l="-300559" t="-862" r="-101117" b="-1724"/>
+                          </a:stretch>
+                        </a:blipFill>
+                      </a:tcPr>
+                    </a:tc>
+                    <a:tc>
+                      <a:txBody>
+                        <a:bodyPr/>
+                        <a:lstStyle/>
+                        <a:p>
+                          <a:endParaRPr lang="fa-IR"/>
+                        </a:p>
+                      </a:txBody>
+                      <a:tcPr anchor="ctr">
+                        <a:blipFill>
+                          <a:blip r:embed="rId8"/>
+                          <a:stretch>
+                            <a:fillRect l="-400559" t="-862" r="-1117" b="-1724"/>
+                          </a:stretch>
+                        </a:blipFill>
+                      </a:tcPr>
+                    </a:tc>
+                    <a:extLst>
+                      <a:ext uri="{0D108BD9-81ED-4DB2-BD59-A6C34878D82A}">
+                        <a16:rowId xmlns:a16="http://schemas.microsoft.com/office/drawing/2014/main" val="2574226242"/>
+                      </a:ext>
+                    </a:extLst>
+                  </a:tr>
+                </a:tbl>
+              </a:graphicData>
+            </a:graphic>
+          </p:graphicFrame>
+        </mc:Fallback>
+      </mc:AlternateContent>
+      <mc:AlternateContent xmlns:mc="http://schemas.openxmlformats.org/markup-compatibility/2006">
+        <mc:Choice xmlns:a14="http://schemas.microsoft.com/office/drawing/2010/main" Requires="a14">
+          <p:graphicFrame>
+            <p:nvGraphicFramePr>
+              <p:cNvPr id="67" name="Table 66">
+                <a:extLst>
+                  <a:ext uri="{FF2B5EF4-FFF2-40B4-BE49-F238E27FC236}">
+                    <a16:creationId xmlns:a16="http://schemas.microsoft.com/office/drawing/2014/main" id="{E07247B5-F3A7-726F-1F35-80A470BE9213}"/>
+                  </a:ext>
+                </a:extLst>
+              </p:cNvPr>
+              <p:cNvGraphicFramePr>
+                <a:graphicFrameLocks noGrp="1"/>
+              </p:cNvGraphicFramePr>
+              <p:nvPr/>
+            </p:nvGraphicFramePr>
+            <p:xfrm>
+              <a:off x="6473921" y="4576989"/>
+              <a:ext cx="5445125" cy="699559"/>
+            </p:xfrm>
+            <a:graphic>
+              <a:graphicData uri="http://schemas.openxmlformats.org/drawingml/2006/table">
+                <a:tbl>
+                  <a:tblPr rtl="1" firstRow="1" bandRow="1">
+                    <a:tableStyleId>{5940675A-B579-460E-94D1-54222C63F5DA}</a:tableStyleId>
+                  </a:tblPr>
+                  <a:tblGrid>
+                    <a:gridCol w="990600">
+                      <a:extLst>
+                        <a:ext uri="{9D8B030D-6E8A-4147-A177-3AD203B41FA5}">
+                          <a16:colId xmlns:a16="http://schemas.microsoft.com/office/drawing/2014/main" val="2238849501"/>
+                        </a:ext>
+                      </a:extLst>
+                    </a:gridCol>
+                    <a:gridCol w="1187450">
+                      <a:extLst>
+                        <a:ext uri="{9D8B030D-6E8A-4147-A177-3AD203B41FA5}">
+                          <a16:colId xmlns:a16="http://schemas.microsoft.com/office/drawing/2014/main" val="3535756688"/>
+                        </a:ext>
+                      </a:extLst>
+                    </a:gridCol>
+                    <a:gridCol w="1089025">
+                      <a:extLst>
+                        <a:ext uri="{9D8B030D-6E8A-4147-A177-3AD203B41FA5}">
+                          <a16:colId xmlns:a16="http://schemas.microsoft.com/office/drawing/2014/main" val="1173842512"/>
+                        </a:ext>
+                      </a:extLst>
+                    </a:gridCol>
+                    <a:gridCol w="1089025">
+                      <a:extLst>
+                        <a:ext uri="{9D8B030D-6E8A-4147-A177-3AD203B41FA5}">
+                          <a16:colId xmlns:a16="http://schemas.microsoft.com/office/drawing/2014/main" val="3532938545"/>
+                        </a:ext>
+                      </a:extLst>
+                    </a:gridCol>
+                    <a:gridCol w="1089025">
+                      <a:extLst>
+                        <a:ext uri="{9D8B030D-6E8A-4147-A177-3AD203B41FA5}">
+                          <a16:colId xmlns:a16="http://schemas.microsoft.com/office/drawing/2014/main" val="2134653468"/>
+                        </a:ext>
+                      </a:extLst>
+                    </a:gridCol>
+                  </a:tblGrid>
+                  <a:tr h="699559">
+                    <a:tc>
+                      <a:txBody>
+                        <a:bodyPr/>
+                        <a:lstStyle/>
+                        <a:p>
+                          <a:pPr algn="l" rtl="1"/>
+                          <a14:m>
+                            <m:oMathPara xmlns:m="http://schemas.openxmlformats.org/officeDocument/2006/math">
+                              <m:oMathParaPr>
+                                <m:jc m:val="centerGroup"/>
+                              </m:oMathParaPr>
+                              <m:oMath xmlns:m="http://schemas.openxmlformats.org/officeDocument/2006/math">
+                                <m:r>
+                                  <a:rPr lang="fa-IR" b="0" i="1" smtClean="0">
+                                    <a:latin typeface="Cambria Math" panose="02040503050406030204" pitchFamily="18" charset="0"/>
+                                  </a:rPr>
+                                  <m:t>…</m:t>
+                                </m:r>
+                              </m:oMath>
+                            </m:oMathPara>
+                          </a14:m>
+                          <a:endParaRPr lang="fa-IR" dirty="0"/>
+                        </a:p>
+                      </a:txBody>
+                      <a:tcPr anchor="ctr"/>
+                    </a:tc>
+                    <a:tc>
+                      <a:txBody>
+                        <a:bodyPr/>
+                        <a:lstStyle/>
+                        <a:p>
+                          <a:pPr marL="0" marR="0" lvl="0" indent="0" algn="l" defTabSz="914400" rtl="1" eaLnBrk="1" fontAlgn="auto" latinLnBrk="0" hangingPunct="1">
+                            <a:lnSpc>
+                              <a:spcPct val="100000"/>
+                            </a:lnSpc>
+                            <a:spcBef>
+                              <a:spcPts val="0"/>
+                            </a:spcBef>
+                            <a:spcAft>
+                              <a:spcPts val="0"/>
+                            </a:spcAft>
+                            <a:buClrTx/>
+                            <a:buSzTx/>
+                            <a:buFontTx/>
+                            <a:buNone/>
+                            <a:tabLst/>
+                            <a:defRPr/>
+                          </a:pPr>
+                          <a14:m>
+                            <m:oMathPara xmlns:m="http://schemas.openxmlformats.org/officeDocument/2006/math">
+                              <m:oMathParaPr>
+                                <m:jc m:val="centerGroup"/>
+                              </m:oMathParaPr>
+                              <m:oMath xmlns:m="http://schemas.openxmlformats.org/officeDocument/2006/math">
+                                <m:r>
+                                  <a:rPr lang="fa-IR" b="0" i="1" smtClean="0">
+                                    <a:latin typeface="Cambria Math" panose="02040503050406030204" pitchFamily="18" charset="0"/>
+                                  </a:rPr>
+                                  <m:t>…</m:t>
+                                </m:r>
+                              </m:oMath>
+                            </m:oMathPara>
+                          </a14:m>
+                          <a:endParaRPr lang="fa-IR" dirty="0"/>
+                        </a:p>
+                      </a:txBody>
+                      <a:tcPr anchor="ctr"/>
+                    </a:tc>
+                    <a:tc>
+                      <a:txBody>
+                        <a:bodyPr/>
+                        <a:lstStyle/>
+                        <a:p>
+                          <a:pPr algn="l" rtl="1"/>
+                          <a14:m>
+                            <m:oMathPara xmlns:m="http://schemas.openxmlformats.org/officeDocument/2006/math">
+                              <m:oMathParaPr>
+                                <m:jc m:val="centerGroup"/>
+                              </m:oMathParaPr>
+                              <m:oMath xmlns:m="http://schemas.openxmlformats.org/officeDocument/2006/math">
+                                <m:r>
+                                  <a:rPr lang="en-US" b="0" i="1" smtClean="0">
+                                    <a:latin typeface="Cambria Math" panose="02040503050406030204" pitchFamily="18" charset="0"/>
+                                  </a:rPr>
+                                  <m:t>…</m:t>
+                                </m:r>
+                              </m:oMath>
+                            </m:oMathPara>
+                          </a14:m>
+                          <a:endParaRPr lang="fa-IR" dirty="0"/>
+                        </a:p>
+                      </a:txBody>
+                      <a:tcPr anchor="ctr">
+                        <a:solidFill>
+                          <a:srgbClr val="DCE8FA"/>
+                        </a:solidFill>
+                      </a:tcPr>
+                    </a:tc>
+                    <a:tc>
+                      <a:txBody>
+                        <a:bodyPr/>
+                        <a:lstStyle/>
+                        <a:p>
+                          <a:pPr algn="l" rtl="1"/>
+                          <a14:m>
+                            <m:oMathPara xmlns:m="http://schemas.openxmlformats.org/officeDocument/2006/math">
+                              <m:oMathParaPr>
+                                <m:jc m:val="centerGroup"/>
+                              </m:oMathParaPr>
+                              <m:oMath xmlns:m="http://schemas.openxmlformats.org/officeDocument/2006/math">
+                                <m:r>
+                                  <a:rPr lang="fa-IR" b="0" i="1" smtClean="0">
+                                    <a:latin typeface="Cambria Math" panose="02040503050406030204" pitchFamily="18" charset="0"/>
+                                  </a:rPr>
+                                  <m:t>…</m:t>
+                                </m:r>
+                              </m:oMath>
+                            </m:oMathPara>
+                          </a14:m>
+                          <a:endParaRPr lang="fa-IR" dirty="0"/>
+                        </a:p>
+                      </a:txBody>
+                      <a:tcPr anchor="ctr">
+                        <a:solidFill>
+                          <a:schemeClr val="bg1"/>
+                        </a:solidFill>
+                      </a:tcPr>
+                    </a:tc>
+                    <a:tc>
+                      <a:txBody>
+                        <a:bodyPr/>
+                        <a:lstStyle/>
+                        <a:p>
+                          <a:pPr algn="l" rtl="1"/>
+                          <a14:m>
+                            <m:oMathPara xmlns:m="http://schemas.openxmlformats.org/officeDocument/2006/math">
+                              <m:oMathParaPr>
+                                <m:jc m:val="centerGroup"/>
+                              </m:oMathParaPr>
+                              <m:oMath xmlns:m="http://schemas.openxmlformats.org/officeDocument/2006/math">
+                                <m:r>
+                                  <a:rPr lang="en-US" sz="1800" b="0" i="1" kern="1200" smtClean="0">
+                                    <a:solidFill>
+                                      <a:schemeClr val="tx1"/>
+                                    </a:solidFill>
+                                    <a:latin typeface="Cambria Math" panose="02040503050406030204" pitchFamily="18" charset="0"/>
+                                    <a:ea typeface="+mn-ea"/>
+                                    <a:cs typeface="+mn-cs"/>
+                                  </a:rPr>
+                                  <m:t>…</m:t>
+                                </m:r>
+                              </m:oMath>
+                            </m:oMathPara>
+                          </a14:m>
+                          <a:endParaRPr lang="fa-IR" sz="1800" b="0" i="1" kern="1200" dirty="0">
+                            <a:solidFill>
+                              <a:schemeClr val="tx1"/>
+                            </a:solidFill>
+                            <a:latin typeface="Cambria Math" panose="02040503050406030204" pitchFamily="18" charset="0"/>
+                            <a:ea typeface="+mn-ea"/>
+                            <a:cs typeface="+mn-cs"/>
+                          </a:endParaRPr>
+                        </a:p>
+                      </a:txBody>
+                      <a:tcPr anchor="ctr">
+                        <a:solidFill>
+                          <a:schemeClr val="bg1"/>
+                        </a:solidFill>
+                      </a:tcPr>
+                    </a:tc>
+                    <a:extLst>
+                      <a:ext uri="{0D108BD9-81ED-4DB2-BD59-A6C34878D82A}">
+                        <a16:rowId xmlns:a16="http://schemas.microsoft.com/office/drawing/2014/main" val="2574226242"/>
+                      </a:ext>
+                    </a:extLst>
+                  </a:tr>
+                </a:tbl>
+              </a:graphicData>
+            </a:graphic>
+          </p:graphicFrame>
+        </mc:Choice>
+        <mc:Fallback>
+          <p:graphicFrame>
+            <p:nvGraphicFramePr>
+              <p:cNvPr id="67" name="Table 66">
+                <a:extLst>
+                  <a:ext uri="{FF2B5EF4-FFF2-40B4-BE49-F238E27FC236}">
+                    <a16:creationId xmlns:a16="http://schemas.microsoft.com/office/drawing/2014/main" id="{E07247B5-F3A7-726F-1F35-80A470BE9213}"/>
+                  </a:ext>
+                </a:extLst>
+              </p:cNvPr>
+              <p:cNvGraphicFramePr>
+                <a:graphicFrameLocks noGrp="1"/>
+              </p:cNvGraphicFramePr>
+              <p:nvPr/>
+            </p:nvGraphicFramePr>
+            <p:xfrm>
+              <a:off x="6473921" y="4576989"/>
+              <a:ext cx="5445125" cy="699559"/>
+            </p:xfrm>
+            <a:graphic>
+              <a:graphicData uri="http://schemas.openxmlformats.org/drawingml/2006/table">
+                <a:tbl>
+                  <a:tblPr rtl="1" firstRow="1" bandRow="1">
+                    <a:tableStyleId>{5940675A-B579-460E-94D1-54222C63F5DA}</a:tableStyleId>
+                  </a:tblPr>
+                  <a:tblGrid>
+                    <a:gridCol w="990600">
+                      <a:extLst>
+                        <a:ext uri="{9D8B030D-6E8A-4147-A177-3AD203B41FA5}">
+                          <a16:colId xmlns:a16="http://schemas.microsoft.com/office/drawing/2014/main" val="2238849501"/>
+                        </a:ext>
+                      </a:extLst>
+                    </a:gridCol>
+                    <a:gridCol w="1187450">
+                      <a:extLst>
+                        <a:ext uri="{9D8B030D-6E8A-4147-A177-3AD203B41FA5}">
+                          <a16:colId xmlns:a16="http://schemas.microsoft.com/office/drawing/2014/main" val="3535756688"/>
+                        </a:ext>
+                      </a:extLst>
+                    </a:gridCol>
+                    <a:gridCol w="1089025">
+                      <a:extLst>
+                        <a:ext uri="{9D8B030D-6E8A-4147-A177-3AD203B41FA5}">
+                          <a16:colId xmlns:a16="http://schemas.microsoft.com/office/drawing/2014/main" val="1173842512"/>
+                        </a:ext>
+                      </a:extLst>
+                    </a:gridCol>
+                    <a:gridCol w="1089025">
+                      <a:extLst>
+                        <a:ext uri="{9D8B030D-6E8A-4147-A177-3AD203B41FA5}">
+                          <a16:colId xmlns:a16="http://schemas.microsoft.com/office/drawing/2014/main" val="3532938545"/>
+                        </a:ext>
+                      </a:extLst>
+                    </a:gridCol>
+                    <a:gridCol w="1089025">
+                      <a:extLst>
+                        <a:ext uri="{9D8B030D-6E8A-4147-A177-3AD203B41FA5}">
+                          <a16:colId xmlns:a16="http://schemas.microsoft.com/office/drawing/2014/main" val="2134653468"/>
+                        </a:ext>
+                      </a:extLst>
+                    </a:gridCol>
+                  </a:tblGrid>
+                  <a:tr h="699559">
+                    <a:tc>
+                      <a:txBody>
+                        <a:bodyPr/>
+                        <a:lstStyle/>
+                        <a:p>
+                          <a:endParaRPr lang="fa-IR"/>
+                        </a:p>
+                      </a:txBody>
+                      <a:tcPr anchor="ctr">
+                        <a:blipFill>
+                          <a:blip r:embed="rId9"/>
+                          <a:stretch>
+                            <a:fillRect l="-613" t="-862" r="-450307" b="-1724"/>
+                          </a:stretch>
+                        </a:blipFill>
+                      </a:tcPr>
+                    </a:tc>
+                    <a:tc>
+                      <a:txBody>
+                        <a:bodyPr/>
+                        <a:lstStyle/>
+                        <a:p>
+                          <a:endParaRPr lang="fa-IR"/>
+                        </a:p>
+                      </a:txBody>
+                      <a:tcPr anchor="ctr">
+                        <a:blipFill>
+                          <a:blip r:embed="rId9"/>
+                          <a:stretch>
+                            <a:fillRect l="-84103" t="-862" r="-276410" b="-1724"/>
+                          </a:stretch>
+                        </a:blipFill>
+                      </a:tcPr>
+                    </a:tc>
+                    <a:tc>
+                      <a:txBody>
+                        <a:bodyPr/>
+                        <a:lstStyle/>
+                        <a:p>
+                          <a:endParaRPr lang="fa-IR"/>
+                        </a:p>
+                      </a:txBody>
+                      <a:tcPr anchor="ctr">
+                        <a:blipFill>
+                          <a:blip r:embed="rId9"/>
+                          <a:stretch>
+                            <a:fillRect l="-200559" t="-862" r="-201117" b="-1724"/>
+                          </a:stretch>
+                        </a:blipFill>
+                      </a:tcPr>
+                    </a:tc>
+                    <a:tc>
+                      <a:txBody>
+                        <a:bodyPr/>
+                        <a:lstStyle/>
+                        <a:p>
+                          <a:endParaRPr lang="fa-IR"/>
+                        </a:p>
+                      </a:txBody>
+                      <a:tcPr anchor="ctr">
+                        <a:blipFill>
+                          <a:blip r:embed="rId9"/>
+                          <a:stretch>
+                            <a:fillRect l="-300559" t="-862" r="-101117" b="-1724"/>
+                          </a:stretch>
+                        </a:blipFill>
+                      </a:tcPr>
+                    </a:tc>
+                    <a:tc>
+                      <a:txBody>
+                        <a:bodyPr/>
+                        <a:lstStyle/>
+                        <a:p>
+                          <a:endParaRPr lang="fa-IR"/>
+                        </a:p>
+                      </a:txBody>
+                      <a:tcPr anchor="ctr">
+                        <a:blipFill>
+                          <a:blip r:embed="rId9"/>
+                          <a:stretch>
+                            <a:fillRect l="-400559" t="-862" r="-1117" b="-1724"/>
+                          </a:stretch>
+                        </a:blipFill>
+                      </a:tcPr>
+                    </a:tc>
+                    <a:extLst>
+                      <a:ext uri="{0D108BD9-81ED-4DB2-BD59-A6C34878D82A}">
+                        <a16:rowId xmlns:a16="http://schemas.microsoft.com/office/drawing/2014/main" val="2574226242"/>
+                      </a:ext>
+                    </a:extLst>
+                  </a:tr>
+                </a:tbl>
+              </a:graphicData>
+            </a:graphic>
+          </p:graphicFrame>
+        </mc:Fallback>
+      </mc:AlternateContent>
+      <mc:AlternateContent xmlns:mc="http://schemas.openxmlformats.org/markup-compatibility/2006">
+        <mc:Choice xmlns:a14="http://schemas.microsoft.com/office/drawing/2010/main" Requires="a14">
+          <p:graphicFrame>
+            <p:nvGraphicFramePr>
+              <p:cNvPr id="68" name="Table 67">
+                <a:extLst>
+                  <a:ext uri="{FF2B5EF4-FFF2-40B4-BE49-F238E27FC236}">
+                    <a16:creationId xmlns:a16="http://schemas.microsoft.com/office/drawing/2014/main" id="{A6CBAD45-6ABB-E4D1-A177-E8F048670020}"/>
+                  </a:ext>
+                </a:extLst>
+              </p:cNvPr>
+              <p:cNvGraphicFramePr>
+                <a:graphicFrameLocks noGrp="1"/>
+              </p:cNvGraphicFramePr>
+              <p:nvPr/>
+            </p:nvGraphicFramePr>
+            <p:xfrm>
+              <a:off x="6473921" y="5273487"/>
+              <a:ext cx="5445125" cy="699559"/>
+            </p:xfrm>
+            <a:graphic>
+              <a:graphicData uri="http://schemas.openxmlformats.org/drawingml/2006/table">
+                <a:tbl>
+                  <a:tblPr rtl="1" firstRow="1" bandRow="1">
+                    <a:tableStyleId>{5940675A-B579-460E-94D1-54222C63F5DA}</a:tableStyleId>
+                  </a:tblPr>
+                  <a:tblGrid>
+                    <a:gridCol w="990600">
+                      <a:extLst>
+                        <a:ext uri="{9D8B030D-6E8A-4147-A177-3AD203B41FA5}">
+                          <a16:colId xmlns:a16="http://schemas.microsoft.com/office/drawing/2014/main" val="2238849501"/>
+                        </a:ext>
+                      </a:extLst>
+                    </a:gridCol>
+                    <a:gridCol w="1187450">
+                      <a:extLst>
+                        <a:ext uri="{9D8B030D-6E8A-4147-A177-3AD203B41FA5}">
+                          <a16:colId xmlns:a16="http://schemas.microsoft.com/office/drawing/2014/main" val="3535756688"/>
+                        </a:ext>
+                      </a:extLst>
+                    </a:gridCol>
+                    <a:gridCol w="1089025">
+                      <a:extLst>
+                        <a:ext uri="{9D8B030D-6E8A-4147-A177-3AD203B41FA5}">
+                          <a16:colId xmlns:a16="http://schemas.microsoft.com/office/drawing/2014/main" val="1173842512"/>
+                        </a:ext>
+                      </a:extLst>
+                    </a:gridCol>
+                    <a:gridCol w="1089025">
+                      <a:extLst>
+                        <a:ext uri="{9D8B030D-6E8A-4147-A177-3AD203B41FA5}">
+                          <a16:colId xmlns:a16="http://schemas.microsoft.com/office/drawing/2014/main" val="3532938545"/>
+                        </a:ext>
+                      </a:extLst>
+                    </a:gridCol>
+                    <a:gridCol w="1089025">
+                      <a:extLst>
+                        <a:ext uri="{9D8B030D-6E8A-4147-A177-3AD203B41FA5}">
+                          <a16:colId xmlns:a16="http://schemas.microsoft.com/office/drawing/2014/main" val="2134653468"/>
+                        </a:ext>
+                      </a:extLst>
+                    </a:gridCol>
+                  </a:tblGrid>
+                  <a:tr h="699559">
+                    <a:tc>
+                      <a:txBody>
+                        <a:bodyPr/>
+                        <a:lstStyle/>
+                        <a:p>
+                          <a:pPr algn="l" rtl="1"/>
+                          <a14:m>
+                            <m:oMathPara xmlns:m="http://schemas.openxmlformats.org/officeDocument/2006/math">
+                              <m:oMathParaPr>
+                                <m:jc m:val="centerGroup"/>
+                              </m:oMathParaPr>
+                              <m:oMath xmlns:m="http://schemas.openxmlformats.org/officeDocument/2006/math">
+                                <m:sSub>
+                                  <m:sSubPr>
+                                    <m:ctrlPr>
+                                      <a:rPr lang="en-US" b="0" i="1" smtClean="0">
+                                        <a:latin typeface="Cambria Math" panose="02040503050406030204" pitchFamily="18" charset="0"/>
+                                      </a:rPr>
+                                    </m:ctrlPr>
+                                  </m:sSubPr>
+                                  <m:e>
+                                    <m:sSub>
+                                      <m:sSubPr>
+                                        <m:ctrlPr>
+                                          <a:rPr lang="en-US" b="0" i="1" smtClean="0">
+                                            <a:latin typeface="Cambria Math" panose="02040503050406030204" pitchFamily="18" charset="0"/>
+                                          </a:rPr>
+                                        </m:ctrlPr>
+                                      </m:sSubPr>
+                                      <m:e>
+                                        <m:r>
+                                          <a:rPr lang="en-US" b="0" i="1" smtClean="0">
+                                            <a:latin typeface="Cambria Math" panose="02040503050406030204" pitchFamily="18" charset="0"/>
+                                          </a:rPr>
+                                          <m:t>𝑉</m:t>
+                                        </m:r>
+                                      </m:e>
+                                      <m:sub>
+                                        <m:r>
+                                          <a:rPr lang="en-US" b="0" i="1" smtClean="0">
+                                            <a:latin typeface="Cambria Math" panose="02040503050406030204" pitchFamily="18" charset="0"/>
+                                          </a:rPr>
+                                          <m:t>𝐵</m:t>
+                                        </m:r>
+                                        <m:r>
+                                          <a:rPr lang="en-US" b="0" i="1" smtClean="0">
+                                            <a:latin typeface="Cambria Math" panose="02040503050406030204" pitchFamily="18" charset="0"/>
+                                          </a:rPr>
+                                          <m:t>−</m:t>
+                                        </m:r>
+                                        <m:r>
+                                          <a:rPr lang="en-US" b="0" i="1" smtClean="0">
+                                            <a:latin typeface="Cambria Math" panose="02040503050406030204" pitchFamily="18" charset="0"/>
+                                          </a:rPr>
+                                          <m:t>1</m:t>
+                                        </m:r>
+                                      </m:sub>
+                                    </m:sSub>
+                                    <m:r>
+                                      <a:rPr lang="en-US" b="0" i="1" smtClean="0">
+                                        <a:latin typeface="Cambria Math" panose="02040503050406030204" pitchFamily="18" charset="0"/>
+                                      </a:rPr>
+                                      <m:t>.</m:t>
+                                    </m:r>
+                                    <m:r>
+                                      <a:rPr lang="en-US" b="0" i="1" smtClean="0">
+                                        <a:latin typeface="Cambria Math" panose="02040503050406030204" pitchFamily="18" charset="0"/>
+                                      </a:rPr>
+                                      <m:t>𝑇</m:t>
+                                    </m:r>
+                                  </m:e>
+                                  <m:sub>
+                                    <m:r>
+                                      <a:rPr lang="en-US" b="0" i="1" smtClean="0">
+                                        <a:latin typeface="Cambria Math" panose="02040503050406030204" pitchFamily="18" charset="0"/>
+                                      </a:rPr>
+                                      <m:t>𝑁</m:t>
+                                    </m:r>
+                                  </m:sub>
+                                </m:sSub>
+                              </m:oMath>
+                            </m:oMathPara>
+                          </a14:m>
+                          <a:endParaRPr lang="fa-IR" dirty="0"/>
+                        </a:p>
+                      </a:txBody>
+                      <a:tcPr anchor="ctr"/>
+                    </a:tc>
+                    <a:tc>
+                      <a:txBody>
+                        <a:bodyPr/>
+                        <a:lstStyle/>
+                        <a:p>
+                          <a:pPr marL="0" marR="0" lvl="0" indent="0" algn="l" defTabSz="914400" rtl="1" eaLnBrk="1" fontAlgn="auto" latinLnBrk="0" hangingPunct="1">
+                            <a:lnSpc>
+                              <a:spcPct val="100000"/>
+                            </a:lnSpc>
+                            <a:spcBef>
+                              <a:spcPts val="0"/>
+                            </a:spcBef>
+                            <a:spcAft>
+                              <a:spcPts val="0"/>
+                            </a:spcAft>
+                            <a:buClrTx/>
+                            <a:buSzTx/>
+                            <a:buFontTx/>
+                            <a:buNone/>
+                            <a:tabLst/>
+                            <a:defRPr/>
+                          </a:pPr>
+                          <a14:m>
+                            <m:oMathPara xmlns:m="http://schemas.openxmlformats.org/officeDocument/2006/math">
+                              <m:oMathParaPr>
+                                <m:jc m:val="centerGroup"/>
+                              </m:oMathParaPr>
+                              <m:oMath xmlns:m="http://schemas.openxmlformats.org/officeDocument/2006/math">
+                                <m:sSub>
+                                  <m:sSubPr>
+                                    <m:ctrlPr>
+                                      <a:rPr lang="en-US" b="0" i="1" smtClean="0">
+                                        <a:latin typeface="Cambria Math" panose="02040503050406030204" pitchFamily="18" charset="0"/>
+                                      </a:rPr>
+                                    </m:ctrlPr>
+                                  </m:sSubPr>
+                                  <m:e>
+                                    <m:sSub>
+                                      <m:sSubPr>
+                                        <m:ctrlPr>
+                                          <a:rPr lang="en-US" b="0" i="1" smtClean="0">
+                                            <a:latin typeface="Cambria Math" panose="02040503050406030204" pitchFamily="18" charset="0"/>
+                                          </a:rPr>
+                                        </m:ctrlPr>
+                                      </m:sSubPr>
+                                      <m:e>
+                                        <m:r>
+                                          <a:rPr lang="en-US" b="0" i="1" smtClean="0">
+                                            <a:latin typeface="Cambria Math" panose="02040503050406030204" pitchFamily="18" charset="0"/>
+                                          </a:rPr>
+                                          <m:t>𝑉</m:t>
+                                        </m:r>
+                                      </m:e>
+                                      <m:sub>
+                                        <m:r>
+                                          <a:rPr lang="en-US" b="0" i="1" smtClean="0">
+                                            <a:latin typeface="Cambria Math" panose="02040503050406030204" pitchFamily="18" charset="0"/>
+                                          </a:rPr>
+                                          <m:t>𝐵</m:t>
+                                        </m:r>
+                                        <m:r>
+                                          <a:rPr lang="en-US" b="0" i="1" smtClean="0">
+                                            <a:latin typeface="Cambria Math" panose="02040503050406030204" pitchFamily="18" charset="0"/>
+                                          </a:rPr>
+                                          <m:t>−</m:t>
+                                        </m:r>
+                                        <m:r>
+                                          <a:rPr lang="en-US" b="0" i="1" smtClean="0">
+                                            <a:latin typeface="Cambria Math" panose="02040503050406030204" pitchFamily="18" charset="0"/>
+                                          </a:rPr>
+                                          <m:t>1</m:t>
+                                        </m:r>
+                                      </m:sub>
+                                    </m:sSub>
+                                    <m:r>
+                                      <a:rPr lang="en-US" b="0" i="1" smtClean="0">
+                                        <a:latin typeface="Cambria Math" panose="02040503050406030204" pitchFamily="18" charset="0"/>
+                                      </a:rPr>
+                                      <m:t>.</m:t>
+                                    </m:r>
+                                    <m:r>
+                                      <a:rPr lang="en-US" b="0" i="1" smtClean="0">
+                                        <a:latin typeface="Cambria Math" panose="02040503050406030204" pitchFamily="18" charset="0"/>
+                                      </a:rPr>
+                                      <m:t>𝑇</m:t>
+                                    </m:r>
+                                  </m:e>
+                                  <m:sub>
+                                    <m:r>
+                                      <a:rPr lang="en-US" b="0" i="1" smtClean="0">
+                                        <a:latin typeface="Cambria Math" panose="02040503050406030204" pitchFamily="18" charset="0"/>
+                                      </a:rPr>
+                                      <m:t>𝑁</m:t>
+                                    </m:r>
+                                    <m:r>
+                                      <a:rPr lang="en-US" b="0" i="1" smtClean="0">
+                                        <a:latin typeface="Cambria Math" panose="02040503050406030204" pitchFamily="18" charset="0"/>
+                                      </a:rPr>
+                                      <m:t>−</m:t>
+                                    </m:r>
+                                    <m:r>
+                                      <a:rPr lang="en-US" b="0" i="1" smtClean="0">
+                                        <a:latin typeface="Cambria Math" panose="02040503050406030204" pitchFamily="18" charset="0"/>
+                                      </a:rPr>
+                                      <m:t>1</m:t>
+                                    </m:r>
+                                  </m:sub>
+                                </m:sSub>
+                              </m:oMath>
+                            </m:oMathPara>
+                          </a14:m>
+                          <a:endParaRPr lang="fa-IR" dirty="0"/>
+                        </a:p>
+                      </a:txBody>
+                      <a:tcPr anchor="ctr">
+                        <a:solidFill>
+                          <a:srgbClr val="DCE8FA"/>
+                        </a:solidFill>
+                      </a:tcPr>
+                    </a:tc>
+                    <a:tc>
+                      <a:txBody>
+                        <a:bodyPr/>
+                        <a:lstStyle/>
+                        <a:p>
+                          <a:pPr algn="l" rtl="1"/>
+                          <a14:m>
+                            <m:oMathPara xmlns:m="http://schemas.openxmlformats.org/officeDocument/2006/math">
+                              <m:oMathParaPr>
+                                <m:jc m:val="centerGroup"/>
+                              </m:oMathParaPr>
+                              <m:oMath xmlns:m="http://schemas.openxmlformats.org/officeDocument/2006/math">
+                                <m:r>
+                                  <a:rPr lang="en-US" b="0" i="1" smtClean="0">
+                                    <a:latin typeface="Cambria Math" panose="02040503050406030204" pitchFamily="18" charset="0"/>
+                                  </a:rPr>
+                                  <m:t>…</m:t>
+                                </m:r>
+                              </m:oMath>
+                            </m:oMathPara>
+                          </a14:m>
+                          <a:endParaRPr lang="fa-IR" dirty="0"/>
+                        </a:p>
+                      </a:txBody>
+                      <a:tcPr anchor="ctr"/>
+                    </a:tc>
+                    <a:tc>
+                      <a:txBody>
+                        <a:bodyPr/>
+                        <a:lstStyle/>
+                        <a:p>
+                          <a:pPr algn="l" rtl="1"/>
+                          <a14:m>
+                            <m:oMathPara xmlns:m="http://schemas.openxmlformats.org/officeDocument/2006/math">
+                              <m:oMathParaPr>
+                                <m:jc m:val="centerGroup"/>
+                              </m:oMathParaPr>
+                              <m:oMath xmlns:m="http://schemas.openxmlformats.org/officeDocument/2006/math">
+                                <m:sSub>
+                                  <m:sSubPr>
+                                    <m:ctrlPr>
+                                      <a:rPr lang="en-US" b="0" i="1" smtClean="0">
+                                        <a:latin typeface="Cambria Math" panose="02040503050406030204" pitchFamily="18" charset="0"/>
+                                      </a:rPr>
+                                    </m:ctrlPr>
+                                  </m:sSubPr>
+                                  <m:e>
+                                    <m:sSub>
+                                      <m:sSubPr>
+                                        <m:ctrlPr>
+                                          <a:rPr lang="en-US" b="0" i="1" smtClean="0">
+                                            <a:latin typeface="Cambria Math" panose="02040503050406030204" pitchFamily="18" charset="0"/>
+                                          </a:rPr>
+                                        </m:ctrlPr>
+                                      </m:sSubPr>
+                                      <m:e>
+                                        <m:r>
+                                          <a:rPr lang="en-US" b="0" i="1" smtClean="0">
+                                            <a:latin typeface="Cambria Math" panose="02040503050406030204" pitchFamily="18" charset="0"/>
+                                          </a:rPr>
+                                          <m:t>𝑉</m:t>
+                                        </m:r>
+                                      </m:e>
+                                      <m:sub>
+                                        <m:r>
+                                          <a:rPr lang="en-US" b="0" i="1" smtClean="0">
+                                            <a:latin typeface="Cambria Math" panose="02040503050406030204" pitchFamily="18" charset="0"/>
+                                          </a:rPr>
+                                          <m:t>𝐵</m:t>
+                                        </m:r>
+                                        <m:r>
+                                          <a:rPr lang="en-US" b="0" i="1" smtClean="0">
+                                            <a:latin typeface="Cambria Math" panose="02040503050406030204" pitchFamily="18" charset="0"/>
+                                          </a:rPr>
+                                          <m:t>−</m:t>
+                                        </m:r>
+                                        <m:r>
+                                          <a:rPr lang="en-US" b="0" i="1" smtClean="0">
+                                            <a:latin typeface="Cambria Math" panose="02040503050406030204" pitchFamily="18" charset="0"/>
+                                          </a:rPr>
+                                          <m:t>1</m:t>
+                                        </m:r>
+                                      </m:sub>
+                                    </m:sSub>
+                                    <m:r>
+                                      <a:rPr lang="en-US" b="0" i="1" smtClean="0">
+                                        <a:latin typeface="Cambria Math" panose="02040503050406030204" pitchFamily="18" charset="0"/>
+                                      </a:rPr>
+                                      <m:t>.</m:t>
+                                    </m:r>
+                                    <m:r>
+                                      <a:rPr lang="en-US" b="0" i="1" smtClean="0">
+                                        <a:latin typeface="Cambria Math" panose="02040503050406030204" pitchFamily="18" charset="0"/>
+                                      </a:rPr>
+                                      <m:t>𝑇</m:t>
+                                    </m:r>
+                                  </m:e>
+                                  <m:sub>
+                                    <m:r>
+                                      <a:rPr lang="en-US" b="0" i="1" smtClean="0">
+                                        <a:latin typeface="Cambria Math" panose="02040503050406030204" pitchFamily="18" charset="0"/>
+                                      </a:rPr>
+                                      <m:t>2</m:t>
+                                    </m:r>
+                                  </m:sub>
+                                </m:sSub>
+                              </m:oMath>
+                            </m:oMathPara>
+                          </a14:m>
+                          <a:endParaRPr lang="fa-IR" dirty="0"/>
+                        </a:p>
+                      </a:txBody>
+                      <a:tcPr anchor="ctr">
+                        <a:solidFill>
+                          <a:schemeClr val="bg1"/>
+                        </a:solidFill>
+                      </a:tcPr>
+                    </a:tc>
+                    <a:tc>
+                      <a:txBody>
+                        <a:bodyPr/>
+                        <a:lstStyle/>
+                        <a:p>
+                          <a:pPr algn="l" rtl="1"/>
+                          <a14:m>
+                            <m:oMathPara xmlns:m="http://schemas.openxmlformats.org/officeDocument/2006/math">
+                              <m:oMathParaPr>
+                                <m:jc m:val="centerGroup"/>
+                              </m:oMathParaPr>
+                              <m:oMath xmlns:m="http://schemas.openxmlformats.org/officeDocument/2006/math">
+                                <m:sSub>
+                                  <m:sSubPr>
+                                    <m:ctrlPr>
+                                      <a:rPr lang="en-US" b="0" i="1" smtClean="0">
+                                        <a:latin typeface="Cambria Math" panose="02040503050406030204" pitchFamily="18" charset="0"/>
+                                      </a:rPr>
+                                    </m:ctrlPr>
+                                  </m:sSubPr>
+                                  <m:e>
+                                    <m:r>
+                                      <a:rPr lang="en-US" b="0" i="1" smtClean="0">
+                                        <a:latin typeface="Cambria Math" panose="02040503050406030204" pitchFamily="18" charset="0"/>
+                                      </a:rPr>
+                                      <m:t>𝑉</m:t>
+                                    </m:r>
+                                  </m:e>
+                                  <m:sub>
+                                    <m:r>
+                                      <a:rPr lang="en-US" b="0" i="1" smtClean="0">
+                                        <a:latin typeface="Cambria Math" panose="02040503050406030204" pitchFamily="18" charset="0"/>
+                                      </a:rPr>
+                                      <m:t>𝐵</m:t>
+                                    </m:r>
+                                    <m:r>
+                                      <a:rPr lang="en-US" b="0" i="1" smtClean="0">
+                                        <a:latin typeface="Cambria Math" panose="02040503050406030204" pitchFamily="18" charset="0"/>
+                                      </a:rPr>
+                                      <m:t>−</m:t>
+                                    </m:r>
+                                    <m:r>
+                                      <a:rPr lang="en-US" b="0" i="1" smtClean="0">
+                                        <a:latin typeface="Cambria Math" panose="02040503050406030204" pitchFamily="18" charset="0"/>
+                                      </a:rPr>
+                                      <m:t>1</m:t>
+                                    </m:r>
+                                  </m:sub>
+                                </m:sSub>
+                                <m:r>
+                                  <a:rPr lang="en-US" sz="1800" b="0" i="1" kern="1200" smtClean="0">
+                                    <a:solidFill>
+                                      <a:schemeClr val="tx1"/>
+                                    </a:solidFill>
+                                    <a:latin typeface="Cambria Math" panose="02040503050406030204" pitchFamily="18" charset="0"/>
+                                    <a:ea typeface="+mn-ea"/>
+                                    <a:cs typeface="+mn-cs"/>
+                                  </a:rPr>
+                                  <m:t>.</m:t>
+                                </m:r>
+                                <m:sSub>
+                                  <m:sSubPr>
+                                    <m:ctrlPr>
+                                      <a:rPr lang="en-US" sz="1800" b="0" i="1" kern="1200" smtClean="0">
+                                        <a:solidFill>
+                                          <a:schemeClr val="tx1"/>
+                                        </a:solidFill>
+                                        <a:latin typeface="Cambria Math" panose="02040503050406030204" pitchFamily="18" charset="0"/>
+                                        <a:ea typeface="+mn-ea"/>
+                                        <a:cs typeface="+mn-cs"/>
+                                      </a:rPr>
+                                    </m:ctrlPr>
+                                  </m:sSubPr>
+                                  <m:e>
+                                    <m:r>
+                                      <a:rPr lang="en-US" sz="1800" b="0" i="1" kern="1200" smtClean="0">
+                                        <a:solidFill>
+                                          <a:schemeClr val="tx1"/>
+                                        </a:solidFill>
+                                        <a:latin typeface="Cambria Math" panose="02040503050406030204" pitchFamily="18" charset="0"/>
+                                        <a:ea typeface="+mn-ea"/>
+                                        <a:cs typeface="+mn-cs"/>
+                                      </a:rPr>
+                                      <m:t>𝑇</m:t>
+                                    </m:r>
+                                  </m:e>
+                                  <m:sub>
+                                    <m:r>
+                                      <a:rPr lang="en-US" sz="1800" b="0" i="1" kern="1200" smtClean="0">
+                                        <a:solidFill>
+                                          <a:schemeClr val="tx1"/>
+                                        </a:solidFill>
+                                        <a:latin typeface="Cambria Math" panose="02040503050406030204" pitchFamily="18" charset="0"/>
+                                        <a:ea typeface="+mn-ea"/>
+                                        <a:cs typeface="+mn-cs"/>
+                                      </a:rPr>
+                                      <m:t>1</m:t>
+                                    </m:r>
+                                  </m:sub>
+                                </m:sSub>
+                              </m:oMath>
+                            </m:oMathPara>
+                          </a14:m>
+                          <a:endParaRPr lang="fa-IR" sz="1800" b="0" i="1" kern="1200" dirty="0">
+                            <a:solidFill>
+                              <a:schemeClr val="tx1"/>
+                            </a:solidFill>
+                            <a:latin typeface="Cambria Math" panose="02040503050406030204" pitchFamily="18" charset="0"/>
+                            <a:ea typeface="+mn-ea"/>
+                            <a:cs typeface="+mn-cs"/>
+                          </a:endParaRPr>
+                        </a:p>
+                      </a:txBody>
+                      <a:tcPr anchor="ctr">
+                        <a:solidFill>
+                          <a:schemeClr val="bg1"/>
+                        </a:solidFill>
+                      </a:tcPr>
+                    </a:tc>
+                    <a:extLst>
+                      <a:ext uri="{0D108BD9-81ED-4DB2-BD59-A6C34878D82A}">
+                        <a16:rowId xmlns:a16="http://schemas.microsoft.com/office/drawing/2014/main" val="2574226242"/>
+                      </a:ext>
+                    </a:extLst>
+                  </a:tr>
+                </a:tbl>
+              </a:graphicData>
+            </a:graphic>
+          </p:graphicFrame>
+        </mc:Choice>
+        <mc:Fallback>
+          <p:graphicFrame>
+            <p:nvGraphicFramePr>
+              <p:cNvPr id="68" name="Table 67">
+                <a:extLst>
+                  <a:ext uri="{FF2B5EF4-FFF2-40B4-BE49-F238E27FC236}">
+                    <a16:creationId xmlns:a16="http://schemas.microsoft.com/office/drawing/2014/main" id="{A6CBAD45-6ABB-E4D1-A177-E8F048670020}"/>
+                  </a:ext>
+                </a:extLst>
+              </p:cNvPr>
+              <p:cNvGraphicFramePr>
+                <a:graphicFrameLocks noGrp="1"/>
+              </p:cNvGraphicFramePr>
+              <p:nvPr/>
+            </p:nvGraphicFramePr>
+            <p:xfrm>
+              <a:off x="6473921" y="5273487"/>
+              <a:ext cx="5445125" cy="699559"/>
+            </p:xfrm>
+            <a:graphic>
+              <a:graphicData uri="http://schemas.openxmlformats.org/drawingml/2006/table">
+                <a:tbl>
+                  <a:tblPr rtl="1" firstRow="1" bandRow="1">
+                    <a:tableStyleId>{5940675A-B579-460E-94D1-54222C63F5DA}</a:tableStyleId>
+                  </a:tblPr>
+                  <a:tblGrid>
+                    <a:gridCol w="990600">
+                      <a:extLst>
+                        <a:ext uri="{9D8B030D-6E8A-4147-A177-3AD203B41FA5}">
+                          <a16:colId xmlns:a16="http://schemas.microsoft.com/office/drawing/2014/main" val="2238849501"/>
+                        </a:ext>
+                      </a:extLst>
+                    </a:gridCol>
+                    <a:gridCol w="1187450">
+                      <a:extLst>
+                        <a:ext uri="{9D8B030D-6E8A-4147-A177-3AD203B41FA5}">
+                          <a16:colId xmlns:a16="http://schemas.microsoft.com/office/drawing/2014/main" val="3535756688"/>
+                        </a:ext>
+                      </a:extLst>
+                    </a:gridCol>
+                    <a:gridCol w="1089025">
+                      <a:extLst>
+                        <a:ext uri="{9D8B030D-6E8A-4147-A177-3AD203B41FA5}">
+                          <a16:colId xmlns:a16="http://schemas.microsoft.com/office/drawing/2014/main" val="1173842512"/>
+                        </a:ext>
+                      </a:extLst>
+                    </a:gridCol>
+                    <a:gridCol w="1089025">
+                      <a:extLst>
+                        <a:ext uri="{9D8B030D-6E8A-4147-A177-3AD203B41FA5}">
+                          <a16:colId xmlns:a16="http://schemas.microsoft.com/office/drawing/2014/main" val="3532938545"/>
+                        </a:ext>
+                      </a:extLst>
+                    </a:gridCol>
+                    <a:gridCol w="1089025">
+                      <a:extLst>
+                        <a:ext uri="{9D8B030D-6E8A-4147-A177-3AD203B41FA5}">
+                          <a16:colId xmlns:a16="http://schemas.microsoft.com/office/drawing/2014/main" val="2134653468"/>
+                        </a:ext>
+                      </a:extLst>
+                    </a:gridCol>
+                  </a:tblGrid>
+                  <a:tr h="699559">
+                    <a:tc>
+                      <a:txBody>
+                        <a:bodyPr/>
+                        <a:lstStyle/>
+                        <a:p>
+                          <a:endParaRPr lang="fa-IR"/>
+                        </a:p>
+                      </a:txBody>
+                      <a:tcPr anchor="ctr">
+                        <a:blipFill>
+                          <a:blip r:embed="rId10"/>
+                          <a:stretch>
+                            <a:fillRect l="-613" t="-870" r="-450307" b="-1739"/>
+                          </a:stretch>
+                        </a:blipFill>
+                      </a:tcPr>
+                    </a:tc>
+                    <a:tc>
+                      <a:txBody>
+                        <a:bodyPr/>
+                        <a:lstStyle/>
+                        <a:p>
+                          <a:endParaRPr lang="fa-IR"/>
+                        </a:p>
+                      </a:txBody>
+                      <a:tcPr anchor="ctr">
+                        <a:blipFill>
+                          <a:blip r:embed="rId10"/>
+                          <a:stretch>
+                            <a:fillRect l="-84103" t="-870" r="-276410" b="-1739"/>
+                          </a:stretch>
+                        </a:blipFill>
+                      </a:tcPr>
+                    </a:tc>
+                    <a:tc>
+                      <a:txBody>
+                        <a:bodyPr/>
+                        <a:lstStyle/>
+                        <a:p>
+                          <a:endParaRPr lang="fa-IR"/>
+                        </a:p>
+                      </a:txBody>
+                      <a:tcPr anchor="ctr">
+                        <a:blipFill>
+                          <a:blip r:embed="rId10"/>
+                          <a:stretch>
+                            <a:fillRect l="-200559" t="-870" r="-201117" b="-1739"/>
+                          </a:stretch>
+                        </a:blipFill>
+                      </a:tcPr>
+                    </a:tc>
+                    <a:tc>
+                      <a:txBody>
+                        <a:bodyPr/>
+                        <a:lstStyle/>
+                        <a:p>
+                          <a:endParaRPr lang="fa-IR"/>
+                        </a:p>
+                      </a:txBody>
+                      <a:tcPr anchor="ctr">
+                        <a:blipFill>
+                          <a:blip r:embed="rId10"/>
+                          <a:stretch>
+                            <a:fillRect l="-300559" t="-870" r="-101117" b="-1739"/>
+                          </a:stretch>
+                        </a:blipFill>
+                      </a:tcPr>
+                    </a:tc>
+                    <a:tc>
+                      <a:txBody>
+                        <a:bodyPr/>
+                        <a:lstStyle/>
+                        <a:p>
+                          <a:endParaRPr lang="fa-IR"/>
+                        </a:p>
+                      </a:txBody>
+                      <a:tcPr anchor="ctr">
+                        <a:blipFill>
+                          <a:blip r:embed="rId10"/>
+                          <a:stretch>
+                            <a:fillRect l="-400559" t="-870" r="-1117" b="-1739"/>
+                          </a:stretch>
+                        </a:blipFill>
+                      </a:tcPr>
+                    </a:tc>
+                    <a:extLst>
+                      <a:ext uri="{0D108BD9-81ED-4DB2-BD59-A6C34878D82A}">
+                        <a16:rowId xmlns:a16="http://schemas.microsoft.com/office/drawing/2014/main" val="2574226242"/>
+                      </a:ext>
+                    </a:extLst>
+                  </a:tr>
+                </a:tbl>
+              </a:graphicData>
+            </a:graphic>
+          </p:graphicFrame>
+        </mc:Fallback>
+      </mc:AlternateContent>
+      <mc:AlternateContent xmlns:mc="http://schemas.openxmlformats.org/markup-compatibility/2006">
+        <mc:Choice xmlns:a14="http://schemas.microsoft.com/office/drawing/2010/main" Requires="a14">
+          <p:graphicFrame>
+            <p:nvGraphicFramePr>
+              <p:cNvPr id="69" name="Table 68">
+                <a:extLst>
+                  <a:ext uri="{FF2B5EF4-FFF2-40B4-BE49-F238E27FC236}">
+                    <a16:creationId xmlns:a16="http://schemas.microsoft.com/office/drawing/2014/main" id="{EDDC6526-CAAB-666B-FE13-07A756D57AE1}"/>
+                  </a:ext>
+                </a:extLst>
+              </p:cNvPr>
+              <p:cNvGraphicFramePr>
+                <a:graphicFrameLocks noGrp="1"/>
+              </p:cNvGraphicFramePr>
+              <p:nvPr/>
+            </p:nvGraphicFramePr>
+            <p:xfrm>
+              <a:off x="6473921" y="5973583"/>
+              <a:ext cx="5445125" cy="699559"/>
+            </p:xfrm>
+            <a:graphic>
+              <a:graphicData uri="http://schemas.openxmlformats.org/drawingml/2006/table">
+                <a:tbl>
+                  <a:tblPr rtl="1" firstRow="1" bandRow="1">
+                    <a:tableStyleId>{5940675A-B579-460E-94D1-54222C63F5DA}</a:tableStyleId>
+                  </a:tblPr>
+                  <a:tblGrid>
+                    <a:gridCol w="990600">
+                      <a:extLst>
+                        <a:ext uri="{9D8B030D-6E8A-4147-A177-3AD203B41FA5}">
+                          <a16:colId xmlns:a16="http://schemas.microsoft.com/office/drawing/2014/main" val="2238849501"/>
+                        </a:ext>
+                      </a:extLst>
+                    </a:gridCol>
+                    <a:gridCol w="1187450">
+                      <a:extLst>
+                        <a:ext uri="{9D8B030D-6E8A-4147-A177-3AD203B41FA5}">
+                          <a16:colId xmlns:a16="http://schemas.microsoft.com/office/drawing/2014/main" val="3535756688"/>
+                        </a:ext>
+                      </a:extLst>
+                    </a:gridCol>
+                    <a:gridCol w="1089025">
+                      <a:extLst>
+                        <a:ext uri="{9D8B030D-6E8A-4147-A177-3AD203B41FA5}">
+                          <a16:colId xmlns:a16="http://schemas.microsoft.com/office/drawing/2014/main" val="1173842512"/>
+                        </a:ext>
+                      </a:extLst>
+                    </a:gridCol>
+                    <a:gridCol w="1089025">
+                      <a:extLst>
+                        <a:ext uri="{9D8B030D-6E8A-4147-A177-3AD203B41FA5}">
+                          <a16:colId xmlns:a16="http://schemas.microsoft.com/office/drawing/2014/main" val="3532938545"/>
+                        </a:ext>
+                      </a:extLst>
+                    </a:gridCol>
+                    <a:gridCol w="1089025">
+                      <a:extLst>
+                        <a:ext uri="{9D8B030D-6E8A-4147-A177-3AD203B41FA5}">
+                          <a16:colId xmlns:a16="http://schemas.microsoft.com/office/drawing/2014/main" val="2134653468"/>
+                        </a:ext>
+                      </a:extLst>
+                    </a:gridCol>
+                  </a:tblGrid>
+                  <a:tr h="699559">
+                    <a:tc>
+                      <a:txBody>
+                        <a:bodyPr/>
+                        <a:lstStyle/>
+                        <a:p>
+                          <a:pPr algn="l" rtl="1"/>
+                          <a14:m>
+                            <m:oMathPara xmlns:m="http://schemas.openxmlformats.org/officeDocument/2006/math">
+                              <m:oMathParaPr>
+                                <m:jc m:val="centerGroup"/>
+                              </m:oMathParaPr>
+                              <m:oMath xmlns:m="http://schemas.openxmlformats.org/officeDocument/2006/math">
+                                <m:sSub>
+                                  <m:sSubPr>
+                                    <m:ctrlPr>
+                                      <a:rPr lang="en-US" b="0" i="1" smtClean="0">
+                                        <a:latin typeface="Cambria Math" panose="02040503050406030204" pitchFamily="18" charset="0"/>
+                                      </a:rPr>
+                                    </m:ctrlPr>
+                                  </m:sSubPr>
+                                  <m:e>
+                                    <m:sSub>
+                                      <m:sSubPr>
+                                        <m:ctrlPr>
+                                          <a:rPr lang="en-US" sz="1800" b="0" i="1" kern="1200" smtClean="0">
+                                            <a:solidFill>
+                                              <a:schemeClr val="tx1"/>
+                                            </a:solidFill>
+                                            <a:latin typeface="Cambria Math" panose="02040503050406030204" pitchFamily="18" charset="0"/>
+                                            <a:ea typeface="+mn-ea"/>
+                                            <a:cs typeface="+mn-cs"/>
+                                          </a:rPr>
+                                        </m:ctrlPr>
+                                      </m:sSubPr>
+                                      <m:e>
+                                        <m:r>
+                                          <a:rPr lang="en-US" sz="1800" b="0" i="1" kern="1200" smtClean="0">
+                                            <a:solidFill>
+                                              <a:schemeClr val="tx1"/>
+                                            </a:solidFill>
+                                            <a:latin typeface="Cambria Math" panose="02040503050406030204" pitchFamily="18" charset="0"/>
+                                            <a:ea typeface="+mn-ea"/>
+                                            <a:cs typeface="+mn-cs"/>
+                                          </a:rPr>
+                                          <m:t>𝑉</m:t>
+                                        </m:r>
+                                      </m:e>
+                                      <m:sub>
+                                        <m:r>
+                                          <a:rPr lang="en-US" sz="1800" b="0" i="1" kern="1200" smtClean="0">
+                                            <a:solidFill>
+                                              <a:schemeClr val="tx1"/>
+                                            </a:solidFill>
+                                            <a:latin typeface="Cambria Math" panose="02040503050406030204" pitchFamily="18" charset="0"/>
+                                            <a:ea typeface="+mn-ea"/>
+                                            <a:cs typeface="+mn-cs"/>
+                                          </a:rPr>
+                                          <m:t>𝐵</m:t>
+                                        </m:r>
+                                      </m:sub>
+                                    </m:sSub>
+                                    <m:r>
+                                      <a:rPr lang="en-US" b="0" i="1" smtClean="0">
+                                        <a:latin typeface="Cambria Math" panose="02040503050406030204" pitchFamily="18" charset="0"/>
+                                      </a:rPr>
+                                      <m:t>.</m:t>
+                                    </m:r>
+                                    <m:r>
+                                      <a:rPr lang="en-US" b="0" i="1" smtClean="0">
+                                        <a:latin typeface="Cambria Math" panose="02040503050406030204" pitchFamily="18" charset="0"/>
+                                      </a:rPr>
+                                      <m:t>𝑇</m:t>
+                                    </m:r>
+                                  </m:e>
+                                  <m:sub>
+                                    <m:r>
+                                      <a:rPr lang="en-US" b="0" i="1" smtClean="0">
+                                        <a:latin typeface="Cambria Math" panose="02040503050406030204" pitchFamily="18" charset="0"/>
+                                      </a:rPr>
+                                      <m:t>𝑁</m:t>
+                                    </m:r>
+                                  </m:sub>
+                                </m:sSub>
+                              </m:oMath>
+                            </m:oMathPara>
+                          </a14:m>
+                          <a:endParaRPr lang="fa-IR" dirty="0"/>
+                        </a:p>
+                      </a:txBody>
+                      <a:tcPr anchor="ctr">
+                        <a:solidFill>
+                          <a:srgbClr val="DCE8FA"/>
+                        </a:solidFill>
+                      </a:tcPr>
+                    </a:tc>
+                    <a:tc>
+                      <a:txBody>
+                        <a:bodyPr/>
+                        <a:lstStyle/>
+                        <a:p>
+                          <a:pPr marL="0" marR="0" lvl="0" indent="0" algn="l" defTabSz="914400" rtl="1" eaLnBrk="1" fontAlgn="auto" latinLnBrk="0" hangingPunct="1">
+                            <a:lnSpc>
+                              <a:spcPct val="100000"/>
+                            </a:lnSpc>
+                            <a:spcBef>
+                              <a:spcPts val="0"/>
+                            </a:spcBef>
+                            <a:spcAft>
+                              <a:spcPts val="0"/>
+                            </a:spcAft>
+                            <a:buClrTx/>
+                            <a:buSzTx/>
+                            <a:buFontTx/>
+                            <a:buNone/>
+                            <a:tabLst/>
+                            <a:defRPr/>
+                          </a:pPr>
+                          <a14:m>
+                            <m:oMathPara xmlns:m="http://schemas.openxmlformats.org/officeDocument/2006/math">
+                              <m:oMathParaPr>
+                                <m:jc m:val="centerGroup"/>
+                              </m:oMathParaPr>
+                              <m:oMath xmlns:m="http://schemas.openxmlformats.org/officeDocument/2006/math">
+                                <m:sSub>
+                                  <m:sSubPr>
+                                    <m:ctrlPr>
+                                      <a:rPr lang="en-US" b="0" i="1" smtClean="0">
+                                        <a:latin typeface="Cambria Math" panose="02040503050406030204" pitchFamily="18" charset="0"/>
+                                      </a:rPr>
+                                    </m:ctrlPr>
+                                  </m:sSubPr>
+                                  <m:e>
+                                    <m:sSub>
+                                      <m:sSubPr>
+                                        <m:ctrlPr>
+                                          <a:rPr lang="en-US" sz="1800" b="0" i="1" kern="1200" smtClean="0">
+                                            <a:solidFill>
+                                              <a:schemeClr val="tx1"/>
+                                            </a:solidFill>
+                                            <a:latin typeface="Cambria Math" panose="02040503050406030204" pitchFamily="18" charset="0"/>
+                                            <a:ea typeface="+mn-ea"/>
+                                            <a:cs typeface="+mn-cs"/>
+                                          </a:rPr>
+                                        </m:ctrlPr>
+                                      </m:sSubPr>
+                                      <m:e>
+                                        <m:r>
+                                          <a:rPr lang="en-US" sz="1800" b="0" i="1" kern="1200" smtClean="0">
+                                            <a:solidFill>
+                                              <a:schemeClr val="tx1"/>
+                                            </a:solidFill>
+                                            <a:latin typeface="Cambria Math" panose="02040503050406030204" pitchFamily="18" charset="0"/>
+                                            <a:ea typeface="+mn-ea"/>
+                                            <a:cs typeface="+mn-cs"/>
+                                          </a:rPr>
+                                          <m:t>𝑉</m:t>
+                                        </m:r>
+                                      </m:e>
+                                      <m:sub>
+                                        <m:r>
+                                          <a:rPr lang="en-US" sz="1800" b="0" i="1" kern="1200" smtClean="0">
+                                            <a:solidFill>
+                                              <a:schemeClr val="tx1"/>
+                                            </a:solidFill>
+                                            <a:latin typeface="Cambria Math" panose="02040503050406030204" pitchFamily="18" charset="0"/>
+                                            <a:ea typeface="+mn-ea"/>
+                                            <a:cs typeface="+mn-cs"/>
+                                          </a:rPr>
+                                          <m:t>𝐵</m:t>
+                                        </m:r>
+                                      </m:sub>
+                                    </m:sSub>
+                                    <m:r>
+                                      <a:rPr lang="en-US" b="0" i="1" smtClean="0">
+                                        <a:latin typeface="Cambria Math" panose="02040503050406030204" pitchFamily="18" charset="0"/>
+                                      </a:rPr>
+                                      <m:t>.</m:t>
+                                    </m:r>
+                                    <m:r>
+                                      <a:rPr lang="en-US" b="0" i="1" smtClean="0">
+                                        <a:latin typeface="Cambria Math" panose="02040503050406030204" pitchFamily="18" charset="0"/>
+                                      </a:rPr>
+                                      <m:t>𝑇</m:t>
+                                    </m:r>
+                                  </m:e>
+                                  <m:sub>
+                                    <m:r>
+                                      <a:rPr lang="en-US" b="0" i="1" smtClean="0">
+                                        <a:latin typeface="Cambria Math" panose="02040503050406030204" pitchFamily="18" charset="0"/>
+                                      </a:rPr>
+                                      <m:t>𝑁</m:t>
+                                    </m:r>
+                                    <m:r>
+                                      <a:rPr lang="en-US" b="0" i="1" smtClean="0">
+                                        <a:latin typeface="Cambria Math" panose="02040503050406030204" pitchFamily="18" charset="0"/>
+                                      </a:rPr>
+                                      <m:t>−</m:t>
+                                    </m:r>
+                                    <m:r>
+                                      <a:rPr lang="en-US" b="0" i="1" smtClean="0">
+                                        <a:latin typeface="Cambria Math" panose="02040503050406030204" pitchFamily="18" charset="0"/>
+                                      </a:rPr>
+                                      <m:t>1</m:t>
+                                    </m:r>
+                                  </m:sub>
+                                </m:sSub>
+                              </m:oMath>
+                            </m:oMathPara>
+                          </a14:m>
+                          <a:endParaRPr lang="fa-IR" dirty="0"/>
+                        </a:p>
+                      </a:txBody>
+                      <a:tcPr anchor="ctr"/>
+                    </a:tc>
+                    <a:tc>
+                      <a:txBody>
+                        <a:bodyPr/>
+                        <a:lstStyle/>
+                        <a:p>
+                          <a:pPr algn="l" rtl="1"/>
+                          <a14:m>
+                            <m:oMathPara xmlns:m="http://schemas.openxmlformats.org/officeDocument/2006/math">
+                              <m:oMathParaPr>
+                                <m:jc m:val="centerGroup"/>
+                              </m:oMathParaPr>
+                              <m:oMath xmlns:m="http://schemas.openxmlformats.org/officeDocument/2006/math">
+                                <m:r>
+                                  <a:rPr lang="en-US" b="0" i="1" smtClean="0">
+                                    <a:latin typeface="Cambria Math" panose="02040503050406030204" pitchFamily="18" charset="0"/>
+                                  </a:rPr>
+                                  <m:t>…</m:t>
+                                </m:r>
+                              </m:oMath>
+                            </m:oMathPara>
+                          </a14:m>
+                          <a:endParaRPr lang="fa-IR" dirty="0"/>
+                        </a:p>
+                      </a:txBody>
+                      <a:tcPr anchor="ctr"/>
+                    </a:tc>
+                    <a:tc>
+                      <a:txBody>
+                        <a:bodyPr/>
+                        <a:lstStyle/>
+                        <a:p>
+                          <a:pPr algn="l" rtl="1"/>
+                          <a14:m>
+                            <m:oMathPara xmlns:m="http://schemas.openxmlformats.org/officeDocument/2006/math">
+                              <m:oMathParaPr>
+                                <m:jc m:val="centerGroup"/>
+                              </m:oMathParaPr>
+                              <m:oMath xmlns:m="http://schemas.openxmlformats.org/officeDocument/2006/math">
+                                <m:sSub>
+                                  <m:sSubPr>
+                                    <m:ctrlPr>
+                                      <a:rPr lang="en-US" b="0" i="1" smtClean="0">
+                                        <a:latin typeface="Cambria Math" panose="02040503050406030204" pitchFamily="18" charset="0"/>
+                                      </a:rPr>
+                                    </m:ctrlPr>
+                                  </m:sSubPr>
+                                  <m:e>
+                                    <m:sSub>
+                                      <m:sSubPr>
+                                        <m:ctrlPr>
+                                          <a:rPr lang="en-US" sz="1800" b="0" i="1" kern="1200" smtClean="0">
+                                            <a:solidFill>
+                                              <a:schemeClr val="tx1"/>
+                                            </a:solidFill>
+                                            <a:latin typeface="Cambria Math" panose="02040503050406030204" pitchFamily="18" charset="0"/>
+                                            <a:ea typeface="+mn-ea"/>
+                                            <a:cs typeface="+mn-cs"/>
+                                          </a:rPr>
+                                        </m:ctrlPr>
+                                      </m:sSubPr>
+                                      <m:e>
+                                        <m:r>
+                                          <a:rPr lang="en-US" sz="1800" b="0" i="1" kern="1200" smtClean="0">
+                                            <a:solidFill>
+                                              <a:schemeClr val="tx1"/>
+                                            </a:solidFill>
+                                            <a:latin typeface="Cambria Math" panose="02040503050406030204" pitchFamily="18" charset="0"/>
+                                            <a:ea typeface="+mn-ea"/>
+                                            <a:cs typeface="+mn-cs"/>
+                                          </a:rPr>
+                                          <m:t>𝑉</m:t>
+                                        </m:r>
+                                      </m:e>
+                                      <m:sub>
+                                        <m:r>
+                                          <a:rPr lang="en-US" sz="1800" b="0" i="1" kern="1200" smtClean="0">
+                                            <a:solidFill>
+                                              <a:schemeClr val="tx1"/>
+                                            </a:solidFill>
+                                            <a:latin typeface="Cambria Math" panose="02040503050406030204" pitchFamily="18" charset="0"/>
+                                            <a:ea typeface="+mn-ea"/>
+                                            <a:cs typeface="+mn-cs"/>
+                                          </a:rPr>
+                                          <m:t>𝐵</m:t>
+                                        </m:r>
+                                      </m:sub>
+                                    </m:sSub>
+                                    <m:r>
+                                      <a:rPr lang="en-US" b="0" i="1" smtClean="0">
+                                        <a:latin typeface="Cambria Math" panose="02040503050406030204" pitchFamily="18" charset="0"/>
+                                      </a:rPr>
+                                      <m:t>.</m:t>
+                                    </m:r>
+                                    <m:r>
+                                      <a:rPr lang="en-US" b="0" i="1" smtClean="0">
+                                        <a:latin typeface="Cambria Math" panose="02040503050406030204" pitchFamily="18" charset="0"/>
+                                      </a:rPr>
+                                      <m:t>𝑇</m:t>
+                                    </m:r>
+                                  </m:e>
+                                  <m:sub>
+                                    <m:r>
+                                      <a:rPr lang="en-US" b="0" i="1" smtClean="0">
+                                        <a:latin typeface="Cambria Math" panose="02040503050406030204" pitchFamily="18" charset="0"/>
+                                      </a:rPr>
+                                      <m:t>2</m:t>
+                                    </m:r>
+                                  </m:sub>
+                                </m:sSub>
+                              </m:oMath>
+                            </m:oMathPara>
+                          </a14:m>
+                          <a:endParaRPr lang="fa-IR" dirty="0"/>
+                        </a:p>
+                      </a:txBody>
+                      <a:tcPr anchor="ctr">
+                        <a:solidFill>
+                          <a:schemeClr val="bg1"/>
+                        </a:solidFill>
+                      </a:tcPr>
+                    </a:tc>
+                    <a:tc>
+                      <a:txBody>
+                        <a:bodyPr/>
+                        <a:lstStyle/>
+                        <a:p>
+                          <a:pPr algn="l" rtl="1"/>
+                          <a14:m>
+                            <m:oMathPara xmlns:m="http://schemas.openxmlformats.org/officeDocument/2006/math">
+                              <m:oMathParaPr>
+                                <m:jc m:val="centerGroup"/>
+                              </m:oMathParaPr>
+                              <m:oMath xmlns:m="http://schemas.openxmlformats.org/officeDocument/2006/math">
+                                <m:sSub>
+                                  <m:sSubPr>
+                                    <m:ctrlPr>
+                                      <a:rPr lang="en-US" sz="1800" b="0" i="1" kern="1200" smtClean="0">
+                                        <a:solidFill>
+                                          <a:schemeClr val="tx1"/>
+                                        </a:solidFill>
+                                        <a:latin typeface="Cambria Math" panose="02040503050406030204" pitchFamily="18" charset="0"/>
+                                        <a:ea typeface="+mn-ea"/>
+                                        <a:cs typeface="+mn-cs"/>
+                                      </a:rPr>
+                                    </m:ctrlPr>
+                                  </m:sSubPr>
+                                  <m:e>
+                                    <m:r>
+                                      <a:rPr lang="en-US" sz="1800" b="0" i="1" kern="1200" smtClean="0">
+                                        <a:solidFill>
+                                          <a:schemeClr val="tx1"/>
+                                        </a:solidFill>
+                                        <a:latin typeface="Cambria Math" panose="02040503050406030204" pitchFamily="18" charset="0"/>
+                                        <a:ea typeface="+mn-ea"/>
+                                        <a:cs typeface="+mn-cs"/>
+                                      </a:rPr>
+                                      <m:t>𝑉</m:t>
+                                    </m:r>
+                                  </m:e>
+                                  <m:sub>
+                                    <m:r>
+                                      <a:rPr lang="en-US" sz="1800" b="0" i="1" kern="1200" smtClean="0">
+                                        <a:solidFill>
+                                          <a:schemeClr val="tx1"/>
+                                        </a:solidFill>
+                                        <a:latin typeface="Cambria Math" panose="02040503050406030204" pitchFamily="18" charset="0"/>
+                                        <a:ea typeface="+mn-ea"/>
+                                        <a:cs typeface="+mn-cs"/>
+                                      </a:rPr>
+                                      <m:t>𝐵</m:t>
+                                    </m:r>
+                                  </m:sub>
+                                </m:sSub>
+                                <m:r>
+                                  <a:rPr lang="en-US" sz="1800" b="0" i="1" kern="1200" smtClean="0">
+                                    <a:solidFill>
+                                      <a:schemeClr val="tx1"/>
+                                    </a:solidFill>
+                                    <a:latin typeface="Cambria Math" panose="02040503050406030204" pitchFamily="18" charset="0"/>
+                                    <a:ea typeface="+mn-ea"/>
+                                    <a:cs typeface="+mn-cs"/>
+                                  </a:rPr>
+                                  <m:t>.</m:t>
+                                </m:r>
+                                <m:sSub>
+                                  <m:sSubPr>
+                                    <m:ctrlPr>
+                                      <a:rPr lang="en-US" sz="1800" b="0" i="1" kern="1200" smtClean="0">
+                                        <a:solidFill>
+                                          <a:schemeClr val="tx1"/>
+                                        </a:solidFill>
+                                        <a:latin typeface="Cambria Math" panose="02040503050406030204" pitchFamily="18" charset="0"/>
+                                        <a:ea typeface="+mn-ea"/>
+                                        <a:cs typeface="+mn-cs"/>
+                                      </a:rPr>
+                                    </m:ctrlPr>
+                                  </m:sSubPr>
+                                  <m:e>
+                                    <m:r>
+                                      <a:rPr lang="en-US" sz="1800" b="0" i="1" kern="1200" smtClean="0">
+                                        <a:solidFill>
+                                          <a:schemeClr val="tx1"/>
+                                        </a:solidFill>
+                                        <a:latin typeface="Cambria Math" panose="02040503050406030204" pitchFamily="18" charset="0"/>
+                                        <a:ea typeface="+mn-ea"/>
+                                        <a:cs typeface="+mn-cs"/>
+                                      </a:rPr>
+                                      <m:t>𝑇</m:t>
+                                    </m:r>
+                                  </m:e>
+                                  <m:sub>
+                                    <m:r>
+                                      <a:rPr lang="en-US" sz="1800" b="0" i="1" kern="1200" smtClean="0">
+                                        <a:solidFill>
+                                          <a:schemeClr val="tx1"/>
+                                        </a:solidFill>
+                                        <a:latin typeface="Cambria Math" panose="02040503050406030204" pitchFamily="18" charset="0"/>
+                                        <a:ea typeface="+mn-ea"/>
+                                        <a:cs typeface="+mn-cs"/>
+                                      </a:rPr>
+                                      <m:t>1</m:t>
+                                    </m:r>
+                                  </m:sub>
+                                </m:sSub>
+                              </m:oMath>
+                            </m:oMathPara>
+                          </a14:m>
+                          <a:endParaRPr lang="fa-IR" sz="1800" b="0" i="1" kern="1200" dirty="0">
+                            <a:solidFill>
+                              <a:schemeClr val="tx1"/>
+                            </a:solidFill>
+                            <a:latin typeface="Cambria Math" panose="02040503050406030204" pitchFamily="18" charset="0"/>
+                            <a:ea typeface="+mn-ea"/>
+                            <a:cs typeface="+mn-cs"/>
+                          </a:endParaRPr>
+                        </a:p>
+                      </a:txBody>
+                      <a:tcPr anchor="ctr">
+                        <a:solidFill>
+                          <a:schemeClr val="bg1"/>
+                        </a:solidFill>
+                      </a:tcPr>
+                    </a:tc>
+                    <a:extLst>
+                      <a:ext uri="{0D108BD9-81ED-4DB2-BD59-A6C34878D82A}">
+                        <a16:rowId xmlns:a16="http://schemas.microsoft.com/office/drawing/2014/main" val="2574226242"/>
+                      </a:ext>
+                    </a:extLst>
+                  </a:tr>
+                </a:tbl>
+              </a:graphicData>
+            </a:graphic>
+          </p:graphicFrame>
+        </mc:Choice>
+        <mc:Fallback>
+          <p:graphicFrame>
+            <p:nvGraphicFramePr>
+              <p:cNvPr id="69" name="Table 68">
+                <a:extLst>
+                  <a:ext uri="{FF2B5EF4-FFF2-40B4-BE49-F238E27FC236}">
+                    <a16:creationId xmlns:a16="http://schemas.microsoft.com/office/drawing/2014/main" id="{EDDC6526-CAAB-666B-FE13-07A756D57AE1}"/>
+                  </a:ext>
+                </a:extLst>
+              </p:cNvPr>
+              <p:cNvGraphicFramePr>
+                <a:graphicFrameLocks noGrp="1"/>
+              </p:cNvGraphicFramePr>
+              <p:nvPr/>
+            </p:nvGraphicFramePr>
+            <p:xfrm>
+              <a:off x="6473921" y="5973583"/>
+              <a:ext cx="5445125" cy="699559"/>
+            </p:xfrm>
+            <a:graphic>
+              <a:graphicData uri="http://schemas.openxmlformats.org/drawingml/2006/table">
+                <a:tbl>
+                  <a:tblPr rtl="1" firstRow="1" bandRow="1">
+                    <a:tableStyleId>{5940675A-B579-460E-94D1-54222C63F5DA}</a:tableStyleId>
+                  </a:tblPr>
+                  <a:tblGrid>
+                    <a:gridCol w="990600">
+                      <a:extLst>
+                        <a:ext uri="{9D8B030D-6E8A-4147-A177-3AD203B41FA5}">
+                          <a16:colId xmlns:a16="http://schemas.microsoft.com/office/drawing/2014/main" val="2238849501"/>
+                        </a:ext>
+                      </a:extLst>
+                    </a:gridCol>
+                    <a:gridCol w="1187450">
+                      <a:extLst>
+                        <a:ext uri="{9D8B030D-6E8A-4147-A177-3AD203B41FA5}">
+                          <a16:colId xmlns:a16="http://schemas.microsoft.com/office/drawing/2014/main" val="3535756688"/>
+                        </a:ext>
+                      </a:extLst>
+                    </a:gridCol>
+                    <a:gridCol w="1089025">
+                      <a:extLst>
+                        <a:ext uri="{9D8B030D-6E8A-4147-A177-3AD203B41FA5}">
+                          <a16:colId xmlns:a16="http://schemas.microsoft.com/office/drawing/2014/main" val="1173842512"/>
+                        </a:ext>
+                      </a:extLst>
+                    </a:gridCol>
+                    <a:gridCol w="1089025">
+                      <a:extLst>
+                        <a:ext uri="{9D8B030D-6E8A-4147-A177-3AD203B41FA5}">
+                          <a16:colId xmlns:a16="http://schemas.microsoft.com/office/drawing/2014/main" val="3532938545"/>
+                        </a:ext>
+                      </a:extLst>
+                    </a:gridCol>
+                    <a:gridCol w="1089025">
+                      <a:extLst>
+                        <a:ext uri="{9D8B030D-6E8A-4147-A177-3AD203B41FA5}">
+                          <a16:colId xmlns:a16="http://schemas.microsoft.com/office/drawing/2014/main" val="2134653468"/>
+                        </a:ext>
+                      </a:extLst>
+                    </a:gridCol>
+                  </a:tblGrid>
+                  <a:tr h="699559">
+                    <a:tc>
+                      <a:txBody>
+                        <a:bodyPr/>
+                        <a:lstStyle/>
+                        <a:p>
+                          <a:endParaRPr lang="fa-IR"/>
+                        </a:p>
+                      </a:txBody>
+                      <a:tcPr anchor="ctr">
+                        <a:blipFill>
+                          <a:blip r:embed="rId11"/>
+                          <a:stretch>
+                            <a:fillRect l="-613" t="-862" r="-450307" b="-1724"/>
+                          </a:stretch>
+                        </a:blipFill>
+                      </a:tcPr>
+                    </a:tc>
+                    <a:tc>
+                      <a:txBody>
+                        <a:bodyPr/>
+                        <a:lstStyle/>
+                        <a:p>
+                          <a:endParaRPr lang="fa-IR"/>
+                        </a:p>
+                      </a:txBody>
+                      <a:tcPr anchor="ctr">
+                        <a:blipFill>
+                          <a:blip r:embed="rId11"/>
+                          <a:stretch>
+                            <a:fillRect l="-84103" t="-862" r="-276410" b="-1724"/>
+                          </a:stretch>
+                        </a:blipFill>
+                      </a:tcPr>
+                    </a:tc>
+                    <a:tc>
+                      <a:txBody>
+                        <a:bodyPr/>
+                        <a:lstStyle/>
+                        <a:p>
+                          <a:endParaRPr lang="fa-IR"/>
+                        </a:p>
+                      </a:txBody>
+                      <a:tcPr anchor="ctr">
+                        <a:blipFill>
+                          <a:blip r:embed="rId11"/>
+                          <a:stretch>
+                            <a:fillRect l="-200559" t="-862" r="-201117" b="-1724"/>
+                          </a:stretch>
+                        </a:blipFill>
+                      </a:tcPr>
+                    </a:tc>
+                    <a:tc>
+                      <a:txBody>
+                        <a:bodyPr/>
+                        <a:lstStyle/>
+                        <a:p>
+                          <a:endParaRPr lang="fa-IR"/>
+                        </a:p>
+                      </a:txBody>
+                      <a:tcPr anchor="ctr">
+                        <a:blipFill>
+                          <a:blip r:embed="rId11"/>
+                          <a:stretch>
+                            <a:fillRect l="-300559" t="-862" r="-101117" b="-1724"/>
+                          </a:stretch>
+                        </a:blipFill>
+                      </a:tcPr>
+                    </a:tc>
+                    <a:tc>
+                      <a:txBody>
+                        <a:bodyPr/>
+                        <a:lstStyle/>
+                        <a:p>
+                          <a:endParaRPr lang="fa-IR"/>
+                        </a:p>
+                      </a:txBody>
+                      <a:tcPr anchor="ctr">
+                        <a:blipFill>
+                          <a:blip r:embed="rId11"/>
+                          <a:stretch>
+                            <a:fillRect l="-400559" t="-862" r="-1117" b="-1724"/>
+                          </a:stretch>
+                        </a:blipFill>
+                      </a:tcPr>
+                    </a:tc>
+                    <a:extLst>
+                      <a:ext uri="{0D108BD9-81ED-4DB2-BD59-A6C34878D82A}">
+                        <a16:rowId xmlns:a16="http://schemas.microsoft.com/office/drawing/2014/main" val="2574226242"/>
+                      </a:ext>
+                    </a:extLst>
+                  </a:tr>
+                </a:tbl>
+              </a:graphicData>
+            </a:graphic>
+          </p:graphicFrame>
+        </mc:Fallback>
+      </mc:AlternateContent>
+      <mc:AlternateContent xmlns:mc="http://schemas.openxmlformats.org/markup-compatibility/2006">
+        <mc:Choice xmlns:a14="http://schemas.microsoft.com/office/drawing/2010/main" Requires="a14">
+          <p:graphicFrame>
+            <p:nvGraphicFramePr>
+              <p:cNvPr id="70" name="Table 69">
+                <a:extLst>
+                  <a:ext uri="{FF2B5EF4-FFF2-40B4-BE49-F238E27FC236}">
+                    <a16:creationId xmlns:a16="http://schemas.microsoft.com/office/drawing/2014/main" id="{3B59057E-DCBC-4A9D-1C86-614F70D97966}"/>
+                  </a:ext>
+                </a:extLst>
+              </p:cNvPr>
+              <p:cNvGraphicFramePr>
+                <a:graphicFrameLocks noGrp="1"/>
+              </p:cNvGraphicFramePr>
+              <p:nvPr/>
+            </p:nvGraphicFramePr>
+            <p:xfrm>
+              <a:off x="5273454" y="3176797"/>
+              <a:ext cx="1090020" cy="3496345"/>
+            </p:xfrm>
+            <a:graphic>
+              <a:graphicData uri="http://schemas.openxmlformats.org/drawingml/2006/table">
+                <a:tbl>
+                  <a:tblPr rtl="1" firstRow="1" bandRow="1">
+                    <a:tableStyleId>{5940675A-B579-460E-94D1-54222C63F5DA}</a:tableStyleId>
+                  </a:tblPr>
+                  <a:tblGrid>
+                    <a:gridCol w="1090020">
+                      <a:extLst>
+                        <a:ext uri="{9D8B030D-6E8A-4147-A177-3AD203B41FA5}">
+                          <a16:colId xmlns:a16="http://schemas.microsoft.com/office/drawing/2014/main" val="3665383152"/>
+                        </a:ext>
+                      </a:extLst>
+                    </a:gridCol>
+                  </a:tblGrid>
+                  <a:tr h="699269">
+                    <a:tc>
+                      <a:txBody>
+                        <a:bodyPr/>
+                        <a:lstStyle/>
+                        <a:p>
+                          <a:pPr marL="0" marR="0" lvl="0" indent="0" algn="l" defTabSz="914400" rtl="1" eaLnBrk="1" fontAlgn="auto" latinLnBrk="0" hangingPunct="1">
+                            <a:lnSpc>
+                              <a:spcPct val="100000"/>
+                            </a:lnSpc>
+                            <a:spcBef>
+                              <a:spcPts val="0"/>
+                            </a:spcBef>
+                            <a:spcAft>
+                              <a:spcPts val="0"/>
+                            </a:spcAft>
+                            <a:buClrTx/>
+                            <a:buSzTx/>
+                            <a:buFontTx/>
+                            <a:buNone/>
+                            <a:tabLst/>
+                            <a:defRPr/>
+                          </a:pPr>
+                          <a14:m>
+                            <m:oMathPara xmlns:m="http://schemas.openxmlformats.org/officeDocument/2006/math">
+                              <m:oMathParaPr>
+                                <m:jc m:val="centerGroup"/>
+                              </m:oMathParaPr>
+                              <m:oMath xmlns:m="http://schemas.openxmlformats.org/officeDocument/2006/math">
+                                <m:sSub>
+                                  <m:sSubPr>
+                                    <m:ctrlPr>
+                                      <a:rPr kumimoji="0" lang="en-US" sz="1800" b="0" i="1" u="none" strike="noStrike" kern="1200" cap="none" spc="0" normalizeH="0" baseline="0" noProof="0" smtClean="0">
+                                        <a:ln>
+                                          <a:noFill/>
+                                        </a:ln>
+                                        <a:solidFill>
+                                          <a:prstClr val="black"/>
+                                        </a:solidFill>
+                                        <a:effectLst/>
+                                        <a:uLnTx/>
+                                        <a:uFillTx/>
+                                        <a:latin typeface="Cambria Math" panose="02040503050406030204" pitchFamily="18" charset="0"/>
+                                        <a:ea typeface="+mn-ea"/>
+                                        <a:cs typeface="+mn-cs"/>
+                                      </a:rPr>
+                                    </m:ctrlPr>
+                                  </m:sSubPr>
+                                  <m:e>
+                                    <m:r>
+                                      <a:rPr kumimoji="0" lang="en-US" sz="1800" b="0" i="1" u="none" strike="noStrike" kern="1200" cap="none" spc="0" normalizeH="0" baseline="0" noProof="0" smtClean="0">
+                                        <a:ln>
+                                          <a:noFill/>
+                                        </a:ln>
+                                        <a:solidFill>
+                                          <a:prstClr val="black"/>
+                                        </a:solidFill>
+                                        <a:effectLst/>
+                                        <a:uLnTx/>
+                                        <a:uFillTx/>
+                                        <a:latin typeface="Cambria Math" panose="02040503050406030204" pitchFamily="18" charset="0"/>
+                                        <a:ea typeface="+mn-ea"/>
+                                        <a:cs typeface="+mn-cs"/>
+                                      </a:rPr>
+                                      <m:t>𝑉</m:t>
+                                    </m:r>
+                                  </m:e>
+                                  <m:sub>
+                                    <m:r>
+                                      <a:rPr kumimoji="0" lang="en-US" sz="1800" b="0" i="1" u="none" strike="noStrike" kern="1200" cap="none" spc="0" normalizeH="0" baseline="0" noProof="0" smtClean="0">
+                                        <a:ln>
+                                          <a:noFill/>
+                                        </a:ln>
+                                        <a:solidFill>
+                                          <a:prstClr val="black"/>
+                                        </a:solidFill>
+                                        <a:effectLst/>
+                                        <a:uLnTx/>
+                                        <a:uFillTx/>
+                                        <a:latin typeface="Cambria Math" panose="02040503050406030204" pitchFamily="18" charset="0"/>
+                                        <a:ea typeface="+mn-ea"/>
+                                        <a:cs typeface="+mn-cs"/>
+                                      </a:rPr>
+                                      <m:t>1</m:t>
+                                    </m:r>
+                                  </m:sub>
+                                </m:sSub>
+                              </m:oMath>
+                            </m:oMathPara>
+                          </a14:m>
+                          <a:endParaRPr lang="fa-IR" dirty="0"/>
+                        </a:p>
+                      </a:txBody>
+                      <a:tcPr anchor="ctr">
+                        <a:solidFill>
+                          <a:srgbClr val="D8E7D6"/>
+                        </a:solidFill>
+                      </a:tcPr>
+                    </a:tc>
+                    <a:extLst>
+                      <a:ext uri="{0D108BD9-81ED-4DB2-BD59-A6C34878D82A}">
+                        <a16:rowId xmlns:a16="http://schemas.microsoft.com/office/drawing/2014/main" val="331585855"/>
+                      </a:ext>
+                    </a:extLst>
+                  </a:tr>
+                  <a:tr h="699269">
+                    <a:tc>
+                      <a:txBody>
+                        <a:bodyPr/>
+                        <a:lstStyle/>
+                        <a:p>
+                          <a:pPr algn="l" rtl="1"/>
+                          <a14:m>
+                            <m:oMathPara xmlns:m="http://schemas.openxmlformats.org/officeDocument/2006/math">
+                              <m:oMathParaPr>
+                                <m:jc m:val="centerGroup"/>
+                              </m:oMathParaPr>
+                              <m:oMath xmlns:m="http://schemas.openxmlformats.org/officeDocument/2006/math">
+                                <m:sSub>
+                                  <m:sSubPr>
+                                    <m:ctrlPr>
+                                      <a:rPr kumimoji="0" lang="en-US" sz="1800" b="0" i="1" u="none" strike="noStrike" kern="1200" cap="none" spc="0" normalizeH="0" baseline="0" noProof="0" smtClean="0">
+                                        <a:ln>
+                                          <a:noFill/>
+                                        </a:ln>
+                                        <a:solidFill>
+                                          <a:prstClr val="black"/>
+                                        </a:solidFill>
+                                        <a:effectLst/>
+                                        <a:uLnTx/>
+                                        <a:uFillTx/>
+                                        <a:latin typeface="Cambria Math" panose="02040503050406030204" pitchFamily="18" charset="0"/>
+                                        <a:ea typeface="+mn-ea"/>
+                                        <a:cs typeface="+mn-cs"/>
+                                      </a:rPr>
+                                    </m:ctrlPr>
+                                  </m:sSubPr>
+                                  <m:e>
+                                    <m:r>
+                                      <a:rPr kumimoji="0" lang="en-US" sz="1800" b="0" i="1" u="none" strike="noStrike" kern="1200" cap="none" spc="0" normalizeH="0" baseline="0" noProof="0" smtClean="0">
+                                        <a:ln>
+                                          <a:noFill/>
+                                        </a:ln>
+                                        <a:solidFill>
+                                          <a:prstClr val="black"/>
+                                        </a:solidFill>
+                                        <a:effectLst/>
+                                        <a:uLnTx/>
+                                        <a:uFillTx/>
+                                        <a:latin typeface="Cambria Math" panose="02040503050406030204" pitchFamily="18" charset="0"/>
+                                        <a:ea typeface="+mn-ea"/>
+                                        <a:cs typeface="+mn-cs"/>
+                                      </a:rPr>
+                                      <m:t>𝑉</m:t>
+                                    </m:r>
+                                  </m:e>
+                                  <m:sub>
+                                    <m:r>
+                                      <a:rPr kumimoji="0" lang="en-US" sz="1800" b="0" i="1" u="none" strike="noStrike" kern="1200" cap="none" spc="0" normalizeH="0" baseline="0" noProof="0" smtClean="0">
+                                        <a:ln>
+                                          <a:noFill/>
+                                        </a:ln>
+                                        <a:solidFill>
+                                          <a:prstClr val="black"/>
+                                        </a:solidFill>
+                                        <a:effectLst/>
+                                        <a:uLnTx/>
+                                        <a:uFillTx/>
+                                        <a:latin typeface="Cambria Math" panose="02040503050406030204" pitchFamily="18" charset="0"/>
+                                        <a:ea typeface="+mn-ea"/>
+                                        <a:cs typeface="+mn-cs"/>
+                                      </a:rPr>
+                                      <m:t>2</m:t>
+                                    </m:r>
+                                  </m:sub>
+                                </m:sSub>
+                              </m:oMath>
+                            </m:oMathPara>
+                          </a14:m>
+                          <a:endParaRPr lang="fa-IR" dirty="0"/>
+                        </a:p>
+                      </a:txBody>
+                      <a:tcPr anchor="ctr">
+                        <a:solidFill>
+                          <a:srgbClr val="D8E7D6"/>
+                        </a:solidFill>
+                      </a:tcPr>
+                    </a:tc>
+                    <a:extLst>
+                      <a:ext uri="{0D108BD9-81ED-4DB2-BD59-A6C34878D82A}">
+                        <a16:rowId xmlns:a16="http://schemas.microsoft.com/office/drawing/2014/main" val="3132727851"/>
+                      </a:ext>
+                    </a:extLst>
+                  </a:tr>
+                  <a:tr h="699269">
+                    <a:tc>
+                      <a:txBody>
+                        <a:bodyPr/>
+                        <a:lstStyle/>
+                        <a:p>
+                          <a:pPr algn="l" rtl="1"/>
+                          <a14:m>
+                            <m:oMathPara xmlns:m="http://schemas.openxmlformats.org/officeDocument/2006/math">
+                              <m:oMathParaPr>
+                                <m:jc m:val="centerGroup"/>
+                              </m:oMathParaPr>
+                              <m:oMath xmlns:m="http://schemas.openxmlformats.org/officeDocument/2006/math">
+                                <m:r>
+                                  <a:rPr kumimoji="0" lang="en-US" sz="1800" b="0" i="1" u="none" strike="noStrike" kern="1200" cap="none" spc="0" normalizeH="0" baseline="0" noProof="0" smtClean="0">
+                                    <a:ln>
+                                      <a:noFill/>
+                                    </a:ln>
+                                    <a:solidFill>
+                                      <a:prstClr val="black"/>
+                                    </a:solidFill>
+                                    <a:effectLst/>
+                                    <a:uLnTx/>
+                                    <a:uFillTx/>
+                                    <a:latin typeface="Cambria Math" panose="02040503050406030204" pitchFamily="18" charset="0"/>
+                                    <a:ea typeface="+mn-ea"/>
+                                    <a:cs typeface="+mn-cs"/>
+                                  </a:rPr>
+                                  <m:t>…</m:t>
+                                </m:r>
+                              </m:oMath>
+                            </m:oMathPara>
+                          </a14:m>
+                          <a:endParaRPr lang="fa-IR" dirty="0"/>
+                        </a:p>
+                      </a:txBody>
+                      <a:tcPr anchor="ctr">
+                        <a:solidFill>
+                          <a:srgbClr val="D8E7D6"/>
+                        </a:solidFill>
+                      </a:tcPr>
+                    </a:tc>
+                    <a:extLst>
+                      <a:ext uri="{0D108BD9-81ED-4DB2-BD59-A6C34878D82A}">
+                        <a16:rowId xmlns:a16="http://schemas.microsoft.com/office/drawing/2014/main" val="3735263647"/>
+                      </a:ext>
+                    </a:extLst>
+                  </a:tr>
+                  <a:tr h="699269">
+                    <a:tc>
+                      <a:txBody>
+                        <a:bodyPr/>
+                        <a:lstStyle/>
+                        <a:p>
+                          <a:pPr algn="l" rtl="1"/>
+                          <a14:m>
+                            <m:oMathPara xmlns:m="http://schemas.openxmlformats.org/officeDocument/2006/math">
+                              <m:oMathParaPr>
+                                <m:jc m:val="centerGroup"/>
+                              </m:oMathParaPr>
+                              <m:oMath xmlns:m="http://schemas.openxmlformats.org/officeDocument/2006/math">
+                                <m:sSub>
+                                  <m:sSubPr>
+                                    <m:ctrlPr>
+                                      <a:rPr lang="en-US" sz="1800" b="0" i="1" kern="1200" smtClean="0">
+                                        <a:solidFill>
+                                          <a:schemeClr val="tx1"/>
+                                        </a:solidFill>
+                                        <a:latin typeface="Cambria Math" panose="02040503050406030204" pitchFamily="18" charset="0"/>
+                                        <a:ea typeface="+mn-ea"/>
+                                        <a:cs typeface="+mn-cs"/>
+                                      </a:rPr>
+                                    </m:ctrlPr>
+                                  </m:sSubPr>
+                                  <m:e>
+                                    <m:r>
+                                      <a:rPr lang="en-US" sz="1800" b="0" i="1" kern="1200" smtClean="0">
+                                        <a:solidFill>
+                                          <a:schemeClr val="tx1"/>
+                                        </a:solidFill>
+                                        <a:latin typeface="Cambria Math" panose="02040503050406030204" pitchFamily="18" charset="0"/>
+                                        <a:ea typeface="+mn-ea"/>
+                                        <a:cs typeface="+mn-cs"/>
+                                      </a:rPr>
+                                      <m:t>𝑉</m:t>
+                                    </m:r>
+                                  </m:e>
+                                  <m:sub>
+                                    <m:r>
+                                      <a:rPr lang="en-US" b="0" i="1" smtClean="0">
+                                        <a:latin typeface="Cambria Math" panose="02040503050406030204" pitchFamily="18" charset="0"/>
+                                      </a:rPr>
+                                      <m:t>𝐵</m:t>
+                                    </m:r>
+                                    <m:r>
+                                      <a:rPr lang="en-US" b="0" i="1" smtClean="0">
+                                        <a:latin typeface="Cambria Math" panose="02040503050406030204" pitchFamily="18" charset="0"/>
+                                      </a:rPr>
+                                      <m:t>−</m:t>
+                                    </m:r>
+                                    <m:r>
+                                      <a:rPr lang="en-US" b="0" i="1" smtClean="0">
+                                        <a:latin typeface="Cambria Math" panose="02040503050406030204" pitchFamily="18" charset="0"/>
+                                      </a:rPr>
+                                      <m:t>1</m:t>
+                                    </m:r>
+                                  </m:sub>
+                                </m:sSub>
+                              </m:oMath>
+                            </m:oMathPara>
+                          </a14:m>
+                          <a:endParaRPr lang="fa-IR" dirty="0"/>
+                        </a:p>
+                      </a:txBody>
+                      <a:tcPr anchor="ctr">
+                        <a:solidFill>
+                          <a:srgbClr val="D8E7D6"/>
+                        </a:solidFill>
+                      </a:tcPr>
+                    </a:tc>
+                    <a:extLst>
+                      <a:ext uri="{0D108BD9-81ED-4DB2-BD59-A6C34878D82A}">
+                        <a16:rowId xmlns:a16="http://schemas.microsoft.com/office/drawing/2014/main" val="3995796963"/>
+                      </a:ext>
+                    </a:extLst>
+                  </a:tr>
+                  <a:tr h="699269">
+                    <a:tc>
+                      <a:txBody>
+                        <a:bodyPr/>
+                        <a:lstStyle/>
+                        <a:p>
+                          <a:pPr algn="l" rtl="1"/>
+                          <a14:m>
+                            <m:oMathPara xmlns:m="http://schemas.openxmlformats.org/officeDocument/2006/math">
+                              <m:oMathParaPr>
+                                <m:jc m:val="centerGroup"/>
+                              </m:oMathParaPr>
+                              <m:oMath xmlns:m="http://schemas.openxmlformats.org/officeDocument/2006/math">
+                                <m:sSub>
+                                  <m:sSubPr>
+                                    <m:ctrlPr>
+                                      <a:rPr lang="en-US" sz="1800" b="0" i="1" kern="1200" smtClean="0">
+                                        <a:solidFill>
+                                          <a:schemeClr val="tx1"/>
+                                        </a:solidFill>
+                                        <a:latin typeface="Cambria Math" panose="02040503050406030204" pitchFamily="18" charset="0"/>
+                                        <a:ea typeface="+mn-ea"/>
+                                        <a:cs typeface="+mn-cs"/>
+                                      </a:rPr>
+                                    </m:ctrlPr>
+                                  </m:sSubPr>
+                                  <m:e>
+                                    <m:r>
+                                      <a:rPr lang="en-US" sz="1800" b="0" i="1" kern="1200" smtClean="0">
+                                        <a:solidFill>
+                                          <a:schemeClr val="tx1"/>
+                                        </a:solidFill>
+                                        <a:latin typeface="Cambria Math" panose="02040503050406030204" pitchFamily="18" charset="0"/>
+                                        <a:ea typeface="+mn-ea"/>
+                                        <a:cs typeface="+mn-cs"/>
+                                      </a:rPr>
+                                      <m:t>𝑉</m:t>
+                                    </m:r>
+                                  </m:e>
+                                  <m:sub>
+                                    <m:r>
+                                      <a:rPr lang="en-US" sz="1800" b="0" i="1" kern="1200" smtClean="0">
+                                        <a:solidFill>
+                                          <a:schemeClr val="tx1"/>
+                                        </a:solidFill>
+                                        <a:latin typeface="Cambria Math" panose="02040503050406030204" pitchFamily="18" charset="0"/>
+                                        <a:ea typeface="+mn-ea"/>
+                                        <a:cs typeface="+mn-cs"/>
+                                      </a:rPr>
+                                      <m:t>𝐵</m:t>
+                                    </m:r>
+                                  </m:sub>
+                                </m:sSub>
+                              </m:oMath>
+                            </m:oMathPara>
+                          </a14:m>
+                          <a:endParaRPr lang="fa-IR" dirty="0"/>
+                        </a:p>
+                      </a:txBody>
+                      <a:tcPr anchor="ctr">
+                        <a:solidFill>
+                          <a:srgbClr val="D8E7D6"/>
+                        </a:solidFill>
+                      </a:tcPr>
+                    </a:tc>
+                    <a:extLst>
+                      <a:ext uri="{0D108BD9-81ED-4DB2-BD59-A6C34878D82A}">
+                        <a16:rowId xmlns:a16="http://schemas.microsoft.com/office/drawing/2014/main" val="3860227918"/>
+                      </a:ext>
+                    </a:extLst>
+                  </a:tr>
+                </a:tbl>
+              </a:graphicData>
+            </a:graphic>
+          </p:graphicFrame>
+        </mc:Choice>
+        <mc:Fallback>
+          <p:graphicFrame>
+            <p:nvGraphicFramePr>
+              <p:cNvPr id="70" name="Table 69">
+                <a:extLst>
+                  <a:ext uri="{FF2B5EF4-FFF2-40B4-BE49-F238E27FC236}">
+                    <a16:creationId xmlns:a16="http://schemas.microsoft.com/office/drawing/2014/main" id="{3B59057E-DCBC-4A9D-1C86-614F70D97966}"/>
+                  </a:ext>
+                </a:extLst>
+              </p:cNvPr>
+              <p:cNvGraphicFramePr>
+                <a:graphicFrameLocks noGrp="1"/>
+              </p:cNvGraphicFramePr>
+              <p:nvPr/>
+            </p:nvGraphicFramePr>
+            <p:xfrm>
+              <a:off x="5273454" y="3176797"/>
+              <a:ext cx="1090020" cy="3496345"/>
+            </p:xfrm>
+            <a:graphic>
+              <a:graphicData uri="http://schemas.openxmlformats.org/drawingml/2006/table">
+                <a:tbl>
+                  <a:tblPr rtl="1" firstRow="1" bandRow="1">
+                    <a:tableStyleId>{5940675A-B579-460E-94D1-54222C63F5DA}</a:tableStyleId>
+                  </a:tblPr>
+                  <a:tblGrid>
+                    <a:gridCol w="1090020">
+                      <a:extLst>
+                        <a:ext uri="{9D8B030D-6E8A-4147-A177-3AD203B41FA5}">
+                          <a16:colId xmlns:a16="http://schemas.microsoft.com/office/drawing/2014/main" val="3665383152"/>
+                        </a:ext>
+                      </a:extLst>
+                    </a:gridCol>
+                  </a:tblGrid>
+                  <a:tr h="699269">
+                    <a:tc>
+                      <a:txBody>
+                        <a:bodyPr/>
+                        <a:lstStyle/>
+                        <a:p>
+                          <a:endParaRPr lang="fa-IR"/>
+                        </a:p>
+                      </a:txBody>
+                      <a:tcPr anchor="ctr">
+                        <a:blipFill>
+                          <a:blip r:embed="rId12"/>
+                          <a:stretch>
+                            <a:fillRect l="-559" t="-870" r="-1117" b="-400870"/>
+                          </a:stretch>
+                        </a:blipFill>
+                      </a:tcPr>
+                    </a:tc>
+                    <a:extLst>
+                      <a:ext uri="{0D108BD9-81ED-4DB2-BD59-A6C34878D82A}">
+                        <a16:rowId xmlns:a16="http://schemas.microsoft.com/office/drawing/2014/main" val="331585855"/>
+                      </a:ext>
+                    </a:extLst>
+                  </a:tr>
+                  <a:tr h="699269">
+                    <a:tc>
+                      <a:txBody>
+                        <a:bodyPr/>
+                        <a:lstStyle/>
+                        <a:p>
+                          <a:endParaRPr lang="fa-IR"/>
+                        </a:p>
+                      </a:txBody>
+                      <a:tcPr anchor="ctr">
+                        <a:blipFill>
+                          <a:blip r:embed="rId12"/>
+                          <a:stretch>
+                            <a:fillRect l="-559" t="-100870" r="-1117" b="-300870"/>
+                          </a:stretch>
+                        </a:blipFill>
+                      </a:tcPr>
+                    </a:tc>
+                    <a:extLst>
+                      <a:ext uri="{0D108BD9-81ED-4DB2-BD59-A6C34878D82A}">
+                        <a16:rowId xmlns:a16="http://schemas.microsoft.com/office/drawing/2014/main" val="3132727851"/>
+                      </a:ext>
+                    </a:extLst>
+                  </a:tr>
+                  <a:tr h="699269">
+                    <a:tc>
+                      <a:txBody>
+                        <a:bodyPr/>
+                        <a:lstStyle/>
+                        <a:p>
+                          <a:endParaRPr lang="fa-IR"/>
+                        </a:p>
+                      </a:txBody>
+                      <a:tcPr anchor="ctr">
+                        <a:blipFill>
+                          <a:blip r:embed="rId12"/>
+                          <a:stretch>
+                            <a:fillRect l="-559" t="-202632" r="-1117" b="-203509"/>
+                          </a:stretch>
+                        </a:blipFill>
+                      </a:tcPr>
+                    </a:tc>
+                    <a:extLst>
+                      <a:ext uri="{0D108BD9-81ED-4DB2-BD59-A6C34878D82A}">
+                        <a16:rowId xmlns:a16="http://schemas.microsoft.com/office/drawing/2014/main" val="3735263647"/>
+                      </a:ext>
+                    </a:extLst>
+                  </a:tr>
+                  <a:tr h="699269">
+                    <a:tc>
+                      <a:txBody>
+                        <a:bodyPr/>
+                        <a:lstStyle/>
+                        <a:p>
+                          <a:endParaRPr lang="fa-IR"/>
+                        </a:p>
+                      </a:txBody>
+                      <a:tcPr anchor="ctr">
+                        <a:blipFill>
+                          <a:blip r:embed="rId12"/>
+                          <a:stretch>
+                            <a:fillRect l="-559" t="-300000" r="-1117" b="-101739"/>
+                          </a:stretch>
+                        </a:blipFill>
+                      </a:tcPr>
+                    </a:tc>
+                    <a:extLst>
+                      <a:ext uri="{0D108BD9-81ED-4DB2-BD59-A6C34878D82A}">
+                        <a16:rowId xmlns:a16="http://schemas.microsoft.com/office/drawing/2014/main" val="3995796963"/>
+                      </a:ext>
+                    </a:extLst>
+                  </a:tr>
+                  <a:tr h="699269">
+                    <a:tc>
+                      <a:txBody>
+                        <a:bodyPr/>
+                        <a:lstStyle/>
+                        <a:p>
+                          <a:endParaRPr lang="fa-IR"/>
+                        </a:p>
+                      </a:txBody>
+                      <a:tcPr anchor="ctr">
+                        <a:blipFill>
+                          <a:blip r:embed="rId12"/>
+                          <a:stretch>
+                            <a:fillRect l="-559" t="-400000" r="-1117" b="-1739"/>
+                          </a:stretch>
+                        </a:blipFill>
+                      </a:tcPr>
+                    </a:tc>
+                    <a:extLst>
+                      <a:ext uri="{0D108BD9-81ED-4DB2-BD59-A6C34878D82A}">
+                        <a16:rowId xmlns:a16="http://schemas.microsoft.com/office/drawing/2014/main" val="3860227918"/>
+                      </a:ext>
+                    </a:extLst>
+                  </a:tr>
+                </a:tbl>
+              </a:graphicData>
+            </a:graphic>
+          </p:graphicFrame>
+        </mc:Fallback>
+      </mc:AlternateContent>
+      <p:cxnSp>
+        <p:nvCxnSpPr>
+          <p:cNvPr id="72" name="Straight Arrow Connector 71">
+            <a:extLst>
+              <a:ext uri="{FF2B5EF4-FFF2-40B4-BE49-F238E27FC236}">
+                <a16:creationId xmlns:a16="http://schemas.microsoft.com/office/drawing/2014/main" id="{B8BD832B-F898-BF3A-4155-7AF00F927EA0}"/>
+              </a:ext>
+            </a:extLst>
+          </p:cNvPr>
+          <p:cNvCxnSpPr>
+            <a:stCxn id="46" idx="0"/>
+            <a:endCxn id="70" idx="1"/>
+          </p:cNvCxnSpPr>
+          <p:nvPr/>
+        </p:nvCxnSpPr>
+        <p:spPr>
+          <a:xfrm>
+            <a:off x="3251202" y="4924538"/>
+            <a:ext cx="2022252" cy="431"/>
+          </a:xfrm>
+          <a:prstGeom prst="straightConnector1">
+            <a:avLst/>
+          </a:prstGeom>
+          <a:ln w="19050">
+            <a:solidFill>
+              <a:srgbClr val="333333"/>
+            </a:solidFill>
+            <a:tailEnd type="triangle"/>
+          </a:ln>
+        </p:spPr>
+        <p:style>
+          <a:lnRef idx="1">
+            <a:schemeClr val="accent1"/>
+          </a:lnRef>
+          <a:fillRef idx="0">
+            <a:schemeClr val="accent1"/>
+          </a:fillRef>
+          <a:effectRef idx="0">
+            <a:schemeClr val="accent1"/>
+          </a:effectRef>
+          <a:fontRef idx="minor">
+            <a:schemeClr val="tx1"/>
+          </a:fontRef>
+        </p:style>
+      </p:cxnSp>
+      <p:cxnSp>
+        <p:nvCxnSpPr>
+          <p:cNvPr id="74" name="Connector: Curved 73">
+            <a:extLst>
+              <a:ext uri="{FF2B5EF4-FFF2-40B4-BE49-F238E27FC236}">
+                <a16:creationId xmlns:a16="http://schemas.microsoft.com/office/drawing/2014/main" id="{886DC68E-AFD9-1E0E-2299-25B0D190CD6C}"/>
+              </a:ext>
+            </a:extLst>
+          </p:cNvPr>
+          <p:cNvCxnSpPr/>
+          <p:nvPr/>
+        </p:nvCxnSpPr>
+        <p:spPr>
+          <a:xfrm rot="5400000" flipH="1" flipV="1">
+            <a:off x="4102107" y="3753192"/>
+            <a:ext cx="1421899" cy="920795"/>
+          </a:xfrm>
+          <a:prstGeom prst="curvedConnector3">
+            <a:avLst>
+              <a:gd name="adj1" fmla="val 99368"/>
+            </a:avLst>
+          </a:prstGeom>
+          <a:ln w="19050">
+            <a:solidFill>
+              <a:srgbClr val="333333"/>
+            </a:solidFill>
+            <a:tailEnd type="triangle"/>
+          </a:ln>
+        </p:spPr>
+        <p:style>
+          <a:lnRef idx="1">
+            <a:schemeClr val="accent1"/>
+          </a:lnRef>
+          <a:fillRef idx="0">
+            <a:schemeClr val="accent1"/>
+          </a:fillRef>
+          <a:effectRef idx="0">
+            <a:schemeClr val="accent1"/>
+          </a:effectRef>
+          <a:fontRef idx="minor">
+            <a:schemeClr val="tx1"/>
+          </a:fontRef>
+        </p:style>
+      </p:cxnSp>
+      <p:cxnSp>
+        <p:nvCxnSpPr>
+          <p:cNvPr id="77" name="Connector: Curved 76">
+            <a:extLst>
+              <a:ext uri="{FF2B5EF4-FFF2-40B4-BE49-F238E27FC236}">
+                <a16:creationId xmlns:a16="http://schemas.microsoft.com/office/drawing/2014/main" id="{A9351A61-270E-0248-8207-8CB261387A78}"/>
+              </a:ext>
+            </a:extLst>
+          </p:cNvPr>
+          <p:cNvCxnSpPr/>
+          <p:nvPr/>
+        </p:nvCxnSpPr>
+        <p:spPr>
+          <a:xfrm flipV="1">
+            <a:off x="4352659" y="4204620"/>
+            <a:ext cx="920795" cy="719918"/>
+          </a:xfrm>
+          <a:prstGeom prst="curvedConnector3">
+            <a:avLst>
+              <a:gd name="adj1" fmla="val 1852"/>
+            </a:avLst>
+          </a:prstGeom>
+          <a:ln w="19050">
+            <a:solidFill>
+              <a:srgbClr val="333333"/>
+            </a:solidFill>
+            <a:tailEnd type="triangle"/>
+          </a:ln>
+        </p:spPr>
+        <p:style>
+          <a:lnRef idx="1">
+            <a:schemeClr val="accent1"/>
+          </a:lnRef>
+          <a:fillRef idx="0">
+            <a:schemeClr val="accent1"/>
+          </a:fillRef>
+          <a:effectRef idx="0">
+            <a:schemeClr val="accent1"/>
+          </a:effectRef>
+          <a:fontRef idx="minor">
+            <a:schemeClr val="tx1"/>
+          </a:fontRef>
+        </p:style>
+      </p:cxnSp>
+      <p:cxnSp>
+        <p:nvCxnSpPr>
+          <p:cNvPr id="79" name="Connector: Curved 78">
+            <a:extLst>
+              <a:ext uri="{FF2B5EF4-FFF2-40B4-BE49-F238E27FC236}">
+                <a16:creationId xmlns:a16="http://schemas.microsoft.com/office/drawing/2014/main" id="{CAF53563-3908-F26F-0F55-C92A6895D93F}"/>
+              </a:ext>
+            </a:extLst>
+          </p:cNvPr>
+          <p:cNvCxnSpPr>
+            <a:cxnSpLocks/>
+          </p:cNvCxnSpPr>
+          <p:nvPr/>
+        </p:nvCxnSpPr>
+        <p:spPr>
+          <a:xfrm>
+            <a:off x="4341410" y="4925605"/>
+            <a:ext cx="933528" cy="725230"/>
+          </a:xfrm>
+          <a:prstGeom prst="curvedConnector3">
+            <a:avLst>
+              <a:gd name="adj1" fmla="val 3498"/>
+            </a:avLst>
+          </a:prstGeom>
+          <a:ln w="19050">
+            <a:solidFill>
+              <a:srgbClr val="333333"/>
+            </a:solidFill>
+            <a:tailEnd type="triangle"/>
+          </a:ln>
+        </p:spPr>
+        <p:style>
+          <a:lnRef idx="1">
+            <a:schemeClr val="accent1"/>
+          </a:lnRef>
+          <a:fillRef idx="0">
+            <a:schemeClr val="accent1"/>
+          </a:fillRef>
+          <a:effectRef idx="0">
+            <a:schemeClr val="accent1"/>
+          </a:effectRef>
+          <a:fontRef idx="minor">
+            <a:schemeClr val="tx1"/>
+          </a:fontRef>
+        </p:style>
+      </p:cxnSp>
+      <p:cxnSp>
+        <p:nvCxnSpPr>
+          <p:cNvPr id="82" name="Connector: Curved 81">
+            <a:extLst>
+              <a:ext uri="{FF2B5EF4-FFF2-40B4-BE49-F238E27FC236}">
+                <a16:creationId xmlns:a16="http://schemas.microsoft.com/office/drawing/2014/main" id="{45503E71-FF89-4AEA-EA72-92239696E481}"/>
+              </a:ext>
+            </a:extLst>
+          </p:cNvPr>
+          <p:cNvCxnSpPr>
+            <a:cxnSpLocks/>
+          </p:cNvCxnSpPr>
+          <p:nvPr/>
+        </p:nvCxnSpPr>
+        <p:spPr>
+          <a:xfrm rot="16200000" flipH="1">
+            <a:off x="4110043" y="5165677"/>
+            <a:ext cx="1400301" cy="915072"/>
+          </a:xfrm>
+          <a:prstGeom prst="curvedConnector3">
+            <a:avLst>
+              <a:gd name="adj1" fmla="val 101449"/>
+            </a:avLst>
+          </a:prstGeom>
+          <a:ln w="19050">
+            <a:solidFill>
+              <a:srgbClr val="333333"/>
+            </a:solidFill>
+            <a:tailEnd type="triangle"/>
+          </a:ln>
+        </p:spPr>
+        <p:style>
+          <a:lnRef idx="1">
+            <a:schemeClr val="accent1"/>
+          </a:lnRef>
+          <a:fillRef idx="0">
+            <a:schemeClr val="accent1"/>
+          </a:fillRef>
+          <a:effectRef idx="0">
+            <a:schemeClr val="accent1"/>
+          </a:effectRef>
+          <a:fontRef idx="minor">
+            <a:schemeClr val="tx1"/>
+          </a:fontRef>
+        </p:style>
+      </p:cxnSp>
+      <p:cxnSp>
+        <p:nvCxnSpPr>
+          <p:cNvPr id="100" name="Connector: Curved 99">
+            <a:extLst>
+              <a:ext uri="{FF2B5EF4-FFF2-40B4-BE49-F238E27FC236}">
+                <a16:creationId xmlns:a16="http://schemas.microsoft.com/office/drawing/2014/main" id="{556CFBE1-9B75-6C7B-E892-2B636819C2D0}"/>
+              </a:ext>
+            </a:extLst>
+          </p:cNvPr>
+          <p:cNvCxnSpPr>
+            <a:cxnSpLocks/>
+          </p:cNvCxnSpPr>
+          <p:nvPr/>
+        </p:nvCxnSpPr>
+        <p:spPr>
+          <a:xfrm>
+            <a:off x="5753507" y="1507008"/>
+            <a:ext cx="5684752" cy="874435"/>
+          </a:xfrm>
+          <a:prstGeom prst="curvedConnector3">
+            <a:avLst>
+              <a:gd name="adj1" fmla="val 100004"/>
+            </a:avLst>
+          </a:prstGeom>
+          <a:ln w="19050">
+            <a:solidFill>
+              <a:srgbClr val="333333"/>
+            </a:solidFill>
+            <a:tailEnd type="triangle"/>
+          </a:ln>
+        </p:spPr>
+        <p:style>
+          <a:lnRef idx="1">
+            <a:schemeClr val="accent1"/>
+          </a:lnRef>
+          <a:fillRef idx="0">
+            <a:schemeClr val="accent1"/>
+          </a:fillRef>
+          <a:effectRef idx="0">
+            <a:schemeClr val="accent1"/>
+          </a:effectRef>
+          <a:fontRef idx="minor">
+            <a:schemeClr val="tx1"/>
+          </a:fontRef>
+        </p:style>
+      </p:cxnSp>
+      <p:cxnSp>
+        <p:nvCxnSpPr>
+          <p:cNvPr id="103" name="Connector: Curved 102">
+            <a:extLst>
+              <a:ext uri="{FF2B5EF4-FFF2-40B4-BE49-F238E27FC236}">
+                <a16:creationId xmlns:a16="http://schemas.microsoft.com/office/drawing/2014/main" id="{C453CF9A-1352-BE24-C49D-8FEF02AED01D}"/>
+              </a:ext>
+            </a:extLst>
+          </p:cNvPr>
+          <p:cNvCxnSpPr>
+            <a:cxnSpLocks/>
+            <a:stCxn id="24" idx="0"/>
+          </p:cNvCxnSpPr>
+          <p:nvPr/>
+        </p:nvCxnSpPr>
+        <p:spPr>
+          <a:xfrm>
+            <a:off x="5753507" y="1522943"/>
+            <a:ext cx="4585400" cy="858500"/>
+          </a:xfrm>
+          <a:prstGeom prst="curvedConnector3">
+            <a:avLst>
+              <a:gd name="adj1" fmla="val 99637"/>
+            </a:avLst>
+          </a:prstGeom>
+          <a:ln w="19050">
+            <a:solidFill>
+              <a:srgbClr val="333333"/>
+            </a:solidFill>
+            <a:tailEnd type="triangle"/>
+          </a:ln>
+        </p:spPr>
+        <p:style>
+          <a:lnRef idx="1">
+            <a:schemeClr val="accent1"/>
+          </a:lnRef>
+          <a:fillRef idx="0">
+            <a:schemeClr val="accent1"/>
+          </a:fillRef>
+          <a:effectRef idx="0">
+            <a:schemeClr val="accent1"/>
+          </a:effectRef>
+          <a:fontRef idx="minor">
+            <a:schemeClr val="tx1"/>
+          </a:fontRef>
+        </p:style>
+      </p:cxnSp>
+      <p:cxnSp>
+        <p:nvCxnSpPr>
+          <p:cNvPr id="106" name="Connector: Curved 105">
+            <a:extLst>
+              <a:ext uri="{FF2B5EF4-FFF2-40B4-BE49-F238E27FC236}">
+                <a16:creationId xmlns:a16="http://schemas.microsoft.com/office/drawing/2014/main" id="{41C67040-D781-D1FE-B84F-E2303E2B17EC}"/>
+              </a:ext>
+            </a:extLst>
+          </p:cNvPr>
+          <p:cNvCxnSpPr>
+            <a:cxnSpLocks/>
+            <a:stCxn id="24" idx="0"/>
+            <a:endCxn id="38" idx="0"/>
+          </p:cNvCxnSpPr>
+          <p:nvPr/>
+        </p:nvCxnSpPr>
+        <p:spPr>
+          <a:xfrm>
+            <a:off x="5753507" y="1522943"/>
+            <a:ext cx="3442976" cy="858352"/>
+          </a:xfrm>
+          <a:prstGeom prst="curvedConnector2">
+            <a:avLst/>
+          </a:prstGeom>
+          <a:ln w="19050">
+            <a:solidFill>
+              <a:srgbClr val="333333"/>
+            </a:solidFill>
+            <a:tailEnd type="triangle"/>
+          </a:ln>
+        </p:spPr>
+        <p:style>
+          <a:lnRef idx="1">
+            <a:schemeClr val="accent1"/>
+          </a:lnRef>
+          <a:fillRef idx="0">
+            <a:schemeClr val="accent1"/>
+          </a:fillRef>
+          <a:effectRef idx="0">
+            <a:schemeClr val="accent1"/>
+          </a:effectRef>
+          <a:fontRef idx="minor">
+            <a:schemeClr val="tx1"/>
+          </a:fontRef>
+        </p:style>
+      </p:cxnSp>
+      <p:cxnSp>
+        <p:nvCxnSpPr>
+          <p:cNvPr id="108" name="Connector: Curved 107">
+            <a:extLst>
+              <a:ext uri="{FF2B5EF4-FFF2-40B4-BE49-F238E27FC236}">
+                <a16:creationId xmlns:a16="http://schemas.microsoft.com/office/drawing/2014/main" id="{A6D8C7D2-2BAB-2388-0FDC-5DAED9625498}"/>
+              </a:ext>
+            </a:extLst>
+          </p:cNvPr>
+          <p:cNvCxnSpPr>
+            <a:cxnSpLocks/>
+            <a:stCxn id="24" idx="0"/>
+          </p:cNvCxnSpPr>
+          <p:nvPr/>
+        </p:nvCxnSpPr>
+        <p:spPr>
+          <a:xfrm>
+            <a:off x="5753507" y="1522943"/>
+            <a:ext cx="2285661" cy="864867"/>
+          </a:xfrm>
+          <a:prstGeom prst="curvedConnector3">
+            <a:avLst>
+              <a:gd name="adj1" fmla="val 99138"/>
+            </a:avLst>
+          </a:prstGeom>
+          <a:ln w="19050">
+            <a:solidFill>
+              <a:srgbClr val="333333"/>
+            </a:solidFill>
+            <a:tailEnd type="triangle"/>
+          </a:ln>
+        </p:spPr>
+        <p:style>
+          <a:lnRef idx="1">
+            <a:schemeClr val="accent1"/>
+          </a:lnRef>
+          <a:fillRef idx="0">
+            <a:schemeClr val="accent1"/>
+          </a:fillRef>
+          <a:effectRef idx="0">
+            <a:schemeClr val="accent1"/>
+          </a:effectRef>
+          <a:fontRef idx="minor">
+            <a:schemeClr val="tx1"/>
+          </a:fontRef>
+        </p:style>
+      </p:cxnSp>
+      <p:cxnSp>
+        <p:nvCxnSpPr>
+          <p:cNvPr id="111" name="Connector: Curved 110">
+            <a:extLst>
+              <a:ext uri="{FF2B5EF4-FFF2-40B4-BE49-F238E27FC236}">
+                <a16:creationId xmlns:a16="http://schemas.microsoft.com/office/drawing/2014/main" id="{5050576D-B31C-BCB2-A282-8BDD494DA72A}"/>
+              </a:ext>
+            </a:extLst>
+          </p:cNvPr>
+          <p:cNvCxnSpPr>
+            <a:cxnSpLocks/>
+            <a:stCxn id="24" idx="0"/>
+          </p:cNvCxnSpPr>
+          <p:nvPr/>
+        </p:nvCxnSpPr>
+        <p:spPr>
+          <a:xfrm>
+            <a:off x="5753507" y="1522943"/>
+            <a:ext cx="1290598" cy="857815"/>
+          </a:xfrm>
+          <a:prstGeom prst="curvedConnector3">
+            <a:avLst>
+              <a:gd name="adj1" fmla="val 100058"/>
+            </a:avLst>
+          </a:prstGeom>
+          <a:ln w="19050">
+            <a:solidFill>
+              <a:srgbClr val="333333"/>
+            </a:solidFill>
+            <a:tailEnd type="triangle"/>
+          </a:ln>
+        </p:spPr>
+        <p:style>
+          <a:lnRef idx="1">
+            <a:schemeClr val="accent1"/>
+          </a:lnRef>
+          <a:fillRef idx="0">
+            <a:schemeClr val="accent1"/>
+          </a:fillRef>
+          <a:effectRef idx="0">
+            <a:schemeClr val="accent1"/>
+          </a:effectRef>
+          <a:fontRef idx="minor">
+            <a:schemeClr val="tx1"/>
+          </a:fontRef>
+        </p:style>
+      </p:cxnSp>
+      <mc:AlternateContent xmlns:mc="http://schemas.openxmlformats.org/markup-compatibility/2006">
+        <mc:Choice xmlns:a14="http://schemas.microsoft.com/office/drawing/2010/main" Requires="a14">
+          <p:sp>
+            <p:nvSpPr>
+              <p:cNvPr id="116" name="TextBox 115">
+                <a:extLst>
+                  <a:ext uri="{FF2B5EF4-FFF2-40B4-BE49-F238E27FC236}">
+                    <a16:creationId xmlns:a16="http://schemas.microsoft.com/office/drawing/2014/main" id="{36CE14EF-A1A0-21E0-5492-E5AEBB9D4B90}"/>
+                  </a:ext>
+                </a:extLst>
+              </p:cNvPr>
+              <p:cNvSpPr txBox="1"/>
+              <p:nvPr/>
+            </p:nvSpPr>
+            <p:spPr>
+              <a:xfrm>
+                <a:off x="3157737" y="4550673"/>
+                <a:ext cx="1275466" cy="372410"/>
+              </a:xfrm>
+              <a:prstGeom prst="rect">
+                <a:avLst/>
+              </a:prstGeom>
+              <a:noFill/>
+            </p:spPr>
+            <p:txBody>
+              <a:bodyPr wrap="square">
+                <a:spAutoFit/>
+              </a:bodyPr>
+              <a:lstStyle/>
+              <a:p>
+                <a:pPr/>
+                <a14:m>
+                  <m:oMathPara xmlns:m="http://schemas.openxmlformats.org/officeDocument/2006/math">
+                    <m:oMathParaPr>
+                      <m:jc m:val="centerGroup"/>
+                    </m:oMathParaPr>
+                    <m:oMath xmlns:m="http://schemas.openxmlformats.org/officeDocument/2006/math">
+                      <m:sSup>
+                        <m:sSupPr>
+                          <m:ctrlPr>
+                            <a:rPr lang="en-US" sz="1800" b="0" i="1" smtClean="0">
+                              <a:latin typeface="Cambria Math" panose="02040503050406030204" pitchFamily="18" charset="0"/>
+                            </a:rPr>
+                          </m:ctrlPr>
+                        </m:sSupPr>
+                        <m:e>
+                          <m:r>
+                            <a:rPr lang="en-US" i="1" dirty="0">
+                              <a:latin typeface="Cambria Math" panose="02040503050406030204" pitchFamily="18" charset="0"/>
+                            </a:rPr>
+                            <m:t>∈</m:t>
+                          </m:r>
+                          <m:r>
+                            <a:rPr lang="en-US" sz="1800" b="0" i="1" smtClean="0">
+                              <a:latin typeface="Cambria Math" panose="02040503050406030204" pitchFamily="18" charset="0"/>
+                            </a:rPr>
+                            <m:t>𝑅</m:t>
+                          </m:r>
+                        </m:e>
+                        <m:sup>
+                          <m:r>
+                            <a:rPr lang="en-US" sz="1800" b="0" i="1" smtClean="0">
+                              <a:latin typeface="Cambria Math" panose="02040503050406030204" pitchFamily="18" charset="0"/>
+                            </a:rPr>
+                            <m:t>𝐵</m:t>
+                          </m:r>
+                          <m:r>
+                            <a:rPr lang="en-US" i="1">
+                              <a:latin typeface="Cambria Math" panose="02040503050406030204" pitchFamily="18" charset="0"/>
+                            </a:rPr>
+                            <m:t>×</m:t>
+                          </m:r>
+                          <m:r>
+                            <a:rPr lang="en-US" sz="1800" b="0" i="1" smtClean="0">
+                              <a:latin typeface="Cambria Math" panose="02040503050406030204" pitchFamily="18" charset="0"/>
+                            </a:rPr>
+                            <m:t>512</m:t>
+                          </m:r>
+                        </m:sup>
+                      </m:sSup>
+                    </m:oMath>
+                  </m:oMathPara>
+                </a14:m>
+                <a:endParaRPr lang="fa-IR" dirty="0"/>
+              </a:p>
+            </p:txBody>
+          </p:sp>
+        </mc:Choice>
+        <mc:Fallback>
+          <p:sp>
+            <p:nvSpPr>
+              <p:cNvPr id="116" name="TextBox 115">
+                <a:extLst>
+                  <a:ext uri="{FF2B5EF4-FFF2-40B4-BE49-F238E27FC236}">
+                    <a16:creationId xmlns:a16="http://schemas.microsoft.com/office/drawing/2014/main" id="{36CE14EF-A1A0-21E0-5492-E5AEBB9D4B90}"/>
+                  </a:ext>
+                </a:extLst>
+              </p:cNvPr>
+              <p:cNvSpPr txBox="1">
+                <a:spLocks noRot="1" noChangeAspect="1" noMove="1" noResize="1" noEditPoints="1" noAdjustHandles="1" noChangeArrowheads="1" noChangeShapeType="1" noTextEdit="1"/>
+              </p:cNvSpPr>
+              <p:nvPr/>
+            </p:nvSpPr>
+            <p:spPr>
+              <a:xfrm>
+                <a:off x="3157737" y="4550673"/>
+                <a:ext cx="1275466" cy="372410"/>
+              </a:xfrm>
+              <a:prstGeom prst="rect">
+                <a:avLst/>
+              </a:prstGeom>
+              <a:blipFill>
+                <a:blip r:embed="rId13"/>
+                <a:stretch>
+                  <a:fillRect/>
+                </a:stretch>
+              </a:blipFill>
+            </p:spPr>
+            <p:txBody>
+              <a:bodyPr/>
+              <a:lstStyle/>
+              <a:p>
+                <a:r>
+                  <a:rPr lang="fa-IR">
+                    <a:noFill/>
+                  </a:rPr>
+                  <a:t> </a:t>
+                </a:r>
+              </a:p>
+            </p:txBody>
+          </p:sp>
+        </mc:Fallback>
+      </mc:AlternateContent>
+      <mc:AlternateContent xmlns:mc="http://schemas.openxmlformats.org/markup-compatibility/2006">
+        <mc:Choice xmlns:a14="http://schemas.microsoft.com/office/drawing/2010/main" Requires="a14">
+          <p:sp>
+            <p:nvSpPr>
+              <p:cNvPr id="117" name="TextBox 116">
+                <a:extLst>
+                  <a:ext uri="{FF2B5EF4-FFF2-40B4-BE49-F238E27FC236}">
+                    <a16:creationId xmlns:a16="http://schemas.microsoft.com/office/drawing/2014/main" id="{4186A000-EB37-4240-401E-8F39D594102B}"/>
+                  </a:ext>
+                </a:extLst>
+              </p:cNvPr>
+              <p:cNvSpPr txBox="1"/>
+              <p:nvPr/>
+            </p:nvSpPr>
+            <p:spPr>
+              <a:xfrm>
+                <a:off x="5632808" y="1134598"/>
+                <a:ext cx="1275466" cy="372410"/>
+              </a:xfrm>
+              <a:prstGeom prst="rect">
+                <a:avLst/>
+              </a:prstGeom>
+              <a:noFill/>
+            </p:spPr>
+            <p:txBody>
+              <a:bodyPr wrap="square">
+                <a:spAutoFit/>
+              </a:bodyPr>
+              <a:lstStyle/>
+              <a:p>
+                <a:pPr/>
+                <a14:m>
+                  <m:oMathPara xmlns:m="http://schemas.openxmlformats.org/officeDocument/2006/math">
+                    <m:oMathParaPr>
+                      <m:jc m:val="centerGroup"/>
+                    </m:oMathParaPr>
+                    <m:oMath xmlns:m="http://schemas.openxmlformats.org/officeDocument/2006/math">
+                      <m:sSup>
+                        <m:sSupPr>
+                          <m:ctrlPr>
+                            <a:rPr lang="en-US" sz="1800" b="0" i="1" smtClean="0">
+                              <a:latin typeface="Cambria Math" panose="02040503050406030204" pitchFamily="18" charset="0"/>
+                            </a:rPr>
+                          </m:ctrlPr>
+                        </m:sSupPr>
+                        <m:e>
+                          <m:r>
+                            <a:rPr lang="en-US" i="1" dirty="0">
+                              <a:latin typeface="Cambria Math" panose="02040503050406030204" pitchFamily="18" charset="0"/>
+                            </a:rPr>
+                            <m:t>∈</m:t>
+                          </m:r>
+                          <m:r>
+                            <a:rPr lang="en-US" sz="1800" b="0" i="1" smtClean="0">
+                              <a:latin typeface="Cambria Math" panose="02040503050406030204" pitchFamily="18" charset="0"/>
+                            </a:rPr>
+                            <m:t>𝑅</m:t>
+                          </m:r>
+                        </m:e>
+                        <m:sup>
+                          <m:r>
+                            <a:rPr lang="en-US" sz="1800" b="0" i="1" smtClean="0">
+                              <a:latin typeface="Cambria Math" panose="02040503050406030204" pitchFamily="18" charset="0"/>
+                            </a:rPr>
+                            <m:t>𝑁</m:t>
+                          </m:r>
+                          <m:r>
+                            <a:rPr lang="en-US" i="1">
+                              <a:latin typeface="Cambria Math" panose="02040503050406030204" pitchFamily="18" charset="0"/>
+                            </a:rPr>
+                            <m:t>×</m:t>
+                          </m:r>
+                          <m:r>
+                            <a:rPr lang="en-US" sz="1800" b="0" i="1" smtClean="0">
+                              <a:latin typeface="Cambria Math" panose="02040503050406030204" pitchFamily="18" charset="0"/>
+                            </a:rPr>
+                            <m:t>512</m:t>
+                          </m:r>
+                        </m:sup>
+                      </m:sSup>
+                    </m:oMath>
+                  </m:oMathPara>
+                </a14:m>
+                <a:endParaRPr lang="fa-IR" dirty="0"/>
+              </a:p>
+            </p:txBody>
+          </p:sp>
+        </mc:Choice>
+        <mc:Fallback>
+          <p:sp>
+            <p:nvSpPr>
+              <p:cNvPr id="117" name="TextBox 116">
+                <a:extLst>
+                  <a:ext uri="{FF2B5EF4-FFF2-40B4-BE49-F238E27FC236}">
+                    <a16:creationId xmlns:a16="http://schemas.microsoft.com/office/drawing/2014/main" id="{4186A000-EB37-4240-401E-8F39D594102B}"/>
+                  </a:ext>
+                </a:extLst>
+              </p:cNvPr>
+              <p:cNvSpPr txBox="1">
+                <a:spLocks noRot="1" noChangeAspect="1" noMove="1" noResize="1" noEditPoints="1" noAdjustHandles="1" noChangeArrowheads="1" noChangeShapeType="1" noTextEdit="1"/>
+              </p:cNvSpPr>
+              <p:nvPr/>
+            </p:nvSpPr>
+            <p:spPr>
+              <a:xfrm>
+                <a:off x="5632808" y="1134598"/>
+                <a:ext cx="1275466" cy="372410"/>
+              </a:xfrm>
+              <a:prstGeom prst="rect">
+                <a:avLst/>
+              </a:prstGeom>
+              <a:blipFill>
+                <a:blip r:embed="rId14"/>
+                <a:stretch>
+                  <a:fillRect/>
+                </a:stretch>
+              </a:blipFill>
+            </p:spPr>
+            <p:txBody>
+              <a:bodyPr/>
+              <a:lstStyle/>
+              <a:p>
+                <a:r>
+                  <a:rPr lang="fa-IR">
+                    <a:noFill/>
+                  </a:rPr>
+                  <a:t> </a:t>
+                </a:r>
+              </a:p>
+            </p:txBody>
+          </p:sp>
+        </mc:Fallback>
+      </mc:AlternateContent>
+    </p:spTree>
+    <p:extLst>
+      <p:ext uri="{BB962C8B-B14F-4D97-AF65-F5344CB8AC3E}">
+        <p14:creationId xmlns:p14="http://schemas.microsoft.com/office/powerpoint/2010/main" val="2401989507"/>
       </p:ext>
     </p:extLst>
   </p:cSld>
